--- a/SAAM.pptx
+++ b/SAAM.pptx
@@ -7,6 +7,10 @@
   <p:sldIdLst>
     <p:sldId id="256" r:id="rId2"/>
     <p:sldId id="257" r:id="rId3"/>
+    <p:sldId id="258" r:id="rId4"/>
+    <p:sldId id="259" r:id="rId5"/>
+    <p:sldId id="260" r:id="rId6"/>
+    <p:sldId id="261" r:id="rId7"/>
   </p:sldIdLst>
   <p:sldSz cx="12192000" cy="6858000"/>
   <p:notesSz cx="6858000" cy="9144000"/>
@@ -105,6 +109,11 @@
       </a:defRPr>
     </a:lvl9pPr>
   </p:defaultTextStyle>
+  <p:extLst>
+    <p:ext uri="{EFAFB233-063F-42B5-8137-9DF3F51BA10A}">
+      <p15:sldGuideLst xmlns:p15="http://schemas.microsoft.com/office/powerpoint/2012/main"/>
+    </p:ext>
+  </p:extLst>
 </p:presentation>
 </file>
 
@@ -382,7 +391,7 @@
           <a:p>
             <a:fld id="{7586D5CB-B1F5-4E18-A266-634883218EAB}" type="datetimeFigureOut">
               <a:rPr lang="en-US" smtClean="0"/>
-              <a:t>11/12/2019</a:t>
+              <a:t>11/14/2019</a:t>
             </a:fld>
             <a:endParaRPr lang="en-US"/>
           </a:p>
@@ -796,7 +805,7 @@
           <a:p>
             <a:fld id="{7586D5CB-B1F5-4E18-A266-634883218EAB}" type="datetimeFigureOut">
               <a:rPr lang="en-US" smtClean="0"/>
-              <a:t>11/12/2019</a:t>
+              <a:t>11/14/2019</a:t>
             </a:fld>
             <a:endParaRPr lang="en-US"/>
           </a:p>
@@ -1132,7 +1141,7 @@
           <a:p>
             <a:fld id="{7586D5CB-B1F5-4E18-A266-634883218EAB}" type="datetimeFigureOut">
               <a:rPr lang="en-US" smtClean="0"/>
-              <a:t>11/12/2019</a:t>
+              <a:t>11/14/2019</a:t>
             </a:fld>
             <a:endParaRPr lang="en-US"/>
           </a:p>
@@ -1537,7 +1546,7 @@
           <a:p>
             <a:fld id="{7586D5CB-B1F5-4E18-A266-634883218EAB}" type="datetimeFigureOut">
               <a:rPr lang="en-US" smtClean="0"/>
-              <a:t>11/12/2019</a:t>
+              <a:t>11/14/2019</a:t>
             </a:fld>
             <a:endParaRPr lang="en-US"/>
           </a:p>
@@ -2105,7 +2114,7 @@
           <a:p>
             <a:fld id="{7586D5CB-B1F5-4E18-A266-634883218EAB}" type="datetimeFigureOut">
               <a:rPr lang="en-US" smtClean="0"/>
-              <a:t>11/12/2019</a:t>
+              <a:t>11/14/2019</a:t>
             </a:fld>
             <a:endParaRPr lang="en-US"/>
           </a:p>
@@ -2786,7 +2795,7 @@
           <a:p>
             <a:fld id="{7586D5CB-B1F5-4E18-A266-634883218EAB}" type="datetimeFigureOut">
               <a:rPr lang="en-US" smtClean="0"/>
-              <a:t>11/12/2019</a:t>
+              <a:t>11/14/2019</a:t>
             </a:fld>
             <a:endParaRPr lang="en-US"/>
           </a:p>
@@ -3699,7 +3708,7 @@
           <a:p>
             <a:fld id="{7586D5CB-B1F5-4E18-A266-634883218EAB}" type="datetimeFigureOut">
               <a:rPr lang="en-US" smtClean="0"/>
-              <a:t>11/12/2019</a:t>
+              <a:t>11/14/2019</a:t>
             </a:fld>
             <a:endParaRPr lang="en-US"/>
           </a:p>
@@ -4012,7 +4021,7 @@
           <a:p>
             <a:fld id="{7586D5CB-B1F5-4E18-A266-634883218EAB}" type="datetimeFigureOut">
               <a:rPr lang="en-US" smtClean="0"/>
-              <a:t>11/12/2019</a:t>
+              <a:t>11/14/2019</a:t>
             </a:fld>
             <a:endParaRPr lang="en-US"/>
           </a:p>
@@ -4276,7 +4285,7 @@
           <a:p>
             <a:fld id="{7586D5CB-B1F5-4E18-A266-634883218EAB}" type="datetimeFigureOut">
               <a:rPr lang="en-US" smtClean="0"/>
-              <a:t>11/12/2019</a:t>
+              <a:t>11/14/2019</a:t>
             </a:fld>
             <a:endParaRPr lang="en-US"/>
           </a:p>
@@ -4599,7 +4608,7 @@
           <a:p>
             <a:fld id="{7586D5CB-B1F5-4E18-A266-634883218EAB}" type="datetimeFigureOut">
               <a:rPr lang="en-US" smtClean="0"/>
-              <a:t>11/12/2019</a:t>
+              <a:t>11/14/2019</a:t>
             </a:fld>
             <a:endParaRPr lang="en-US"/>
           </a:p>
@@ -4988,7 +4997,7 @@
           <a:p>
             <a:fld id="{7586D5CB-B1F5-4E18-A266-634883218EAB}" type="datetimeFigureOut">
               <a:rPr lang="en-US" smtClean="0"/>
-              <a:t>11/12/2019</a:t>
+              <a:t>11/14/2019</a:t>
             </a:fld>
             <a:endParaRPr lang="en-US"/>
           </a:p>
@@ -5364,7 +5373,7 @@
           <a:p>
             <a:fld id="{7586D5CB-B1F5-4E18-A266-634883218EAB}" type="datetimeFigureOut">
               <a:rPr lang="en-US" smtClean="0"/>
-              <a:t>11/12/2019</a:t>
+              <a:t>11/14/2019</a:t>
             </a:fld>
             <a:endParaRPr lang="en-US"/>
           </a:p>
@@ -5870,7 +5879,7 @@
           <a:p>
             <a:fld id="{7586D5CB-B1F5-4E18-A266-634883218EAB}" type="datetimeFigureOut">
               <a:rPr lang="en-US" smtClean="0"/>
-              <a:t>11/12/2019</a:t>
+              <a:t>11/14/2019</a:t>
             </a:fld>
             <a:endParaRPr lang="en-US"/>
           </a:p>
@@ -6127,7 +6136,7 @@
           <a:p>
             <a:fld id="{7586D5CB-B1F5-4E18-A266-634883218EAB}" type="datetimeFigureOut">
               <a:rPr lang="en-US" smtClean="0"/>
-              <a:t>11/12/2019</a:t>
+              <a:t>11/14/2019</a:t>
             </a:fld>
             <a:endParaRPr lang="en-US"/>
           </a:p>
@@ -6290,7 +6299,7 @@
           <a:p>
             <a:fld id="{7586D5CB-B1F5-4E18-A266-634883218EAB}" type="datetimeFigureOut">
               <a:rPr lang="en-US" smtClean="0"/>
-              <a:t>11/12/2019</a:t>
+              <a:t>11/14/2019</a:t>
             </a:fld>
             <a:endParaRPr lang="en-US"/>
           </a:p>
@@ -6680,7 +6689,7 @@
           <a:p>
             <a:fld id="{7586D5CB-B1F5-4E18-A266-634883218EAB}" type="datetimeFigureOut">
               <a:rPr lang="en-US" smtClean="0"/>
-              <a:t>11/12/2019</a:t>
+              <a:t>11/14/2019</a:t>
             </a:fld>
             <a:endParaRPr lang="en-US"/>
           </a:p>
@@ -7089,7 +7098,7 @@
           <a:p>
             <a:fld id="{7586D5CB-B1F5-4E18-A266-634883218EAB}" type="datetimeFigureOut">
               <a:rPr lang="en-US" smtClean="0"/>
-              <a:t>11/12/2019</a:t>
+              <a:t>11/14/2019</a:t>
             </a:fld>
             <a:endParaRPr lang="en-US"/>
           </a:p>
@@ -7333,7 +7342,7 @@
           <a:p>
             <a:fld id="{7586D5CB-B1F5-4E18-A266-634883218EAB}" type="datetimeFigureOut">
               <a:rPr lang="en-US" smtClean="0"/>
-              <a:t>11/12/2019</a:t>
+              <a:t>11/14/2019</a:t>
             </a:fld>
             <a:endParaRPr lang="en-US"/>
           </a:p>
@@ -7767,7 +7776,7 @@
           <a:p>
             <a:r>
               <a:rPr lang="en-US" dirty="0"/>
-              <a:t>My SAAM Presentation</a:t>
+              <a:t>GitHub Collaboration</a:t>
             </a:r>
           </a:p>
         </p:txBody>
@@ -7795,7 +7804,7 @@
           <a:p>
             <a:r>
               <a:rPr lang="en-US" dirty="0"/>
-              <a:t>by Team Awesome</a:t>
+              <a:t>Intro to Branching</a:t>
             </a:r>
           </a:p>
         </p:txBody>
@@ -7853,7 +7862,7 @@
           <a:p>
             <a:r>
               <a:rPr lang="en-US" dirty="0"/>
-              <a:t>Our Project</a:t>
+              <a:t>Add Collaborators</a:t>
             </a:r>
           </a:p>
         </p:txBody>
@@ -7871,7 +7880,7 @@
             <a:spLocks noGrp="1"/>
           </p:cNvSpPr>
           <p:nvPr>
-            <p:ph idx="1"/>
+            <p:ph sz="half" idx="1"/>
           </p:nvPr>
         </p:nvSpPr>
         <p:spPr/>
@@ -7881,31 +7890,607 @@
           <a:p>
             <a:r>
               <a:rPr lang="en-US" dirty="0"/>
-              <a:t>Do awesome things</a:t>
+              <a:t>GitHub.com</a:t>
             </a:r>
           </a:p>
           <a:p>
             <a:r>
               <a:rPr lang="en-US" dirty="0"/>
-              <a:t>Solve all the problems</a:t>
+              <a:t>Select repository</a:t>
             </a:r>
           </a:p>
           <a:p>
             <a:r>
               <a:rPr lang="en-US" dirty="0"/>
-              <a:t>Give </a:t>
-            </a:r>
-            <a:r>
-              <a:rPr lang="en-US"/>
-              <a:t>amazing presentation</a:t>
-            </a:r>
-          </a:p>
-        </p:txBody>
-      </p:sp>
+              <a:t>Settings</a:t>
+            </a:r>
+          </a:p>
+          <a:p>
+            <a:r>
+              <a:rPr lang="en-US" dirty="0"/>
+              <a:t>Collaborators</a:t>
+            </a:r>
+          </a:p>
+          <a:p>
+            <a:r>
+              <a:rPr lang="en-US" dirty="0"/>
+              <a:t>Enter usernames</a:t>
+            </a:r>
+          </a:p>
+        </p:txBody>
+      </p:sp>
+      <p:pic>
+        <p:nvPicPr>
+          <p:cNvPr id="5" name="Content Placeholder 4">
+            <a:extLst>
+              <a:ext uri="{FF2B5EF4-FFF2-40B4-BE49-F238E27FC236}">
+                <a16:creationId xmlns:a16="http://schemas.microsoft.com/office/drawing/2014/main" id="{10945347-A1DD-4C6D-BC81-8AF806409C8E}"/>
+              </a:ext>
+            </a:extLst>
+          </p:cNvPr>
+          <p:cNvPicPr>
+            <a:picLocks noGrp="1" noChangeAspect="1"/>
+          </p:cNvPicPr>
+          <p:nvPr>
+            <p:ph sz="half" idx="2"/>
+          </p:nvPr>
+        </p:nvPicPr>
+        <p:blipFill>
+          <a:blip r:embed="rId2"/>
+          <a:stretch>
+            <a:fillRect/>
+          </a:stretch>
+        </p:blipFill>
+        <p:spPr>
+          <a:xfrm>
+            <a:off x="5378678" y="2291750"/>
+            <a:ext cx="5888817" cy="3813022"/>
+          </a:xfrm>
+          <a:prstGeom prst="rect">
+            <a:avLst/>
+          </a:prstGeom>
+        </p:spPr>
+      </p:pic>
     </p:spTree>
     <p:extLst>
       <p:ext uri="{BB962C8B-B14F-4D97-AF65-F5344CB8AC3E}">
         <p14:creationId xmlns:p14="http://schemas.microsoft.com/office/powerpoint/2010/main" val="2493889171"/>
+      </p:ext>
+    </p:extLst>
+  </p:cSld>
+  <p:clrMapOvr>
+    <a:masterClrMapping/>
+  </p:clrMapOvr>
+</p:sld>
+</file>
+
+<file path=ppt/slides/slide3.xml><?xml version="1.0" encoding="utf-8"?>
+<p:sld xmlns:a="http://schemas.openxmlformats.org/drawingml/2006/main" xmlns:r="http://schemas.openxmlformats.org/officeDocument/2006/relationships" xmlns:p="http://schemas.openxmlformats.org/presentationml/2006/main">
+  <p:cSld>
+    <p:spTree>
+      <p:nvGrpSpPr>
+        <p:cNvPr id="1" name=""/>
+        <p:cNvGrpSpPr/>
+        <p:nvPr/>
+      </p:nvGrpSpPr>
+      <p:grpSpPr>
+        <a:xfrm>
+          <a:off x="0" y="0"/>
+          <a:ext cx="0" cy="0"/>
+          <a:chOff x="0" y="0"/>
+          <a:chExt cx="0" cy="0"/>
+        </a:xfrm>
+      </p:grpSpPr>
+      <p:sp>
+        <p:nvSpPr>
+          <p:cNvPr id="2" name="Title 1">
+            <a:extLst>
+              <a:ext uri="{FF2B5EF4-FFF2-40B4-BE49-F238E27FC236}">
+                <a16:creationId xmlns:a16="http://schemas.microsoft.com/office/drawing/2014/main" id="{5C802241-9D0F-4A3C-90B1-5EF41BEC6098}"/>
+              </a:ext>
+            </a:extLst>
+          </p:cNvPr>
+          <p:cNvSpPr>
+            <a:spLocks noGrp="1"/>
+          </p:cNvSpPr>
+          <p:nvPr>
+            <p:ph type="title"/>
+          </p:nvPr>
+        </p:nvSpPr>
+        <p:spPr/>
+        <p:txBody>
+          <a:bodyPr/>
+          <a:lstStyle/>
+          <a:p>
+            <a:r>
+              <a:rPr lang="en-US" dirty="0"/>
+              <a:t>Clone Using IDE</a:t>
+            </a:r>
+          </a:p>
+        </p:txBody>
+      </p:sp>
+      <p:sp>
+        <p:nvSpPr>
+          <p:cNvPr id="3" name="Content Placeholder 2">
+            <a:extLst>
+              <a:ext uri="{FF2B5EF4-FFF2-40B4-BE49-F238E27FC236}">
+                <a16:creationId xmlns:a16="http://schemas.microsoft.com/office/drawing/2014/main" id="{D5B5569E-0321-4B13-8474-14B230A70661}"/>
+              </a:ext>
+            </a:extLst>
+          </p:cNvPr>
+          <p:cNvSpPr>
+            <a:spLocks noGrp="1"/>
+          </p:cNvSpPr>
+          <p:nvPr>
+            <p:ph sz="half" idx="1"/>
+          </p:nvPr>
+        </p:nvSpPr>
+        <p:spPr/>
+        <p:txBody>
+          <a:bodyPr/>
+          <a:lstStyle/>
+          <a:p>
+            <a:r>
+              <a:rPr lang="en-US" dirty="0"/>
+              <a:t>WebStorm or IntelliJ</a:t>
+            </a:r>
+          </a:p>
+          <a:p>
+            <a:pPr lvl="1"/>
+            <a:r>
+              <a:rPr lang="en-US" dirty="0"/>
+              <a:t>VCS &gt; Checkout from Version Control &gt; Git</a:t>
+            </a:r>
+          </a:p>
+          <a:p>
+            <a:pPr lvl="1"/>
+            <a:endParaRPr lang="en-US" dirty="0"/>
+          </a:p>
+          <a:p>
+            <a:r>
+              <a:rPr lang="en-US" dirty="0"/>
+              <a:t>Can also use Fork to clone</a:t>
+            </a:r>
+          </a:p>
+        </p:txBody>
+      </p:sp>
+      <p:pic>
+        <p:nvPicPr>
+          <p:cNvPr id="5" name="Content Placeholder 4">
+            <a:extLst>
+              <a:ext uri="{FF2B5EF4-FFF2-40B4-BE49-F238E27FC236}">
+                <a16:creationId xmlns:a16="http://schemas.microsoft.com/office/drawing/2014/main" id="{AE5C4EE3-09FA-4685-8925-A16E215FABD6}"/>
+              </a:ext>
+            </a:extLst>
+          </p:cNvPr>
+          <p:cNvPicPr>
+            <a:picLocks noGrp="1" noChangeAspect="1"/>
+          </p:cNvPicPr>
+          <p:nvPr>
+            <p:ph sz="half" idx="2"/>
+          </p:nvPr>
+        </p:nvPicPr>
+        <p:blipFill>
+          <a:blip r:embed="rId2"/>
+          <a:stretch>
+            <a:fillRect/>
+          </a:stretch>
+        </p:blipFill>
+        <p:spPr>
+          <a:xfrm>
+            <a:off x="5594350" y="2412318"/>
+            <a:ext cx="5484982" cy="4023167"/>
+          </a:xfrm>
+          <a:prstGeom prst="rect">
+            <a:avLst/>
+          </a:prstGeom>
+        </p:spPr>
+      </p:pic>
+    </p:spTree>
+    <p:extLst>
+      <p:ext uri="{BB962C8B-B14F-4D97-AF65-F5344CB8AC3E}">
+        <p14:creationId xmlns:p14="http://schemas.microsoft.com/office/powerpoint/2010/main" val="2136380459"/>
+      </p:ext>
+    </p:extLst>
+  </p:cSld>
+  <p:clrMapOvr>
+    <a:masterClrMapping/>
+  </p:clrMapOvr>
+</p:sld>
+</file>
+
+<file path=ppt/slides/slide4.xml><?xml version="1.0" encoding="utf-8"?>
+<p:sld xmlns:a="http://schemas.openxmlformats.org/drawingml/2006/main" xmlns:r="http://schemas.openxmlformats.org/officeDocument/2006/relationships" xmlns:p="http://schemas.openxmlformats.org/presentationml/2006/main">
+  <p:cSld>
+    <p:spTree>
+      <p:nvGrpSpPr>
+        <p:cNvPr id="1" name=""/>
+        <p:cNvGrpSpPr/>
+        <p:nvPr/>
+      </p:nvGrpSpPr>
+      <p:grpSpPr>
+        <a:xfrm>
+          <a:off x="0" y="0"/>
+          <a:ext cx="0" cy="0"/>
+          <a:chOff x="0" y="0"/>
+          <a:chExt cx="0" cy="0"/>
+        </a:xfrm>
+      </p:grpSpPr>
+      <p:sp>
+        <p:nvSpPr>
+          <p:cNvPr id="2" name="Title 1">
+            <a:extLst>
+              <a:ext uri="{FF2B5EF4-FFF2-40B4-BE49-F238E27FC236}">
+                <a16:creationId xmlns:a16="http://schemas.microsoft.com/office/drawing/2014/main" id="{AA47AF5D-AAA1-4EF5-900A-320B2DC99DFA}"/>
+              </a:ext>
+            </a:extLst>
+          </p:cNvPr>
+          <p:cNvSpPr>
+            <a:spLocks noGrp="1"/>
+          </p:cNvSpPr>
+          <p:nvPr>
+            <p:ph type="title"/>
+          </p:nvPr>
+        </p:nvSpPr>
+        <p:spPr/>
+        <p:txBody>
+          <a:bodyPr/>
+          <a:lstStyle/>
+          <a:p>
+            <a:r>
+              <a:rPr lang="en-US" dirty="0"/>
+              <a:t>Fetch</a:t>
+            </a:r>
+          </a:p>
+        </p:txBody>
+      </p:sp>
+      <p:pic>
+        <p:nvPicPr>
+          <p:cNvPr id="7" name="Content Placeholder 6" descr="A screenshot of a cell phone&#10;&#10;Description automatically generated">
+            <a:extLst>
+              <a:ext uri="{FF2B5EF4-FFF2-40B4-BE49-F238E27FC236}">
+                <a16:creationId xmlns:a16="http://schemas.microsoft.com/office/drawing/2014/main" id="{8B02C674-39D2-4A9B-9A86-71D91A7BF177}"/>
+              </a:ext>
+            </a:extLst>
+          </p:cNvPr>
+          <p:cNvPicPr>
+            <a:picLocks noGrp="1" noChangeAspect="1"/>
+          </p:cNvPicPr>
+          <p:nvPr>
+            <p:ph sz="half" idx="1"/>
+          </p:nvPr>
+        </p:nvPicPr>
+        <p:blipFill>
+          <a:blip r:embed="rId2">
+            <a:extLst>
+              <a:ext uri="{28A0092B-C50C-407E-A947-70E740481C1C}">
+                <a14:useLocalDpi xmlns:a14="http://schemas.microsoft.com/office/drawing/2010/main" val="0"/>
+              </a:ext>
+            </a:extLst>
+          </a:blip>
+          <a:stretch>
+            <a:fillRect/>
+          </a:stretch>
+        </p:blipFill>
+        <p:spPr>
+          <a:xfrm>
+            <a:off x="681038" y="2727008"/>
+            <a:ext cx="4697412" cy="2818447"/>
+          </a:xfrm>
+        </p:spPr>
+      </p:pic>
+      <p:pic>
+        <p:nvPicPr>
+          <p:cNvPr id="9" name="Content Placeholder 8" descr="A screenshot of a social media post&#10;&#10;Description automatically generated">
+            <a:extLst>
+              <a:ext uri="{FF2B5EF4-FFF2-40B4-BE49-F238E27FC236}">
+                <a16:creationId xmlns:a16="http://schemas.microsoft.com/office/drawing/2014/main" id="{748A7AE9-551B-47C2-8608-9414F8FC8FE8}"/>
+              </a:ext>
+            </a:extLst>
+          </p:cNvPr>
+          <p:cNvPicPr>
+            <a:picLocks noGrp="1" noChangeAspect="1"/>
+          </p:cNvPicPr>
+          <p:nvPr>
+            <p:ph sz="half" idx="2"/>
+          </p:nvPr>
+        </p:nvPicPr>
+        <p:blipFill>
+          <a:blip r:embed="rId3">
+            <a:extLst>
+              <a:ext uri="{28A0092B-C50C-407E-A947-70E740481C1C}">
+                <a14:useLocalDpi xmlns:a14="http://schemas.microsoft.com/office/drawing/2010/main" val="0"/>
+              </a:ext>
+            </a:extLst>
+          </a:blip>
+          <a:stretch>
+            <a:fillRect/>
+          </a:stretch>
+        </p:blipFill>
+        <p:spPr>
+          <a:xfrm>
+            <a:off x="5594350" y="2726055"/>
+            <a:ext cx="4700588" cy="2820353"/>
+          </a:xfrm>
+        </p:spPr>
+      </p:pic>
+    </p:spTree>
+    <p:extLst>
+      <p:ext uri="{BB962C8B-B14F-4D97-AF65-F5344CB8AC3E}">
+        <p14:creationId xmlns:p14="http://schemas.microsoft.com/office/powerpoint/2010/main" val="793623426"/>
+      </p:ext>
+    </p:extLst>
+  </p:cSld>
+  <p:clrMapOvr>
+    <a:masterClrMapping/>
+  </p:clrMapOvr>
+</p:sld>
+</file>
+
+<file path=ppt/slides/slide5.xml><?xml version="1.0" encoding="utf-8"?>
+<p:sld xmlns:a="http://schemas.openxmlformats.org/drawingml/2006/main" xmlns:r="http://schemas.openxmlformats.org/officeDocument/2006/relationships" xmlns:p="http://schemas.openxmlformats.org/presentationml/2006/main">
+  <p:cSld>
+    <p:spTree>
+      <p:nvGrpSpPr>
+        <p:cNvPr id="1" name=""/>
+        <p:cNvGrpSpPr/>
+        <p:nvPr/>
+      </p:nvGrpSpPr>
+      <p:grpSpPr>
+        <a:xfrm>
+          <a:off x="0" y="0"/>
+          <a:ext cx="0" cy="0"/>
+          <a:chOff x="0" y="0"/>
+          <a:chExt cx="0" cy="0"/>
+        </a:xfrm>
+      </p:grpSpPr>
+      <p:sp>
+        <p:nvSpPr>
+          <p:cNvPr id="2" name="Title 1">
+            <a:extLst>
+              <a:ext uri="{FF2B5EF4-FFF2-40B4-BE49-F238E27FC236}">
+                <a16:creationId xmlns:a16="http://schemas.microsoft.com/office/drawing/2014/main" id="{CB8520B5-60BB-4CE0-B049-9BA04D4361F4}"/>
+              </a:ext>
+            </a:extLst>
+          </p:cNvPr>
+          <p:cNvSpPr>
+            <a:spLocks noGrp="1"/>
+          </p:cNvSpPr>
+          <p:nvPr>
+            <p:ph type="title"/>
+          </p:nvPr>
+        </p:nvSpPr>
+        <p:spPr/>
+        <p:txBody>
+          <a:bodyPr/>
+          <a:lstStyle/>
+          <a:p>
+            <a:r>
+              <a:rPr lang="en-US" dirty="0"/>
+              <a:t>Pull</a:t>
+            </a:r>
+          </a:p>
+        </p:txBody>
+      </p:sp>
+      <p:sp>
+        <p:nvSpPr>
+          <p:cNvPr id="3" name="Content Placeholder 2">
+            <a:extLst>
+              <a:ext uri="{FF2B5EF4-FFF2-40B4-BE49-F238E27FC236}">
+                <a16:creationId xmlns:a16="http://schemas.microsoft.com/office/drawing/2014/main" id="{55640A76-8830-47E1-A8C2-2476DD1EF1E0}"/>
+              </a:ext>
+            </a:extLst>
+          </p:cNvPr>
+          <p:cNvSpPr>
+            <a:spLocks noGrp="1"/>
+          </p:cNvSpPr>
+          <p:nvPr>
+            <p:ph sz="half" idx="1"/>
+          </p:nvPr>
+        </p:nvSpPr>
+        <p:spPr/>
+        <p:txBody>
+          <a:bodyPr/>
+          <a:lstStyle/>
+          <a:p>
+            <a:r>
+              <a:rPr lang="en-US" dirty="0"/>
+              <a:t>Fetch + merge</a:t>
+            </a:r>
+          </a:p>
+          <a:p>
+            <a:r>
+              <a:rPr lang="en-US" dirty="0"/>
+              <a:t>Will incorporate others' changes</a:t>
+            </a:r>
+          </a:p>
+        </p:txBody>
+      </p:sp>
+      <p:sp>
+        <p:nvSpPr>
+          <p:cNvPr id="4" name="Content Placeholder 3">
+            <a:extLst>
+              <a:ext uri="{FF2B5EF4-FFF2-40B4-BE49-F238E27FC236}">
+                <a16:creationId xmlns:a16="http://schemas.microsoft.com/office/drawing/2014/main" id="{B0A17BF5-4D98-4E03-9315-0BAA0622C26F}"/>
+              </a:ext>
+            </a:extLst>
+          </p:cNvPr>
+          <p:cNvSpPr>
+            <a:spLocks noGrp="1"/>
+          </p:cNvSpPr>
+          <p:nvPr>
+            <p:ph sz="half" idx="2"/>
+          </p:nvPr>
+        </p:nvSpPr>
+        <p:spPr/>
+        <p:txBody>
+          <a:bodyPr/>
+          <a:lstStyle/>
+          <a:p>
+            <a:endParaRPr lang="en-US"/>
+          </a:p>
+        </p:txBody>
+      </p:sp>
+    </p:spTree>
+    <p:extLst>
+      <p:ext uri="{BB962C8B-B14F-4D97-AF65-F5344CB8AC3E}">
+        <p14:creationId xmlns:p14="http://schemas.microsoft.com/office/powerpoint/2010/main" val="3156102781"/>
+      </p:ext>
+    </p:extLst>
+  </p:cSld>
+  <p:clrMapOvr>
+    <a:masterClrMapping/>
+  </p:clrMapOvr>
+</p:sld>
+</file>
+
+<file path=ppt/slides/slide6.xml><?xml version="1.0" encoding="utf-8"?>
+<p:sld xmlns:a="http://schemas.openxmlformats.org/drawingml/2006/main" xmlns:r="http://schemas.openxmlformats.org/officeDocument/2006/relationships" xmlns:p="http://schemas.openxmlformats.org/presentationml/2006/main">
+  <p:cSld>
+    <p:spTree>
+      <p:nvGrpSpPr>
+        <p:cNvPr id="1" name=""/>
+        <p:cNvGrpSpPr/>
+        <p:nvPr/>
+      </p:nvGrpSpPr>
+      <p:grpSpPr>
+        <a:xfrm>
+          <a:off x="0" y="0"/>
+          <a:ext cx="0" cy="0"/>
+          <a:chOff x="0" y="0"/>
+          <a:chExt cx="0" cy="0"/>
+        </a:xfrm>
+      </p:grpSpPr>
+      <p:sp>
+        <p:nvSpPr>
+          <p:cNvPr id="2" name="Title 1">
+            <a:extLst>
+              <a:ext uri="{FF2B5EF4-FFF2-40B4-BE49-F238E27FC236}">
+                <a16:creationId xmlns:a16="http://schemas.microsoft.com/office/drawing/2014/main" id="{D543090A-5D19-427D-8872-1C554FCA8653}"/>
+              </a:ext>
+            </a:extLst>
+          </p:cNvPr>
+          <p:cNvSpPr>
+            <a:spLocks noGrp="1"/>
+          </p:cNvSpPr>
+          <p:nvPr>
+            <p:ph type="title"/>
+          </p:nvPr>
+        </p:nvSpPr>
+        <p:spPr/>
+        <p:txBody>
+          <a:bodyPr/>
+          <a:lstStyle/>
+          <a:p>
+            <a:r>
+              <a:rPr lang="en-US" dirty="0"/>
+              <a:t>Ignoring Files</a:t>
+            </a:r>
+          </a:p>
+        </p:txBody>
+      </p:sp>
+      <p:sp>
+        <p:nvSpPr>
+          <p:cNvPr id="3" name="Content Placeholder 2">
+            <a:extLst>
+              <a:ext uri="{FF2B5EF4-FFF2-40B4-BE49-F238E27FC236}">
+                <a16:creationId xmlns:a16="http://schemas.microsoft.com/office/drawing/2014/main" id="{2F8C0A5D-6B5B-4622-9901-91B26AD6DCE9}"/>
+              </a:ext>
+            </a:extLst>
+          </p:cNvPr>
+          <p:cNvSpPr>
+            <a:spLocks noGrp="1"/>
+          </p:cNvSpPr>
+          <p:nvPr>
+            <p:ph sz="half" idx="1"/>
+          </p:nvPr>
+        </p:nvSpPr>
+        <p:spPr/>
+        <p:txBody>
+          <a:bodyPr/>
+          <a:lstStyle/>
+          <a:p>
+            <a:r>
+              <a:rPr lang="en-US" dirty="0"/>
+              <a:t>Don't track in version control</a:t>
+            </a:r>
+          </a:p>
+          <a:p>
+            <a:r>
+              <a:rPr lang="en-US" dirty="0"/>
+              <a:t>Ignore compiled code directories</a:t>
+            </a:r>
+          </a:p>
+          <a:p>
+            <a:pPr lvl="1"/>
+            <a:r>
+              <a:rPr lang="en-US" dirty="0"/>
+              <a:t>classes</a:t>
+            </a:r>
+          </a:p>
+          <a:p>
+            <a:pPr lvl="1"/>
+            <a:r>
+              <a:rPr lang="en-US"/>
+              <a:t>out</a:t>
+            </a:r>
+            <a:endParaRPr lang="en-US" dirty="0"/>
+          </a:p>
+          <a:p>
+            <a:endParaRPr lang="en-US" dirty="0"/>
+          </a:p>
+          <a:p>
+            <a:r>
+              <a:rPr lang="en-US" dirty="0"/>
+              <a:t>.</a:t>
+            </a:r>
+            <a:r>
+              <a:rPr lang="en-US" dirty="0" err="1"/>
+              <a:t>gitignore</a:t>
+            </a:r>
+            <a:r>
+              <a:rPr lang="en-US" dirty="0"/>
+              <a:t> on top level of repo</a:t>
+            </a:r>
+          </a:p>
+        </p:txBody>
+      </p:sp>
+      <p:pic>
+        <p:nvPicPr>
+          <p:cNvPr id="5" name="Content Placeholder 4">
+            <a:extLst>
+              <a:ext uri="{FF2B5EF4-FFF2-40B4-BE49-F238E27FC236}">
+                <a16:creationId xmlns:a16="http://schemas.microsoft.com/office/drawing/2014/main" id="{C7306C2C-8298-4E3A-8297-AA023443F7B5}"/>
+              </a:ext>
+            </a:extLst>
+          </p:cNvPr>
+          <p:cNvPicPr>
+            <a:picLocks noGrp="1" noChangeAspect="1"/>
+          </p:cNvPicPr>
+          <p:nvPr>
+            <p:ph sz="half" idx="2"/>
+          </p:nvPr>
+        </p:nvPicPr>
+        <p:blipFill>
+          <a:blip r:embed="rId2"/>
+          <a:stretch>
+            <a:fillRect/>
+          </a:stretch>
+        </p:blipFill>
+        <p:spPr>
+          <a:xfrm>
+            <a:off x="5594349" y="2589040"/>
+            <a:ext cx="5573759" cy="3669188"/>
+          </a:xfrm>
+          <a:prstGeom prst="rect">
+            <a:avLst/>
+          </a:prstGeom>
+        </p:spPr>
+      </p:pic>
+    </p:spTree>
+    <p:extLst>
+      <p:ext uri="{BB962C8B-B14F-4D97-AF65-F5344CB8AC3E}">
+        <p14:creationId xmlns:p14="http://schemas.microsoft.com/office/powerpoint/2010/main" val="1215423821"/>
       </p:ext>
     </p:extLst>
   </p:cSld>

--- a/SAAM.pptx
+++ b/SAAM.pptx
@@ -2,17 +2,32 @@
 <file path=ppt/presentation.xml><?xml version="1.0" encoding="utf-8"?>
 <p:presentation xmlns:a="http://schemas.openxmlformats.org/drawingml/2006/main" xmlns:r="http://schemas.openxmlformats.org/officeDocument/2006/relationships" xmlns:p="http://schemas.openxmlformats.org/presentationml/2006/main" saveSubsetFonts="1">
   <p:sldMasterIdLst>
-    <p:sldMasterId id="2147483678" r:id="rId1"/>
+    <p:sldMasterId id="2147483696" r:id="rId1"/>
   </p:sldMasterIdLst>
   <p:sldIdLst>
     <p:sldId id="256" r:id="rId2"/>
     <p:sldId id="257" r:id="rId3"/>
     <p:sldId id="258" r:id="rId4"/>
-    <p:sldId id="259" r:id="rId5"/>
-    <p:sldId id="260" r:id="rId6"/>
-    <p:sldId id="261" r:id="rId7"/>
+    <p:sldId id="262" r:id="rId5"/>
+    <p:sldId id="263" r:id="rId6"/>
+    <p:sldId id="264" r:id="rId7"/>
+    <p:sldId id="265" r:id="rId8"/>
+    <p:sldId id="266" r:id="rId9"/>
+    <p:sldId id="267" r:id="rId10"/>
+    <p:sldId id="268" r:id="rId11"/>
+    <p:sldId id="269" r:id="rId12"/>
+    <p:sldId id="271" r:id="rId13"/>
+    <p:sldId id="270" r:id="rId14"/>
+    <p:sldId id="272" r:id="rId15"/>
+    <p:sldId id="273" r:id="rId16"/>
+    <p:sldId id="274" r:id="rId17"/>
+    <p:sldId id="275" r:id="rId18"/>
+    <p:sldId id="259" r:id="rId19"/>
+    <p:sldId id="276" r:id="rId20"/>
+    <p:sldId id="260" r:id="rId21"/>
+    <p:sldId id="261" r:id="rId22"/>
   </p:sldIdLst>
-  <p:sldSz cx="12192000" cy="6858000"/>
+  <p:sldSz cx="9144000" cy="6858000" type="screen4x3"/>
   <p:notesSz cx="6858000" cy="9144000"/>
   <p:defaultTextStyle>
     <a:defPPr>
@@ -157,7 +172,7 @@
         <p:spPr>
           <a:xfrm>
             <a:off x="1" y="4242851"/>
-            <a:ext cx="8968084" cy="275942"/>
+            <a:ext cx="6726063" cy="275942"/>
           </a:xfrm>
           <a:prstGeom prst="rect">
             <a:avLst/>
@@ -186,8 +201,8 @@
         </p:blipFill>
         <p:spPr>
           <a:xfrm>
-            <a:off x="9111716" y="4243845"/>
-            <a:ext cx="3077108" cy="276940"/>
+            <a:off x="6833787" y="4243845"/>
+            <a:ext cx="2307831" cy="276940"/>
           </a:xfrm>
           <a:prstGeom prst="rect">
             <a:avLst/>
@@ -203,7 +218,7 @@
         <p:spPr bwMode="ltGray">
           <a:xfrm>
             <a:off x="0" y="2590078"/>
-            <a:ext cx="8968085" cy="1660332"/>
+            <a:ext cx="6726064" cy="1660332"/>
           </a:xfrm>
           <a:prstGeom prst="rect">
             <a:avLst/>
@@ -243,8 +258,8 @@
         </p:nvSpPr>
         <p:spPr>
           <a:xfrm>
-            <a:off x="9111715" y="2590078"/>
-            <a:ext cx="3077109" cy="1660332"/>
+            <a:off x="6833787" y="2590078"/>
+            <a:ext cx="2307832" cy="1660332"/>
           </a:xfrm>
           <a:prstGeom prst="rect">
             <a:avLst/>
@@ -285,8 +300,8 @@
         </p:nvSpPr>
         <p:spPr>
           <a:xfrm>
-            <a:off x="680322" y="2733709"/>
-            <a:ext cx="8144134" cy="1373070"/>
+            <a:off x="510242" y="2733709"/>
+            <a:ext cx="6069268" cy="1373070"/>
           </a:xfrm>
         </p:spPr>
         <p:txBody>
@@ -295,7 +310,7 @@
           </a:bodyPr>
           <a:lstStyle>
             <a:lvl1pPr algn="r">
-              <a:defRPr sz="5400"/>
+              <a:defRPr sz="4800"/>
             </a:lvl1pPr>
           </a:lstStyle>
           <a:p>
@@ -319,8 +334,8 @@
         </p:nvSpPr>
         <p:spPr>
           <a:xfrm>
-            <a:off x="680322" y="4394039"/>
-            <a:ext cx="8144134" cy="1117687"/>
+            <a:off x="510241" y="4394040"/>
+            <a:ext cx="6108101" cy="1117687"/>
           </a:xfrm>
         </p:spPr>
         <p:txBody>
@@ -384,7 +399,12 @@
             <p:ph type="dt" sz="half" idx="10"/>
           </p:nvPr>
         </p:nvSpPr>
-        <p:spPr/>
+        <p:spPr>
+          <a:xfrm>
+            <a:off x="4555655" y="5936188"/>
+            <a:ext cx="2057400" cy="365125"/>
+          </a:xfrm>
+        </p:spPr>
         <p:txBody>
           <a:bodyPr/>
           <a:lstStyle/>
@@ -407,7 +427,12 @@
             <p:ph type="ftr" sz="quarter" idx="11"/>
           </p:nvPr>
         </p:nvSpPr>
-        <p:spPr/>
+        <p:spPr>
+          <a:xfrm>
+            <a:off x="533401" y="5936189"/>
+            <a:ext cx="4021666" cy="365125"/>
+          </a:xfrm>
+        </p:spPr>
         <p:txBody>
           <a:bodyPr/>
           <a:lstStyle/>
@@ -428,8 +453,8 @@
         </p:nvSpPr>
         <p:spPr>
           <a:xfrm>
-            <a:off x="9255346" y="2750337"/>
-            <a:ext cx="1171888" cy="1356442"/>
+            <a:off x="7010399" y="2750337"/>
+            <a:ext cx="1370293" cy="1356442"/>
           </a:xfrm>
         </p:spPr>
         <p:txBody>
@@ -447,7 +472,7 @@
     </p:spTree>
     <p:extLst>
       <p:ext uri="{BB962C8B-B14F-4D97-AF65-F5344CB8AC3E}">
-        <p14:creationId xmlns:p14="http://schemas.microsoft.com/office/powerpoint/2010/main" val="1689158188"/>
+        <p14:creationId xmlns:p14="http://schemas.microsoft.com/office/powerpoint/2010/main" val="3926356181"/>
       </p:ext>
     </p:extLst>
   </p:cSld>
@@ -474,159 +499,172 @@
           <a:chExt cx="0" cy="0"/>
         </a:xfrm>
       </p:grpSpPr>
-      <p:pic>
-        <p:nvPicPr>
-          <p:cNvPr id="8" name="Picture 7" descr="HD-ShadowLong.png"/>
-          <p:cNvPicPr>
-            <a:picLocks noChangeAspect="1"/>
-          </p:cNvPicPr>
+      <p:grpSp>
+        <p:nvGrpSpPr>
+          <p:cNvPr id="20" name="Group 19"/>
+          <p:cNvGrpSpPr/>
           <p:nvPr/>
-        </p:nvPicPr>
-        <p:blipFill>
-          <a:blip r:embed="rId2">
-            <a:extLst>
-              <a:ext uri="{28A0092B-C50C-407E-A947-70E740481C1C}">
-                <a14:useLocalDpi xmlns:a14="http://schemas.microsoft.com/office/drawing/2010/main" val="0"/>
-              </a:ext>
-            </a:extLst>
-          </a:blip>
-          <a:stretch>
-            <a:fillRect/>
-          </a:stretch>
-        </p:blipFill>
+        </p:nvGrpSpPr>
+        <p:grpSpPr>
+          <a:xfrm>
+            <a:off x="0" y="4572000"/>
+            <a:ext cx="9161969" cy="1677035"/>
+            <a:chOff x="0" y="2895600"/>
+            <a:chExt cx="9161969" cy="1677035"/>
+          </a:xfrm>
+        </p:grpSpPr>
+        <p:pic>
+          <p:nvPicPr>
+            <p:cNvPr id="24" name="Picture 23" descr="HD-ShadowLong.png"/>
+            <p:cNvPicPr>
+              <a:picLocks noChangeAspect="1"/>
+            </p:cNvPicPr>
+            <p:nvPr/>
+          </p:nvPicPr>
+          <p:blipFill rotWithShape="1">
+            <a:blip r:embed="rId2">
+              <a:extLst>
+                <a:ext uri="{28A0092B-C50C-407E-A947-70E740481C1C}">
+                  <a14:useLocalDpi xmlns:a14="http://schemas.microsoft.com/office/drawing/2010/main" val="0"/>
+                </a:ext>
+              </a:extLst>
+            </a:blip>
+            <a:srcRect l="26982" r="-217"/>
+            <a:stretch/>
+          </p:blipFill>
+          <p:spPr>
+            <a:xfrm>
+              <a:off x="0" y="4251471"/>
+              <a:ext cx="7644384" cy="321164"/>
+            </a:xfrm>
+            <a:prstGeom prst="rect">
+              <a:avLst/>
+            </a:prstGeom>
+          </p:spPr>
+        </p:pic>
+        <p:pic>
+          <p:nvPicPr>
+            <p:cNvPr id="25" name="Picture 24" descr="HD-ShadowShort.png"/>
+            <p:cNvPicPr>
+              <a:picLocks noChangeAspect="1"/>
+            </p:cNvPicPr>
+            <p:nvPr/>
+          </p:nvPicPr>
+          <p:blipFill rotWithShape="1">
+            <a:blip r:embed="rId3">
+              <a:extLst>
+                <a:ext uri="{28A0092B-C50C-407E-A947-70E740481C1C}">
+                  <a14:useLocalDpi xmlns:a14="http://schemas.microsoft.com/office/drawing/2010/main" val="0"/>
+                </a:ext>
+              </a:extLst>
+            </a:blip>
+            <a:srcRect r="9871"/>
+            <a:stretch/>
+          </p:blipFill>
+          <p:spPr>
+            <a:xfrm>
+              <a:off x="7717217" y="4259262"/>
+              <a:ext cx="1444752" cy="144270"/>
+            </a:xfrm>
+            <a:prstGeom prst="rect">
+              <a:avLst/>
+            </a:prstGeom>
+          </p:spPr>
+        </p:pic>
+        <p:sp>
+          <p:nvSpPr>
+            <p:cNvPr id="26" name="Rectangle 25"/>
+            <p:cNvSpPr/>
+            <p:nvPr/>
+          </p:nvSpPr>
+          <p:spPr bwMode="ltGray">
+            <a:xfrm>
+              <a:off x="0" y="2895600"/>
+              <a:ext cx="7567140" cy="1368198"/>
+            </a:xfrm>
+            <a:prstGeom prst="rect">
+              <a:avLst/>
+            </a:prstGeom>
+            <a:solidFill>
+              <a:schemeClr val="bg1">
+                <a:lumMod val="85000"/>
+                <a:lumOff val="15000"/>
+              </a:schemeClr>
+            </a:solidFill>
+            <a:ln>
+              <a:noFill/>
+            </a:ln>
+          </p:spPr>
+          <p:style>
+            <a:lnRef idx="2">
+              <a:schemeClr val="accent1">
+                <a:shade val="50000"/>
+              </a:schemeClr>
+            </a:lnRef>
+            <a:fillRef idx="1">
+              <a:schemeClr val="accent1"/>
+            </a:fillRef>
+            <a:effectRef idx="0">
+              <a:schemeClr val="accent1"/>
+            </a:effectRef>
+            <a:fontRef idx="minor">
+              <a:schemeClr val="lt1"/>
+            </a:fontRef>
+          </p:style>
+        </p:sp>
+        <p:sp>
+          <p:nvSpPr>
+            <p:cNvPr id="27" name="Rectangle 26"/>
+            <p:cNvSpPr/>
+            <p:nvPr/>
+          </p:nvSpPr>
+          <p:spPr>
+            <a:xfrm>
+              <a:off x="7710769" y="2895600"/>
+              <a:ext cx="1433231" cy="1368198"/>
+            </a:xfrm>
+            <a:prstGeom prst="rect">
+              <a:avLst/>
+            </a:prstGeom>
+            <a:solidFill>
+              <a:schemeClr val="accent1"/>
+            </a:solidFill>
+            <a:ln>
+              <a:noFill/>
+            </a:ln>
+          </p:spPr>
+          <p:style>
+            <a:lnRef idx="2">
+              <a:schemeClr val="accent1">
+                <a:shade val="50000"/>
+              </a:schemeClr>
+            </a:lnRef>
+            <a:fillRef idx="1">
+              <a:schemeClr val="accent1"/>
+            </a:fillRef>
+            <a:effectRef idx="0">
+              <a:schemeClr val="accent1"/>
+            </a:effectRef>
+            <a:fontRef idx="minor">
+              <a:schemeClr val="lt1"/>
+            </a:fontRef>
+          </p:style>
+        </p:sp>
+      </p:grpSp>
+      <p:sp>
+        <p:nvSpPr>
+          <p:cNvPr id="2" name="Title 1"/>
+          <p:cNvSpPr>
+            <a:spLocks noGrp="1"/>
+          </p:cNvSpPr>
+          <p:nvPr>
+            <p:ph type="title"/>
+          </p:nvPr>
+        </p:nvSpPr>
         <p:spPr>
           <a:xfrm>
-            <a:off x="1" y="5928628"/>
-            <a:ext cx="10437812" cy="321164"/>
-          </a:xfrm>
-          <a:prstGeom prst="rect">
-            <a:avLst/>
-          </a:prstGeom>
-        </p:spPr>
-      </p:pic>
-      <p:pic>
-        <p:nvPicPr>
-          <p:cNvPr id="9" name="Picture 8" descr="HD-ShadowShort.png"/>
-          <p:cNvPicPr>
-            <a:picLocks noChangeAspect="1"/>
-          </p:cNvPicPr>
-          <p:nvPr/>
-        </p:nvPicPr>
-        <p:blipFill>
-          <a:blip r:embed="rId3">
-            <a:extLst>
-              <a:ext uri="{28A0092B-C50C-407E-A947-70E740481C1C}">
-                <a14:useLocalDpi xmlns:a14="http://schemas.microsoft.com/office/drawing/2010/main" val="0"/>
-              </a:ext>
-            </a:extLst>
-          </a:blip>
-          <a:stretch>
-            <a:fillRect/>
-          </a:stretch>
-        </p:blipFill>
-        <p:spPr>
-          <a:xfrm>
-            <a:off x="10585826" y="5929622"/>
-            <a:ext cx="1602997" cy="144270"/>
-          </a:xfrm>
-          <a:prstGeom prst="rect">
-            <a:avLst/>
-          </a:prstGeom>
-        </p:spPr>
-      </p:pic>
-      <p:sp>
-        <p:nvSpPr>
-          <p:cNvPr id="10" name="Rectangle 9"/>
-          <p:cNvSpPr/>
-          <p:nvPr/>
-        </p:nvSpPr>
-        <p:spPr bwMode="ltGray">
-          <a:xfrm>
-            <a:off x="0" y="4567988"/>
-            <a:ext cx="10437812" cy="1368198"/>
-          </a:xfrm>
-          <a:prstGeom prst="rect">
-            <a:avLst/>
-          </a:prstGeom>
-          <a:solidFill>
-            <a:schemeClr val="bg1">
-              <a:lumMod val="85000"/>
-              <a:lumOff val="15000"/>
-            </a:schemeClr>
-          </a:solidFill>
-          <a:ln>
-            <a:noFill/>
-          </a:ln>
-        </p:spPr>
-        <p:style>
-          <a:lnRef idx="2">
-            <a:schemeClr val="accent1">
-              <a:shade val="50000"/>
-            </a:schemeClr>
-          </a:lnRef>
-          <a:fillRef idx="1">
-            <a:schemeClr val="accent1"/>
-          </a:fillRef>
-          <a:effectRef idx="0">
-            <a:schemeClr val="accent1"/>
-          </a:effectRef>
-          <a:fontRef idx="minor">
-            <a:schemeClr val="lt1"/>
-          </a:fontRef>
-        </p:style>
-      </p:sp>
-      <p:sp>
-        <p:nvSpPr>
-          <p:cNvPr id="11" name="Rectangle 10"/>
-          <p:cNvSpPr/>
-          <p:nvPr/>
-        </p:nvSpPr>
-        <p:spPr>
-          <a:xfrm>
-            <a:off x="10585827" y="4567988"/>
-            <a:ext cx="1602997" cy="1368198"/>
-          </a:xfrm>
-          <a:prstGeom prst="rect">
-            <a:avLst/>
-          </a:prstGeom>
-          <a:solidFill>
-            <a:schemeClr val="accent1"/>
-          </a:solidFill>
-          <a:ln>
-            <a:noFill/>
-          </a:ln>
-        </p:spPr>
-        <p:style>
-          <a:lnRef idx="2">
-            <a:schemeClr val="accent1">
-              <a:shade val="50000"/>
-            </a:schemeClr>
-          </a:lnRef>
-          <a:fillRef idx="1">
-            <a:schemeClr val="accent1"/>
-          </a:fillRef>
-          <a:effectRef idx="0">
-            <a:schemeClr val="accent1"/>
-          </a:effectRef>
-          <a:fontRef idx="minor">
-            <a:schemeClr val="lt1"/>
-          </a:fontRef>
-        </p:style>
-      </p:sp>
-      <p:sp>
-        <p:nvSpPr>
-          <p:cNvPr id="2" name="Title 1"/>
-          <p:cNvSpPr>
-            <a:spLocks noGrp="1"/>
-          </p:cNvSpPr>
-          <p:nvPr>
-            <p:ph type="title"/>
-          </p:nvPr>
-        </p:nvSpPr>
-        <p:spPr>
-          <a:xfrm>
-            <a:off x="680322" y="4711616"/>
-            <a:ext cx="9613859" cy="453051"/>
+            <a:off x="533403" y="4711617"/>
+            <a:ext cx="6894770" cy="544482"/>
           </a:xfrm>
         </p:spPr>
         <p:txBody>
@@ -659,8 +697,8 @@
         </p:nvSpPr>
         <p:spPr>
           <a:xfrm>
-            <a:off x="680322" y="609597"/>
-            <a:ext cx="9613859" cy="3589575"/>
+            <a:off x="531639" y="609598"/>
+            <a:ext cx="6896534" cy="3589575"/>
           </a:xfrm>
           <a:noFill/>
           <a:ln>
@@ -735,8 +773,8 @@
         </p:nvSpPr>
         <p:spPr>
           <a:xfrm>
-            <a:off x="680319" y="5169583"/>
-            <a:ext cx="9613862" cy="622971"/>
+            <a:off x="533401" y="5256098"/>
+            <a:ext cx="6894772" cy="547819"/>
           </a:xfrm>
         </p:spPr>
         <p:txBody>
@@ -842,8 +880,8 @@
         </p:nvSpPr>
         <p:spPr>
           <a:xfrm>
-            <a:off x="10729455" y="4711309"/>
-            <a:ext cx="1154151" cy="1090789"/>
+            <a:off x="7856438" y="4711310"/>
+            <a:ext cx="1149836" cy="1090789"/>
           </a:xfrm>
         </p:spPr>
         <p:txBody>
@@ -861,7 +899,7 @@
     </p:spTree>
     <p:extLst>
       <p:ext uri="{BB962C8B-B14F-4D97-AF65-F5344CB8AC3E}">
-        <p14:creationId xmlns:p14="http://schemas.microsoft.com/office/powerpoint/2010/main" val="1305485510"/>
+        <p14:creationId xmlns:p14="http://schemas.microsoft.com/office/powerpoint/2010/main" val="1306237295"/>
       </p:ext>
     </p:extLst>
   </p:cSld>
@@ -888,159 +926,172 @@
           <a:chExt cx="0" cy="0"/>
         </a:xfrm>
       </p:grpSpPr>
-      <p:pic>
-        <p:nvPicPr>
-          <p:cNvPr id="8" name="Picture 7" descr="HD-ShadowLong.png"/>
-          <p:cNvPicPr>
-            <a:picLocks noChangeAspect="1"/>
-          </p:cNvPicPr>
+      <p:grpSp>
+        <p:nvGrpSpPr>
+          <p:cNvPr id="21" name="Group 20"/>
+          <p:cNvGrpSpPr/>
           <p:nvPr/>
-        </p:nvPicPr>
-        <p:blipFill>
-          <a:blip r:embed="rId2">
-            <a:extLst>
-              <a:ext uri="{28A0092B-C50C-407E-A947-70E740481C1C}">
-                <a14:useLocalDpi xmlns:a14="http://schemas.microsoft.com/office/drawing/2010/main" val="0"/>
-              </a:ext>
-            </a:extLst>
-          </a:blip>
-          <a:stretch>
-            <a:fillRect/>
-          </a:stretch>
-        </p:blipFill>
+        </p:nvGrpSpPr>
+        <p:grpSpPr>
+          <a:xfrm>
+            <a:off x="0" y="4572000"/>
+            <a:ext cx="9161969" cy="1677035"/>
+            <a:chOff x="0" y="2895600"/>
+            <a:chExt cx="9161969" cy="1677035"/>
+          </a:xfrm>
+        </p:grpSpPr>
+        <p:pic>
+          <p:nvPicPr>
+            <p:cNvPr id="22" name="Picture 21" descr="HD-ShadowLong.png"/>
+            <p:cNvPicPr>
+              <a:picLocks noChangeAspect="1"/>
+            </p:cNvPicPr>
+            <p:nvPr/>
+          </p:nvPicPr>
+          <p:blipFill rotWithShape="1">
+            <a:blip r:embed="rId2">
+              <a:extLst>
+                <a:ext uri="{28A0092B-C50C-407E-A947-70E740481C1C}">
+                  <a14:useLocalDpi xmlns:a14="http://schemas.microsoft.com/office/drawing/2010/main" val="0"/>
+                </a:ext>
+              </a:extLst>
+            </a:blip>
+            <a:srcRect l="26982" r="-217"/>
+            <a:stretch/>
+          </p:blipFill>
+          <p:spPr>
+            <a:xfrm>
+              <a:off x="0" y="4251471"/>
+              <a:ext cx="7644384" cy="321164"/>
+            </a:xfrm>
+            <a:prstGeom prst="rect">
+              <a:avLst/>
+            </a:prstGeom>
+          </p:spPr>
+        </p:pic>
+        <p:pic>
+          <p:nvPicPr>
+            <p:cNvPr id="23" name="Picture 22" descr="HD-ShadowShort.png"/>
+            <p:cNvPicPr>
+              <a:picLocks noChangeAspect="1"/>
+            </p:cNvPicPr>
+            <p:nvPr/>
+          </p:nvPicPr>
+          <p:blipFill rotWithShape="1">
+            <a:blip r:embed="rId3">
+              <a:extLst>
+                <a:ext uri="{28A0092B-C50C-407E-A947-70E740481C1C}">
+                  <a14:useLocalDpi xmlns:a14="http://schemas.microsoft.com/office/drawing/2010/main" val="0"/>
+                </a:ext>
+              </a:extLst>
+            </a:blip>
+            <a:srcRect r="9871"/>
+            <a:stretch/>
+          </p:blipFill>
+          <p:spPr>
+            <a:xfrm>
+              <a:off x="7717217" y="4259262"/>
+              <a:ext cx="1444752" cy="144270"/>
+            </a:xfrm>
+            <a:prstGeom prst="rect">
+              <a:avLst/>
+            </a:prstGeom>
+          </p:spPr>
+        </p:pic>
+        <p:sp>
+          <p:nvSpPr>
+            <p:cNvPr id="24" name="Rectangle 23"/>
+            <p:cNvSpPr/>
+            <p:nvPr/>
+          </p:nvSpPr>
+          <p:spPr bwMode="ltGray">
+            <a:xfrm>
+              <a:off x="0" y="2895600"/>
+              <a:ext cx="7567140" cy="1368198"/>
+            </a:xfrm>
+            <a:prstGeom prst="rect">
+              <a:avLst/>
+            </a:prstGeom>
+            <a:solidFill>
+              <a:schemeClr val="bg1">
+                <a:lumMod val="85000"/>
+                <a:lumOff val="15000"/>
+              </a:schemeClr>
+            </a:solidFill>
+            <a:ln>
+              <a:noFill/>
+            </a:ln>
+          </p:spPr>
+          <p:style>
+            <a:lnRef idx="2">
+              <a:schemeClr val="accent1">
+                <a:shade val="50000"/>
+              </a:schemeClr>
+            </a:lnRef>
+            <a:fillRef idx="1">
+              <a:schemeClr val="accent1"/>
+            </a:fillRef>
+            <a:effectRef idx="0">
+              <a:schemeClr val="accent1"/>
+            </a:effectRef>
+            <a:fontRef idx="minor">
+              <a:schemeClr val="lt1"/>
+            </a:fontRef>
+          </p:style>
+        </p:sp>
+        <p:sp>
+          <p:nvSpPr>
+            <p:cNvPr id="25" name="Rectangle 24"/>
+            <p:cNvSpPr/>
+            <p:nvPr/>
+          </p:nvSpPr>
+          <p:spPr>
+            <a:xfrm>
+              <a:off x="7710769" y="2895600"/>
+              <a:ext cx="1433231" cy="1368198"/>
+            </a:xfrm>
+            <a:prstGeom prst="rect">
+              <a:avLst/>
+            </a:prstGeom>
+            <a:solidFill>
+              <a:schemeClr val="accent1"/>
+            </a:solidFill>
+            <a:ln>
+              <a:noFill/>
+            </a:ln>
+          </p:spPr>
+          <p:style>
+            <a:lnRef idx="2">
+              <a:schemeClr val="accent1">
+                <a:shade val="50000"/>
+              </a:schemeClr>
+            </a:lnRef>
+            <a:fillRef idx="1">
+              <a:schemeClr val="accent1"/>
+            </a:fillRef>
+            <a:effectRef idx="0">
+              <a:schemeClr val="accent1"/>
+            </a:effectRef>
+            <a:fontRef idx="minor">
+              <a:schemeClr val="lt1"/>
+            </a:fontRef>
+          </p:style>
+        </p:sp>
+      </p:grpSp>
+      <p:sp>
+        <p:nvSpPr>
+          <p:cNvPr id="2" name="Title 1"/>
+          <p:cNvSpPr>
+            <a:spLocks noGrp="1"/>
+          </p:cNvSpPr>
+          <p:nvPr>
+            <p:ph type="title"/>
+          </p:nvPr>
+        </p:nvSpPr>
         <p:spPr>
           <a:xfrm>
-            <a:off x="1" y="5928628"/>
-            <a:ext cx="10437812" cy="321164"/>
-          </a:xfrm>
-          <a:prstGeom prst="rect">
-            <a:avLst/>
-          </a:prstGeom>
-        </p:spPr>
-      </p:pic>
-      <p:pic>
-        <p:nvPicPr>
-          <p:cNvPr id="9" name="Picture 8" descr="HD-ShadowShort.png"/>
-          <p:cNvPicPr>
-            <a:picLocks noChangeAspect="1"/>
-          </p:cNvPicPr>
-          <p:nvPr/>
-        </p:nvPicPr>
-        <p:blipFill>
-          <a:blip r:embed="rId3">
-            <a:extLst>
-              <a:ext uri="{28A0092B-C50C-407E-A947-70E740481C1C}">
-                <a14:useLocalDpi xmlns:a14="http://schemas.microsoft.com/office/drawing/2010/main" val="0"/>
-              </a:ext>
-            </a:extLst>
-          </a:blip>
-          <a:stretch>
-            <a:fillRect/>
-          </a:stretch>
-        </p:blipFill>
-        <p:spPr>
-          <a:xfrm>
-            <a:off x="10585826" y="5929622"/>
-            <a:ext cx="1602997" cy="144270"/>
-          </a:xfrm>
-          <a:prstGeom prst="rect">
-            <a:avLst/>
-          </a:prstGeom>
-        </p:spPr>
-      </p:pic>
-      <p:sp>
-        <p:nvSpPr>
-          <p:cNvPr id="10" name="Rectangle 9"/>
-          <p:cNvSpPr/>
-          <p:nvPr/>
-        </p:nvSpPr>
-        <p:spPr bwMode="ltGray">
-          <a:xfrm>
-            <a:off x="0" y="4567988"/>
-            <a:ext cx="10437812" cy="1368198"/>
-          </a:xfrm>
-          <a:prstGeom prst="rect">
-            <a:avLst/>
-          </a:prstGeom>
-          <a:solidFill>
-            <a:schemeClr val="bg1">
-              <a:lumMod val="85000"/>
-              <a:lumOff val="15000"/>
-            </a:schemeClr>
-          </a:solidFill>
-          <a:ln>
-            <a:noFill/>
-          </a:ln>
-        </p:spPr>
-        <p:style>
-          <a:lnRef idx="2">
-            <a:schemeClr val="accent1">
-              <a:shade val="50000"/>
-            </a:schemeClr>
-          </a:lnRef>
-          <a:fillRef idx="1">
-            <a:schemeClr val="accent1"/>
-          </a:fillRef>
-          <a:effectRef idx="0">
-            <a:schemeClr val="accent1"/>
-          </a:effectRef>
-          <a:fontRef idx="minor">
-            <a:schemeClr val="lt1"/>
-          </a:fontRef>
-        </p:style>
-      </p:sp>
-      <p:sp>
-        <p:nvSpPr>
-          <p:cNvPr id="11" name="Rectangle 10"/>
-          <p:cNvSpPr/>
-          <p:nvPr/>
-        </p:nvSpPr>
-        <p:spPr>
-          <a:xfrm>
-            <a:off x="10585827" y="4567988"/>
-            <a:ext cx="1602997" cy="1368198"/>
-          </a:xfrm>
-          <a:prstGeom prst="rect">
-            <a:avLst/>
-          </a:prstGeom>
-          <a:solidFill>
-            <a:schemeClr val="accent1"/>
-          </a:solidFill>
-          <a:ln>
-            <a:noFill/>
-          </a:ln>
-        </p:spPr>
-        <p:style>
-          <a:lnRef idx="2">
-            <a:schemeClr val="accent1">
-              <a:shade val="50000"/>
-            </a:schemeClr>
-          </a:lnRef>
-          <a:fillRef idx="1">
-            <a:schemeClr val="accent1"/>
-          </a:fillRef>
-          <a:effectRef idx="0">
-            <a:schemeClr val="accent1"/>
-          </a:effectRef>
-          <a:fontRef idx="minor">
-            <a:schemeClr val="lt1"/>
-          </a:fontRef>
-        </p:style>
-      </p:sp>
-      <p:sp>
-        <p:nvSpPr>
-          <p:cNvPr id="2" name="Title 1"/>
-          <p:cNvSpPr>
-            <a:spLocks noGrp="1"/>
-          </p:cNvSpPr>
-          <p:nvPr>
-            <p:ph type="title"/>
-          </p:nvPr>
-        </p:nvSpPr>
-        <p:spPr>
-          <a:xfrm>
-            <a:off x="680322" y="609597"/>
-            <a:ext cx="9613858" cy="3592750"/>
+            <a:off x="524255" y="609597"/>
+            <a:ext cx="6896534" cy="3592750"/>
           </a:xfrm>
         </p:spPr>
         <p:txBody>
@@ -1071,8 +1122,8 @@
         </p:nvSpPr>
         <p:spPr>
           <a:xfrm>
-            <a:off x="680322" y="4711615"/>
-            <a:ext cx="9613859" cy="1090789"/>
+            <a:off x="531638" y="4710340"/>
+            <a:ext cx="6889151" cy="1101764"/>
           </a:xfrm>
         </p:spPr>
         <p:txBody>
@@ -1178,8 +1229,8 @@
         </p:nvSpPr>
         <p:spPr>
           <a:xfrm>
-            <a:off x="10729455" y="4711615"/>
-            <a:ext cx="1154151" cy="1090789"/>
+            <a:off x="7856438" y="4711616"/>
+            <a:ext cx="1149836" cy="1090789"/>
           </a:xfrm>
         </p:spPr>
         <p:txBody>
@@ -1197,7 +1248,7 @@
     </p:spTree>
     <p:extLst>
       <p:ext uri="{BB962C8B-B14F-4D97-AF65-F5344CB8AC3E}">
-        <p14:creationId xmlns:p14="http://schemas.microsoft.com/office/powerpoint/2010/main" val="1700249205"/>
+        <p14:creationId xmlns:p14="http://schemas.microsoft.com/office/powerpoint/2010/main" val="3645195743"/>
       </p:ext>
     </p:extLst>
   </p:cSld>
@@ -1224,159 +1275,172 @@
           <a:chExt cx="0" cy="0"/>
         </a:xfrm>
       </p:grpSpPr>
-      <p:pic>
-        <p:nvPicPr>
-          <p:cNvPr id="11" name="Picture 10" descr="HD-ShadowLong.png"/>
-          <p:cNvPicPr>
-            <a:picLocks noChangeAspect="1"/>
-          </p:cNvPicPr>
+      <p:grpSp>
+        <p:nvGrpSpPr>
+          <p:cNvPr id="29" name="Group 28"/>
+          <p:cNvGrpSpPr/>
           <p:nvPr/>
-        </p:nvPicPr>
-        <p:blipFill>
-          <a:blip r:embed="rId2">
-            <a:extLst>
-              <a:ext uri="{28A0092B-C50C-407E-A947-70E740481C1C}">
-                <a14:useLocalDpi xmlns:a14="http://schemas.microsoft.com/office/drawing/2010/main" val="0"/>
-              </a:ext>
-            </a:extLst>
-          </a:blip>
-          <a:stretch>
-            <a:fillRect/>
-          </a:stretch>
-        </p:blipFill>
+        </p:nvGrpSpPr>
+        <p:grpSpPr>
+          <a:xfrm>
+            <a:off x="0" y="4572000"/>
+            <a:ext cx="9161969" cy="1677035"/>
+            <a:chOff x="0" y="2895600"/>
+            <a:chExt cx="9161969" cy="1677035"/>
+          </a:xfrm>
+        </p:grpSpPr>
+        <p:pic>
+          <p:nvPicPr>
+            <p:cNvPr id="30" name="Picture 29" descr="HD-ShadowLong.png"/>
+            <p:cNvPicPr>
+              <a:picLocks noChangeAspect="1"/>
+            </p:cNvPicPr>
+            <p:nvPr/>
+          </p:nvPicPr>
+          <p:blipFill rotWithShape="1">
+            <a:blip r:embed="rId2">
+              <a:extLst>
+                <a:ext uri="{28A0092B-C50C-407E-A947-70E740481C1C}">
+                  <a14:useLocalDpi xmlns:a14="http://schemas.microsoft.com/office/drawing/2010/main" val="0"/>
+                </a:ext>
+              </a:extLst>
+            </a:blip>
+            <a:srcRect l="26982" r="-217"/>
+            <a:stretch/>
+          </p:blipFill>
+          <p:spPr>
+            <a:xfrm>
+              <a:off x="0" y="4251471"/>
+              <a:ext cx="7644384" cy="321164"/>
+            </a:xfrm>
+            <a:prstGeom prst="rect">
+              <a:avLst/>
+            </a:prstGeom>
+          </p:spPr>
+        </p:pic>
+        <p:pic>
+          <p:nvPicPr>
+            <p:cNvPr id="31" name="Picture 30" descr="HD-ShadowShort.png"/>
+            <p:cNvPicPr>
+              <a:picLocks noChangeAspect="1"/>
+            </p:cNvPicPr>
+            <p:nvPr/>
+          </p:nvPicPr>
+          <p:blipFill rotWithShape="1">
+            <a:blip r:embed="rId3">
+              <a:extLst>
+                <a:ext uri="{28A0092B-C50C-407E-A947-70E740481C1C}">
+                  <a14:useLocalDpi xmlns:a14="http://schemas.microsoft.com/office/drawing/2010/main" val="0"/>
+                </a:ext>
+              </a:extLst>
+            </a:blip>
+            <a:srcRect r="9871"/>
+            <a:stretch/>
+          </p:blipFill>
+          <p:spPr>
+            <a:xfrm>
+              <a:off x="7717217" y="4259262"/>
+              <a:ext cx="1444752" cy="144270"/>
+            </a:xfrm>
+            <a:prstGeom prst="rect">
+              <a:avLst/>
+            </a:prstGeom>
+          </p:spPr>
+        </p:pic>
+        <p:sp>
+          <p:nvSpPr>
+            <p:cNvPr id="32" name="Rectangle 31"/>
+            <p:cNvSpPr/>
+            <p:nvPr/>
+          </p:nvSpPr>
+          <p:spPr bwMode="ltGray">
+            <a:xfrm>
+              <a:off x="0" y="2895600"/>
+              <a:ext cx="7567140" cy="1368198"/>
+            </a:xfrm>
+            <a:prstGeom prst="rect">
+              <a:avLst/>
+            </a:prstGeom>
+            <a:solidFill>
+              <a:schemeClr val="bg1">
+                <a:lumMod val="85000"/>
+                <a:lumOff val="15000"/>
+              </a:schemeClr>
+            </a:solidFill>
+            <a:ln>
+              <a:noFill/>
+            </a:ln>
+          </p:spPr>
+          <p:style>
+            <a:lnRef idx="2">
+              <a:schemeClr val="accent1">
+                <a:shade val="50000"/>
+              </a:schemeClr>
+            </a:lnRef>
+            <a:fillRef idx="1">
+              <a:schemeClr val="accent1"/>
+            </a:fillRef>
+            <a:effectRef idx="0">
+              <a:schemeClr val="accent1"/>
+            </a:effectRef>
+            <a:fontRef idx="minor">
+              <a:schemeClr val="lt1"/>
+            </a:fontRef>
+          </p:style>
+        </p:sp>
+        <p:sp>
+          <p:nvSpPr>
+            <p:cNvPr id="33" name="Rectangle 32"/>
+            <p:cNvSpPr/>
+            <p:nvPr/>
+          </p:nvSpPr>
+          <p:spPr>
+            <a:xfrm>
+              <a:off x="7710769" y="2895600"/>
+              <a:ext cx="1433231" cy="1368198"/>
+            </a:xfrm>
+            <a:prstGeom prst="rect">
+              <a:avLst/>
+            </a:prstGeom>
+            <a:solidFill>
+              <a:schemeClr val="accent1"/>
+            </a:solidFill>
+            <a:ln>
+              <a:noFill/>
+            </a:ln>
+          </p:spPr>
+          <p:style>
+            <a:lnRef idx="2">
+              <a:schemeClr val="accent1">
+                <a:shade val="50000"/>
+              </a:schemeClr>
+            </a:lnRef>
+            <a:fillRef idx="1">
+              <a:schemeClr val="accent1"/>
+            </a:fillRef>
+            <a:effectRef idx="0">
+              <a:schemeClr val="accent1"/>
+            </a:effectRef>
+            <a:fontRef idx="minor">
+              <a:schemeClr val="lt1"/>
+            </a:fontRef>
+          </p:style>
+        </p:sp>
+      </p:grpSp>
+      <p:sp>
+        <p:nvSpPr>
+          <p:cNvPr id="2" name="Title 1"/>
+          <p:cNvSpPr>
+            <a:spLocks noGrp="1"/>
+          </p:cNvSpPr>
+          <p:nvPr>
+            <p:ph type="title"/>
+          </p:nvPr>
+        </p:nvSpPr>
         <p:spPr>
           <a:xfrm>
-            <a:off x="1" y="5928628"/>
-            <a:ext cx="10437812" cy="321164"/>
-          </a:xfrm>
-          <a:prstGeom prst="rect">
-            <a:avLst/>
-          </a:prstGeom>
-        </p:spPr>
-      </p:pic>
-      <p:pic>
-        <p:nvPicPr>
-          <p:cNvPr id="13" name="Picture 12" descr="HD-ShadowShort.png"/>
-          <p:cNvPicPr>
-            <a:picLocks noChangeAspect="1"/>
-          </p:cNvPicPr>
-          <p:nvPr/>
-        </p:nvPicPr>
-        <p:blipFill>
-          <a:blip r:embed="rId3">
-            <a:extLst>
-              <a:ext uri="{28A0092B-C50C-407E-A947-70E740481C1C}">
-                <a14:useLocalDpi xmlns:a14="http://schemas.microsoft.com/office/drawing/2010/main" val="0"/>
-              </a:ext>
-            </a:extLst>
-          </a:blip>
-          <a:stretch>
-            <a:fillRect/>
-          </a:stretch>
-        </p:blipFill>
-        <p:spPr>
-          <a:xfrm>
-            <a:off x="10585826" y="5929622"/>
-            <a:ext cx="1602997" cy="144270"/>
-          </a:xfrm>
-          <a:prstGeom prst="rect">
-            <a:avLst/>
-          </a:prstGeom>
-        </p:spPr>
-      </p:pic>
-      <p:sp>
-        <p:nvSpPr>
-          <p:cNvPr id="14" name="Rectangle 13"/>
-          <p:cNvSpPr/>
-          <p:nvPr/>
-        </p:nvSpPr>
-        <p:spPr bwMode="ltGray">
-          <a:xfrm>
-            <a:off x="0" y="4567988"/>
-            <a:ext cx="10437812" cy="1368198"/>
-          </a:xfrm>
-          <a:prstGeom prst="rect">
-            <a:avLst/>
-          </a:prstGeom>
-          <a:solidFill>
-            <a:schemeClr val="bg1">
-              <a:lumMod val="85000"/>
-              <a:lumOff val="15000"/>
-            </a:schemeClr>
-          </a:solidFill>
-          <a:ln>
-            <a:noFill/>
-          </a:ln>
-        </p:spPr>
-        <p:style>
-          <a:lnRef idx="2">
-            <a:schemeClr val="accent1">
-              <a:shade val="50000"/>
-            </a:schemeClr>
-          </a:lnRef>
-          <a:fillRef idx="1">
-            <a:schemeClr val="accent1"/>
-          </a:fillRef>
-          <a:effectRef idx="0">
-            <a:schemeClr val="accent1"/>
-          </a:effectRef>
-          <a:fontRef idx="minor">
-            <a:schemeClr val="lt1"/>
-          </a:fontRef>
-        </p:style>
-      </p:sp>
-      <p:sp>
-        <p:nvSpPr>
-          <p:cNvPr id="15" name="Rectangle 14"/>
-          <p:cNvSpPr/>
-          <p:nvPr/>
-        </p:nvSpPr>
-        <p:spPr>
-          <a:xfrm>
-            <a:off x="10585827" y="4567988"/>
-            <a:ext cx="1602997" cy="1368198"/>
-          </a:xfrm>
-          <a:prstGeom prst="rect">
-            <a:avLst/>
-          </a:prstGeom>
-          <a:solidFill>
-            <a:schemeClr val="accent1"/>
-          </a:solidFill>
-          <a:ln>
-            <a:noFill/>
-          </a:ln>
-        </p:spPr>
-        <p:style>
-          <a:lnRef idx="2">
-            <a:schemeClr val="accent1">
-              <a:shade val="50000"/>
-            </a:schemeClr>
-          </a:lnRef>
-          <a:fillRef idx="1">
-            <a:schemeClr val="accent1"/>
-          </a:fillRef>
-          <a:effectRef idx="0">
-            <a:schemeClr val="accent1"/>
-          </a:effectRef>
-          <a:fontRef idx="minor">
-            <a:schemeClr val="lt1"/>
-          </a:fontRef>
-        </p:style>
-      </p:sp>
-      <p:sp>
-        <p:nvSpPr>
-          <p:cNvPr id="2" name="Title 1"/>
-          <p:cNvSpPr>
-            <a:spLocks noGrp="1"/>
-          </p:cNvSpPr>
-          <p:nvPr>
-            <p:ph type="title"/>
-          </p:nvPr>
-        </p:nvSpPr>
-        <p:spPr>
-          <a:xfrm>
-            <a:off x="1127856" y="609598"/>
-            <a:ext cx="8718877" cy="3036061"/>
+            <a:off x="767921" y="616983"/>
+            <a:ext cx="6425147" cy="3036061"/>
           </a:xfrm>
         </p:spPr>
         <p:txBody>
@@ -1407,8 +1471,8 @@
         </p:nvSpPr>
         <p:spPr>
           <a:xfrm>
-            <a:off x="1402288" y="3653379"/>
-            <a:ext cx="8156579" cy="548968"/>
+            <a:off x="989438" y="3660763"/>
+            <a:ext cx="5987731" cy="548968"/>
           </a:xfrm>
         </p:spPr>
         <p:txBody>
@@ -1474,8 +1538,8 @@
         </p:nvSpPr>
         <p:spPr>
           <a:xfrm>
-            <a:off x="680322" y="4711615"/>
-            <a:ext cx="9613859" cy="1090789"/>
+            <a:off x="531638" y="4710340"/>
+            <a:ext cx="6903919" cy="1101764"/>
           </a:xfrm>
         </p:spPr>
         <p:txBody>
@@ -1583,8 +1647,8 @@
         </p:nvSpPr>
         <p:spPr>
           <a:xfrm>
-            <a:off x="10729455" y="4709925"/>
-            <a:ext cx="1154151" cy="1090789"/>
+            <a:off x="7856438" y="4709926"/>
+            <a:ext cx="1149836" cy="1090789"/>
           </a:xfrm>
         </p:spPr>
         <p:txBody>
@@ -1601,14 +1665,14 @@
       </p:sp>
       <p:sp>
         <p:nvSpPr>
-          <p:cNvPr id="16" name="TextBox 15"/>
+          <p:cNvPr id="27" name="TextBox 26"/>
           <p:cNvSpPr txBox="1"/>
           <p:nvPr/>
         </p:nvSpPr>
         <p:spPr>
           <a:xfrm>
-            <a:off x="583572" y="748116"/>
-            <a:ext cx="609600" cy="584776"/>
+            <a:off x="270932" y="748116"/>
+            <a:ext cx="533400" cy="584776"/>
           </a:xfrm>
           <a:prstGeom prst="rect">
             <a:avLst/>
@@ -1717,14 +1781,14 @@
       </p:sp>
       <p:sp>
         <p:nvSpPr>
-          <p:cNvPr id="17" name="TextBox 16"/>
+          <p:cNvPr id="28" name="TextBox 27"/>
           <p:cNvSpPr txBox="1"/>
           <p:nvPr/>
         </p:nvSpPr>
         <p:spPr>
           <a:xfrm>
-            <a:off x="9662809" y="3033524"/>
-            <a:ext cx="609600" cy="584776"/>
+            <a:off x="6967191" y="2998573"/>
+            <a:ext cx="457200" cy="584777"/>
           </a:xfrm>
           <a:prstGeom prst="rect">
             <a:avLst/>
@@ -1834,7 +1898,7 @@
     </p:spTree>
     <p:extLst>
       <p:ext uri="{BB962C8B-B14F-4D97-AF65-F5344CB8AC3E}">
-        <p14:creationId xmlns:p14="http://schemas.microsoft.com/office/powerpoint/2010/main" val="1619883217"/>
+        <p14:creationId xmlns:p14="http://schemas.microsoft.com/office/powerpoint/2010/main" val="2430709202"/>
       </p:ext>
     </p:extLst>
   </p:cSld>
@@ -1861,159 +1925,172 @@
           <a:chExt cx="0" cy="0"/>
         </a:xfrm>
       </p:grpSpPr>
-      <p:pic>
-        <p:nvPicPr>
-          <p:cNvPr id="9" name="Picture 8" descr="HD-ShadowLong.png"/>
-          <p:cNvPicPr>
-            <a:picLocks noChangeAspect="1"/>
-          </p:cNvPicPr>
+      <p:grpSp>
+        <p:nvGrpSpPr>
+          <p:cNvPr id="22" name="Group 21"/>
+          <p:cNvGrpSpPr/>
           <p:nvPr/>
-        </p:nvPicPr>
-        <p:blipFill>
-          <a:blip r:embed="rId2">
-            <a:extLst>
-              <a:ext uri="{28A0092B-C50C-407E-A947-70E740481C1C}">
-                <a14:useLocalDpi xmlns:a14="http://schemas.microsoft.com/office/drawing/2010/main" val="0"/>
-              </a:ext>
-            </a:extLst>
-          </a:blip>
-          <a:stretch>
-            <a:fillRect/>
-          </a:stretch>
-        </p:blipFill>
+        </p:nvGrpSpPr>
+        <p:grpSpPr>
+          <a:xfrm>
+            <a:off x="0" y="4572000"/>
+            <a:ext cx="9161969" cy="1677035"/>
+            <a:chOff x="0" y="2895600"/>
+            <a:chExt cx="9161969" cy="1677035"/>
+          </a:xfrm>
+        </p:grpSpPr>
+        <p:pic>
+          <p:nvPicPr>
+            <p:cNvPr id="23" name="Picture 22" descr="HD-ShadowLong.png"/>
+            <p:cNvPicPr>
+              <a:picLocks noChangeAspect="1"/>
+            </p:cNvPicPr>
+            <p:nvPr/>
+          </p:nvPicPr>
+          <p:blipFill rotWithShape="1">
+            <a:blip r:embed="rId2">
+              <a:extLst>
+                <a:ext uri="{28A0092B-C50C-407E-A947-70E740481C1C}">
+                  <a14:useLocalDpi xmlns:a14="http://schemas.microsoft.com/office/drawing/2010/main" val="0"/>
+                </a:ext>
+              </a:extLst>
+            </a:blip>
+            <a:srcRect l="26982" r="-217"/>
+            <a:stretch/>
+          </p:blipFill>
+          <p:spPr>
+            <a:xfrm>
+              <a:off x="0" y="4251471"/>
+              <a:ext cx="7644384" cy="321164"/>
+            </a:xfrm>
+            <a:prstGeom prst="rect">
+              <a:avLst/>
+            </a:prstGeom>
+          </p:spPr>
+        </p:pic>
+        <p:pic>
+          <p:nvPicPr>
+            <p:cNvPr id="24" name="Picture 23" descr="HD-ShadowShort.png"/>
+            <p:cNvPicPr>
+              <a:picLocks noChangeAspect="1"/>
+            </p:cNvPicPr>
+            <p:nvPr/>
+          </p:nvPicPr>
+          <p:blipFill rotWithShape="1">
+            <a:blip r:embed="rId3">
+              <a:extLst>
+                <a:ext uri="{28A0092B-C50C-407E-A947-70E740481C1C}">
+                  <a14:useLocalDpi xmlns:a14="http://schemas.microsoft.com/office/drawing/2010/main" val="0"/>
+                </a:ext>
+              </a:extLst>
+            </a:blip>
+            <a:srcRect r="9871"/>
+            <a:stretch/>
+          </p:blipFill>
+          <p:spPr>
+            <a:xfrm>
+              <a:off x="7717217" y="4259262"/>
+              <a:ext cx="1444752" cy="144270"/>
+            </a:xfrm>
+            <a:prstGeom prst="rect">
+              <a:avLst/>
+            </a:prstGeom>
+          </p:spPr>
+        </p:pic>
+        <p:sp>
+          <p:nvSpPr>
+            <p:cNvPr id="25" name="Rectangle 24"/>
+            <p:cNvSpPr/>
+            <p:nvPr/>
+          </p:nvSpPr>
+          <p:spPr bwMode="ltGray">
+            <a:xfrm>
+              <a:off x="0" y="2895600"/>
+              <a:ext cx="7567140" cy="1368198"/>
+            </a:xfrm>
+            <a:prstGeom prst="rect">
+              <a:avLst/>
+            </a:prstGeom>
+            <a:solidFill>
+              <a:schemeClr val="bg1">
+                <a:lumMod val="85000"/>
+                <a:lumOff val="15000"/>
+              </a:schemeClr>
+            </a:solidFill>
+            <a:ln>
+              <a:noFill/>
+            </a:ln>
+          </p:spPr>
+          <p:style>
+            <a:lnRef idx="2">
+              <a:schemeClr val="accent1">
+                <a:shade val="50000"/>
+              </a:schemeClr>
+            </a:lnRef>
+            <a:fillRef idx="1">
+              <a:schemeClr val="accent1"/>
+            </a:fillRef>
+            <a:effectRef idx="0">
+              <a:schemeClr val="accent1"/>
+            </a:effectRef>
+            <a:fontRef idx="minor">
+              <a:schemeClr val="lt1"/>
+            </a:fontRef>
+          </p:style>
+        </p:sp>
+        <p:sp>
+          <p:nvSpPr>
+            <p:cNvPr id="26" name="Rectangle 25"/>
+            <p:cNvSpPr/>
+            <p:nvPr/>
+          </p:nvSpPr>
+          <p:spPr>
+            <a:xfrm>
+              <a:off x="7710769" y="2895600"/>
+              <a:ext cx="1433231" cy="1368198"/>
+            </a:xfrm>
+            <a:prstGeom prst="rect">
+              <a:avLst/>
+            </a:prstGeom>
+            <a:solidFill>
+              <a:schemeClr val="accent1"/>
+            </a:solidFill>
+            <a:ln>
+              <a:noFill/>
+            </a:ln>
+          </p:spPr>
+          <p:style>
+            <a:lnRef idx="2">
+              <a:schemeClr val="accent1">
+                <a:shade val="50000"/>
+              </a:schemeClr>
+            </a:lnRef>
+            <a:fillRef idx="1">
+              <a:schemeClr val="accent1"/>
+            </a:fillRef>
+            <a:effectRef idx="0">
+              <a:schemeClr val="accent1"/>
+            </a:effectRef>
+            <a:fontRef idx="minor">
+              <a:schemeClr val="lt1"/>
+            </a:fontRef>
+          </p:style>
+        </p:sp>
+      </p:grpSp>
+      <p:sp>
+        <p:nvSpPr>
+          <p:cNvPr id="2" name="Title 1"/>
+          <p:cNvSpPr>
+            <a:spLocks noGrp="1"/>
+          </p:cNvSpPr>
+          <p:nvPr>
+            <p:ph type="title"/>
+          </p:nvPr>
+        </p:nvSpPr>
         <p:spPr>
           <a:xfrm>
-            <a:off x="1" y="5928628"/>
-            <a:ext cx="10437812" cy="321164"/>
-          </a:xfrm>
-          <a:prstGeom prst="rect">
-            <a:avLst/>
-          </a:prstGeom>
-        </p:spPr>
-      </p:pic>
-      <p:pic>
-        <p:nvPicPr>
-          <p:cNvPr id="10" name="Picture 9" descr="HD-ShadowShort.png"/>
-          <p:cNvPicPr>
-            <a:picLocks noChangeAspect="1"/>
-          </p:cNvPicPr>
-          <p:nvPr/>
-        </p:nvPicPr>
-        <p:blipFill>
-          <a:blip r:embed="rId3">
-            <a:extLst>
-              <a:ext uri="{28A0092B-C50C-407E-A947-70E740481C1C}">
-                <a14:useLocalDpi xmlns:a14="http://schemas.microsoft.com/office/drawing/2010/main" val="0"/>
-              </a:ext>
-            </a:extLst>
-          </a:blip>
-          <a:stretch>
-            <a:fillRect/>
-          </a:stretch>
-        </p:blipFill>
-        <p:spPr>
-          <a:xfrm>
-            <a:off x="10585826" y="5929622"/>
-            <a:ext cx="1602997" cy="144270"/>
-          </a:xfrm>
-          <a:prstGeom prst="rect">
-            <a:avLst/>
-          </a:prstGeom>
-        </p:spPr>
-      </p:pic>
-      <p:sp>
-        <p:nvSpPr>
-          <p:cNvPr id="11" name="Rectangle 10"/>
-          <p:cNvSpPr/>
-          <p:nvPr/>
-        </p:nvSpPr>
-        <p:spPr bwMode="ltGray">
-          <a:xfrm>
-            <a:off x="0" y="4567988"/>
-            <a:ext cx="10437812" cy="1368198"/>
-          </a:xfrm>
-          <a:prstGeom prst="rect">
-            <a:avLst/>
-          </a:prstGeom>
-          <a:solidFill>
-            <a:schemeClr val="bg1">
-              <a:lumMod val="85000"/>
-              <a:lumOff val="15000"/>
-            </a:schemeClr>
-          </a:solidFill>
-          <a:ln>
-            <a:noFill/>
-          </a:ln>
-        </p:spPr>
-        <p:style>
-          <a:lnRef idx="2">
-            <a:schemeClr val="accent1">
-              <a:shade val="50000"/>
-            </a:schemeClr>
-          </a:lnRef>
-          <a:fillRef idx="1">
-            <a:schemeClr val="accent1"/>
-          </a:fillRef>
-          <a:effectRef idx="0">
-            <a:schemeClr val="accent1"/>
-          </a:effectRef>
-          <a:fontRef idx="minor">
-            <a:schemeClr val="lt1"/>
-          </a:fontRef>
-        </p:style>
-      </p:sp>
-      <p:sp>
-        <p:nvSpPr>
-          <p:cNvPr id="12" name="Rectangle 11"/>
-          <p:cNvSpPr/>
-          <p:nvPr/>
-        </p:nvSpPr>
-        <p:spPr>
-          <a:xfrm>
-            <a:off x="10585827" y="4567988"/>
-            <a:ext cx="1602997" cy="1368198"/>
-          </a:xfrm>
-          <a:prstGeom prst="rect">
-            <a:avLst/>
-          </a:prstGeom>
-          <a:solidFill>
-            <a:schemeClr val="accent1"/>
-          </a:solidFill>
-          <a:ln>
-            <a:noFill/>
-          </a:ln>
-        </p:spPr>
-        <p:style>
-          <a:lnRef idx="2">
-            <a:schemeClr val="accent1">
-              <a:shade val="50000"/>
-            </a:schemeClr>
-          </a:lnRef>
-          <a:fillRef idx="1">
-            <a:schemeClr val="accent1"/>
-          </a:fillRef>
-          <a:effectRef idx="0">
-            <a:schemeClr val="accent1"/>
-          </a:effectRef>
-          <a:fontRef idx="minor">
-            <a:schemeClr val="lt1"/>
-          </a:fontRef>
-        </p:style>
-      </p:sp>
-      <p:sp>
-        <p:nvSpPr>
-          <p:cNvPr id="2" name="Title 1"/>
-          <p:cNvSpPr>
-            <a:spLocks noGrp="1"/>
-          </p:cNvSpPr>
-          <p:nvPr>
-            <p:ph type="title"/>
-          </p:nvPr>
-        </p:nvSpPr>
-        <p:spPr>
-          <a:xfrm>
-            <a:off x="680319" y="4711615"/>
-            <a:ext cx="9613862" cy="588535"/>
+            <a:off x="531638" y="4710340"/>
+            <a:ext cx="6896534" cy="589812"/>
           </a:xfrm>
         </p:spPr>
         <p:txBody>
@@ -2044,8 +2121,8 @@
         </p:nvSpPr>
         <p:spPr>
           <a:xfrm>
-            <a:off x="680320" y="5300149"/>
-            <a:ext cx="9613862" cy="502255"/>
+            <a:off x="531639" y="5300150"/>
+            <a:ext cx="6896534" cy="511954"/>
           </a:xfrm>
         </p:spPr>
         <p:txBody>
@@ -2151,8 +2228,8 @@
         </p:nvSpPr>
         <p:spPr>
           <a:xfrm>
-            <a:off x="10729455" y="4709925"/>
-            <a:ext cx="1154151" cy="1090789"/>
+            <a:off x="7856438" y="4709926"/>
+            <a:ext cx="1149836" cy="1090789"/>
           </a:xfrm>
         </p:spPr>
         <p:txBody>
@@ -2170,7 +2247,7 @@
     </p:spTree>
     <p:extLst>
       <p:ext uri="{BB962C8B-B14F-4D97-AF65-F5344CB8AC3E}">
-        <p14:creationId xmlns:p14="http://schemas.microsoft.com/office/powerpoint/2010/main" val="1924688153"/>
+        <p14:creationId xmlns:p14="http://schemas.microsoft.com/office/powerpoint/2010/main" val="839181426"/>
       </p:ext>
     </p:extLst>
   </p:cSld>
@@ -2197,187 +2274,200 @@
           <a:chExt cx="0" cy="0"/>
         </a:xfrm>
       </p:grpSpPr>
-      <p:pic>
-        <p:nvPicPr>
-          <p:cNvPr id="13" name="Picture 12" descr="HD-ShadowLong.png"/>
-          <p:cNvPicPr>
-            <a:picLocks noChangeAspect="1"/>
-          </p:cNvPicPr>
+      <p:grpSp>
+        <p:nvGrpSpPr>
+          <p:cNvPr id="23" name="Group 22"/>
+          <p:cNvGrpSpPr/>
           <p:nvPr/>
-        </p:nvPicPr>
-        <p:blipFill>
-          <a:blip r:embed="rId2">
-            <a:extLst>
-              <a:ext uri="{28A0092B-C50C-407E-A947-70E740481C1C}">
-                <a14:useLocalDpi xmlns:a14="http://schemas.microsoft.com/office/drawing/2010/main" val="0"/>
-              </a:ext>
-            </a:extLst>
-          </a:blip>
-          <a:stretch>
-            <a:fillRect/>
-          </a:stretch>
-        </p:blipFill>
+        </p:nvGrpSpPr>
+        <p:grpSpPr>
+          <a:xfrm>
+            <a:off x="0" y="609600"/>
+            <a:ext cx="9161969" cy="1677035"/>
+            <a:chOff x="0" y="2895600"/>
+            <a:chExt cx="9161969" cy="1677035"/>
+          </a:xfrm>
+        </p:grpSpPr>
+        <p:pic>
+          <p:nvPicPr>
+            <p:cNvPr id="24" name="Picture 23" descr="HD-ShadowLong.png"/>
+            <p:cNvPicPr>
+              <a:picLocks noChangeAspect="1"/>
+            </p:cNvPicPr>
+            <p:nvPr/>
+          </p:nvPicPr>
+          <p:blipFill rotWithShape="1">
+            <a:blip r:embed="rId2">
+              <a:extLst>
+                <a:ext uri="{28A0092B-C50C-407E-A947-70E740481C1C}">
+                  <a14:useLocalDpi xmlns:a14="http://schemas.microsoft.com/office/drawing/2010/main" val="0"/>
+                </a:ext>
+              </a:extLst>
+            </a:blip>
+            <a:srcRect l="26982" r="-217"/>
+            <a:stretch/>
+          </p:blipFill>
+          <p:spPr>
+            <a:xfrm>
+              <a:off x="0" y="4251471"/>
+              <a:ext cx="7644384" cy="321164"/>
+            </a:xfrm>
+            <a:prstGeom prst="rect">
+              <a:avLst/>
+            </a:prstGeom>
+          </p:spPr>
+        </p:pic>
+        <p:pic>
+          <p:nvPicPr>
+            <p:cNvPr id="25" name="Picture 24" descr="HD-ShadowShort.png"/>
+            <p:cNvPicPr>
+              <a:picLocks noChangeAspect="1"/>
+            </p:cNvPicPr>
+            <p:nvPr/>
+          </p:nvPicPr>
+          <p:blipFill rotWithShape="1">
+            <a:blip r:embed="rId3">
+              <a:extLst>
+                <a:ext uri="{28A0092B-C50C-407E-A947-70E740481C1C}">
+                  <a14:useLocalDpi xmlns:a14="http://schemas.microsoft.com/office/drawing/2010/main" val="0"/>
+                </a:ext>
+              </a:extLst>
+            </a:blip>
+            <a:srcRect r="9871"/>
+            <a:stretch/>
+          </p:blipFill>
+          <p:spPr>
+            <a:xfrm>
+              <a:off x="7717217" y="4259262"/>
+              <a:ext cx="1444752" cy="144270"/>
+            </a:xfrm>
+            <a:prstGeom prst="rect">
+              <a:avLst/>
+            </a:prstGeom>
+          </p:spPr>
+        </p:pic>
+        <p:sp>
+          <p:nvSpPr>
+            <p:cNvPr id="26" name="Rectangle 25"/>
+            <p:cNvSpPr/>
+            <p:nvPr/>
+          </p:nvSpPr>
+          <p:spPr bwMode="ltGray">
+            <a:xfrm>
+              <a:off x="0" y="2895600"/>
+              <a:ext cx="7567140" cy="1368198"/>
+            </a:xfrm>
+            <a:prstGeom prst="rect">
+              <a:avLst/>
+            </a:prstGeom>
+            <a:solidFill>
+              <a:schemeClr val="bg1">
+                <a:lumMod val="85000"/>
+                <a:lumOff val="15000"/>
+              </a:schemeClr>
+            </a:solidFill>
+            <a:ln>
+              <a:noFill/>
+            </a:ln>
+          </p:spPr>
+          <p:style>
+            <a:lnRef idx="2">
+              <a:schemeClr val="accent1">
+                <a:shade val="50000"/>
+              </a:schemeClr>
+            </a:lnRef>
+            <a:fillRef idx="1">
+              <a:schemeClr val="accent1"/>
+            </a:fillRef>
+            <a:effectRef idx="0">
+              <a:schemeClr val="accent1"/>
+            </a:effectRef>
+            <a:fontRef idx="minor">
+              <a:schemeClr val="lt1"/>
+            </a:fontRef>
+          </p:style>
+        </p:sp>
+        <p:sp>
+          <p:nvSpPr>
+            <p:cNvPr id="27" name="Rectangle 26"/>
+            <p:cNvSpPr/>
+            <p:nvPr/>
+          </p:nvSpPr>
+          <p:spPr>
+            <a:xfrm>
+              <a:off x="7710769" y="2895600"/>
+              <a:ext cx="1433231" cy="1368198"/>
+            </a:xfrm>
+            <a:prstGeom prst="rect">
+              <a:avLst/>
+            </a:prstGeom>
+            <a:solidFill>
+              <a:schemeClr val="accent1"/>
+            </a:solidFill>
+            <a:ln>
+              <a:noFill/>
+            </a:ln>
+          </p:spPr>
+          <p:style>
+            <a:lnRef idx="2">
+              <a:schemeClr val="accent1">
+                <a:shade val="50000"/>
+              </a:schemeClr>
+            </a:lnRef>
+            <a:fillRef idx="1">
+              <a:schemeClr val="accent1"/>
+            </a:fillRef>
+            <a:effectRef idx="0">
+              <a:schemeClr val="accent1"/>
+            </a:effectRef>
+            <a:fontRef idx="minor">
+              <a:schemeClr val="lt1"/>
+            </a:fontRef>
+          </p:style>
+        </p:sp>
+      </p:grpSp>
+      <p:sp>
+        <p:nvSpPr>
+          <p:cNvPr id="15" name="Title 1"/>
+          <p:cNvSpPr>
+            <a:spLocks noGrp="1"/>
+          </p:cNvSpPr>
+          <p:nvPr>
+            <p:ph type="title"/>
+          </p:nvPr>
+        </p:nvSpPr>
         <p:spPr>
           <a:xfrm>
-            <a:off x="1" y="1970240"/>
-            <a:ext cx="10437812" cy="321164"/>
+            <a:off x="531639" y="753228"/>
+            <a:ext cx="6896534" cy="1080938"/>
           </a:xfrm>
-          <a:prstGeom prst="rect">
-            <a:avLst/>
-          </a:prstGeom>
         </p:spPr>
-      </p:pic>
-      <p:pic>
-        <p:nvPicPr>
-          <p:cNvPr id="14" name="Picture 13" descr="HD-ShadowShort.png"/>
-          <p:cNvPicPr>
-            <a:picLocks noChangeAspect="1"/>
-          </p:cNvPicPr>
-          <p:nvPr/>
-        </p:nvPicPr>
-        <p:blipFill>
-          <a:blip r:embed="rId3">
-            <a:extLst>
-              <a:ext uri="{28A0092B-C50C-407E-A947-70E740481C1C}">
-                <a14:useLocalDpi xmlns:a14="http://schemas.microsoft.com/office/drawing/2010/main" val="0"/>
-              </a:ext>
-            </a:extLst>
-          </a:blip>
-          <a:stretch>
-            <a:fillRect/>
-          </a:stretch>
-        </p:blipFill>
+        <p:txBody>
+          <a:bodyPr/>
+          <a:lstStyle/>
+          <a:p>
+            <a:r>
+              <a:rPr lang="en-US"/>
+              <a:t>Click to edit Master title style</a:t>
+            </a:r>
+            <a:endParaRPr lang="en-US" dirty="0"/>
+          </a:p>
+        </p:txBody>
+      </p:sp>
+      <p:sp>
+        <p:nvSpPr>
+          <p:cNvPr id="7" name="Text Placeholder 2"/>
+          <p:cNvSpPr>
+            <a:spLocks noGrp="1"/>
+          </p:cNvSpPr>
+          <p:nvPr>
+            <p:ph type="body" idx="1"/>
+          </p:nvPr>
+        </p:nvSpPr>
         <p:spPr>
           <a:xfrm>
-            <a:off x="10585826" y="1971234"/>
-            <a:ext cx="1602997" cy="144270"/>
-          </a:xfrm>
-          <a:prstGeom prst="rect">
-            <a:avLst/>
-          </a:prstGeom>
-        </p:spPr>
-      </p:pic>
-      <p:sp>
-        <p:nvSpPr>
-          <p:cNvPr id="16" name="Rectangle 15"/>
-          <p:cNvSpPr/>
-          <p:nvPr/>
-        </p:nvSpPr>
-        <p:spPr bwMode="ltGray">
-          <a:xfrm>
-            <a:off x="0" y="609600"/>
-            <a:ext cx="10437812" cy="1368198"/>
-          </a:xfrm>
-          <a:prstGeom prst="rect">
-            <a:avLst/>
-          </a:prstGeom>
-          <a:solidFill>
-            <a:schemeClr val="bg1">
-              <a:lumMod val="85000"/>
-              <a:lumOff val="15000"/>
-            </a:schemeClr>
-          </a:solidFill>
-          <a:ln>
-            <a:noFill/>
-          </a:ln>
-        </p:spPr>
-        <p:style>
-          <a:lnRef idx="2">
-            <a:schemeClr val="accent1">
-              <a:shade val="50000"/>
-            </a:schemeClr>
-          </a:lnRef>
-          <a:fillRef idx="1">
-            <a:schemeClr val="accent1"/>
-          </a:fillRef>
-          <a:effectRef idx="0">
-            <a:schemeClr val="accent1"/>
-          </a:effectRef>
-          <a:fontRef idx="minor">
-            <a:schemeClr val="lt1"/>
-          </a:fontRef>
-        </p:style>
-      </p:sp>
-      <p:sp>
-        <p:nvSpPr>
-          <p:cNvPr id="17" name="Rectangle 16"/>
-          <p:cNvSpPr/>
-          <p:nvPr/>
-        </p:nvSpPr>
-        <p:spPr>
-          <a:xfrm>
-            <a:off x="10585827" y="609600"/>
-            <a:ext cx="1602997" cy="1368198"/>
-          </a:xfrm>
-          <a:prstGeom prst="rect">
-            <a:avLst/>
-          </a:prstGeom>
-          <a:solidFill>
-            <a:schemeClr val="accent1"/>
-          </a:solidFill>
-          <a:ln>
-            <a:noFill/>
-          </a:ln>
-        </p:spPr>
-        <p:style>
-          <a:lnRef idx="2">
-            <a:schemeClr val="accent1">
-              <a:shade val="50000"/>
-            </a:schemeClr>
-          </a:lnRef>
-          <a:fillRef idx="1">
-            <a:schemeClr val="accent1"/>
-          </a:fillRef>
-          <a:effectRef idx="0">
-            <a:schemeClr val="accent1"/>
-          </a:effectRef>
-          <a:fontRef idx="minor">
-            <a:schemeClr val="lt1"/>
-          </a:fontRef>
-        </p:style>
-      </p:sp>
-      <p:sp>
-        <p:nvSpPr>
-          <p:cNvPr id="15" name="Title 1"/>
-          <p:cNvSpPr>
-            <a:spLocks noGrp="1"/>
-          </p:cNvSpPr>
-          <p:nvPr>
-            <p:ph type="title"/>
-          </p:nvPr>
-        </p:nvSpPr>
-        <p:spPr>
-          <a:xfrm>
-            <a:off x="669222" y="753228"/>
-            <a:ext cx="9624960" cy="1080938"/>
-          </a:xfrm>
-        </p:spPr>
-        <p:txBody>
-          <a:bodyPr/>
-          <a:lstStyle/>
-          <a:p>
-            <a:r>
-              <a:rPr lang="en-US"/>
-              <a:t>Click to edit Master title style</a:t>
-            </a:r>
-            <a:endParaRPr lang="en-US" dirty="0"/>
-          </a:p>
-        </p:txBody>
-      </p:sp>
-      <p:sp>
-        <p:nvSpPr>
-          <p:cNvPr id="7" name="Text Placeholder 2"/>
-          <p:cNvSpPr>
-            <a:spLocks noGrp="1"/>
-          </p:cNvSpPr>
-          <p:nvPr>
-            <p:ph type="body" idx="1"/>
-          </p:nvPr>
-        </p:nvSpPr>
-        <p:spPr>
-          <a:xfrm>
-            <a:off x="660946" y="2336873"/>
-            <a:ext cx="3070034" cy="576262"/>
+            <a:off x="532629" y="2329489"/>
+            <a:ext cx="2194560" cy="576262"/>
           </a:xfrm>
         </p:spPr>
         <p:txBody>
@@ -2447,8 +2537,8 @@
         </p:nvSpPr>
         <p:spPr>
           <a:xfrm>
-            <a:off x="680322" y="3022673"/>
-            <a:ext cx="3049702" cy="2913513"/>
+            <a:off x="539777" y="3015290"/>
+            <a:ext cx="2194560" cy="2913513"/>
           </a:xfrm>
         </p:spPr>
         <p:txBody>
@@ -2514,8 +2604,8 @@
         </p:nvSpPr>
         <p:spPr>
           <a:xfrm>
-            <a:off x="3956025" y="2336873"/>
-            <a:ext cx="3063240" cy="576262"/>
+            <a:off x="2878413" y="2336873"/>
+            <a:ext cx="2194560" cy="576262"/>
           </a:xfrm>
         </p:spPr>
         <p:txBody>
@@ -2585,8 +2675,8 @@
         </p:nvSpPr>
         <p:spPr>
           <a:xfrm>
-            <a:off x="3945470" y="3022673"/>
-            <a:ext cx="3063240" cy="2913513"/>
+            <a:off x="2879710" y="3007906"/>
+            <a:ext cx="2194560" cy="2913513"/>
           </a:xfrm>
         </p:spPr>
         <p:txBody>
@@ -2652,8 +2742,8 @@
         </p:nvSpPr>
         <p:spPr>
           <a:xfrm>
-            <a:off x="7224156" y="2336873"/>
-            <a:ext cx="3070025" cy="576262"/>
+            <a:off x="5226136" y="2336873"/>
+            <a:ext cx="2194560" cy="576262"/>
           </a:xfrm>
         </p:spPr>
         <p:txBody>
@@ -2723,8 +2813,8 @@
         </p:nvSpPr>
         <p:spPr>
           <a:xfrm>
-            <a:off x="7224156" y="3022673"/>
-            <a:ext cx="3070025" cy="2913513"/>
+            <a:off x="5233520" y="3007905"/>
+            <a:ext cx="2194560" cy="2913513"/>
           </a:xfrm>
         </p:spPr>
         <p:txBody>
@@ -2846,7 +2936,7 @@
     </p:spTree>
     <p:extLst>
       <p:ext uri="{BB962C8B-B14F-4D97-AF65-F5344CB8AC3E}">
-        <p14:creationId xmlns:p14="http://schemas.microsoft.com/office/powerpoint/2010/main" val="2192573614"/>
+        <p14:creationId xmlns:p14="http://schemas.microsoft.com/office/powerpoint/2010/main" val="2948441362"/>
       </p:ext>
     </p:extLst>
   </p:cSld>
@@ -2873,187 +2963,200 @@
           <a:chExt cx="0" cy="0"/>
         </a:xfrm>
       </p:grpSpPr>
-      <p:pic>
-        <p:nvPicPr>
-          <p:cNvPr id="15" name="Picture 14" descr="HD-ShadowLong.png"/>
-          <p:cNvPicPr>
-            <a:picLocks noChangeAspect="1"/>
-          </p:cNvPicPr>
+      <p:grpSp>
+        <p:nvGrpSpPr>
+          <p:cNvPr id="34" name="Group 33"/>
+          <p:cNvGrpSpPr/>
           <p:nvPr/>
-        </p:nvPicPr>
-        <p:blipFill>
-          <a:blip r:embed="rId2">
-            <a:extLst>
-              <a:ext uri="{28A0092B-C50C-407E-A947-70E740481C1C}">
-                <a14:useLocalDpi xmlns:a14="http://schemas.microsoft.com/office/drawing/2010/main" val="0"/>
-              </a:ext>
-            </a:extLst>
-          </a:blip>
-          <a:stretch>
-            <a:fillRect/>
-          </a:stretch>
-        </p:blipFill>
+        </p:nvGrpSpPr>
+        <p:grpSpPr>
+          <a:xfrm>
+            <a:off x="0" y="609600"/>
+            <a:ext cx="9161969" cy="1677035"/>
+            <a:chOff x="0" y="2895600"/>
+            <a:chExt cx="9161969" cy="1677035"/>
+          </a:xfrm>
+        </p:grpSpPr>
+        <p:pic>
+          <p:nvPicPr>
+            <p:cNvPr id="35" name="Picture 34" descr="HD-ShadowLong.png"/>
+            <p:cNvPicPr>
+              <a:picLocks noChangeAspect="1"/>
+            </p:cNvPicPr>
+            <p:nvPr/>
+          </p:nvPicPr>
+          <p:blipFill rotWithShape="1">
+            <a:blip r:embed="rId2">
+              <a:extLst>
+                <a:ext uri="{28A0092B-C50C-407E-A947-70E740481C1C}">
+                  <a14:useLocalDpi xmlns:a14="http://schemas.microsoft.com/office/drawing/2010/main" val="0"/>
+                </a:ext>
+              </a:extLst>
+            </a:blip>
+            <a:srcRect l="26982" r="-217"/>
+            <a:stretch/>
+          </p:blipFill>
+          <p:spPr>
+            <a:xfrm>
+              <a:off x="0" y="4251471"/>
+              <a:ext cx="7644384" cy="321164"/>
+            </a:xfrm>
+            <a:prstGeom prst="rect">
+              <a:avLst/>
+            </a:prstGeom>
+          </p:spPr>
+        </p:pic>
+        <p:pic>
+          <p:nvPicPr>
+            <p:cNvPr id="36" name="Picture 35" descr="HD-ShadowShort.png"/>
+            <p:cNvPicPr>
+              <a:picLocks noChangeAspect="1"/>
+            </p:cNvPicPr>
+            <p:nvPr/>
+          </p:nvPicPr>
+          <p:blipFill rotWithShape="1">
+            <a:blip r:embed="rId3">
+              <a:extLst>
+                <a:ext uri="{28A0092B-C50C-407E-A947-70E740481C1C}">
+                  <a14:useLocalDpi xmlns:a14="http://schemas.microsoft.com/office/drawing/2010/main" val="0"/>
+                </a:ext>
+              </a:extLst>
+            </a:blip>
+            <a:srcRect r="9871"/>
+            <a:stretch/>
+          </p:blipFill>
+          <p:spPr>
+            <a:xfrm>
+              <a:off x="7717217" y="4259262"/>
+              <a:ext cx="1444752" cy="144270"/>
+            </a:xfrm>
+            <a:prstGeom prst="rect">
+              <a:avLst/>
+            </a:prstGeom>
+          </p:spPr>
+        </p:pic>
+        <p:sp>
+          <p:nvSpPr>
+            <p:cNvPr id="37" name="Rectangle 36"/>
+            <p:cNvSpPr/>
+            <p:nvPr/>
+          </p:nvSpPr>
+          <p:spPr bwMode="ltGray">
+            <a:xfrm>
+              <a:off x="0" y="2895600"/>
+              <a:ext cx="7567140" cy="1368198"/>
+            </a:xfrm>
+            <a:prstGeom prst="rect">
+              <a:avLst/>
+            </a:prstGeom>
+            <a:solidFill>
+              <a:schemeClr val="bg1">
+                <a:lumMod val="85000"/>
+                <a:lumOff val="15000"/>
+              </a:schemeClr>
+            </a:solidFill>
+            <a:ln>
+              <a:noFill/>
+            </a:ln>
+          </p:spPr>
+          <p:style>
+            <a:lnRef idx="2">
+              <a:schemeClr val="accent1">
+                <a:shade val="50000"/>
+              </a:schemeClr>
+            </a:lnRef>
+            <a:fillRef idx="1">
+              <a:schemeClr val="accent1"/>
+            </a:fillRef>
+            <a:effectRef idx="0">
+              <a:schemeClr val="accent1"/>
+            </a:effectRef>
+            <a:fontRef idx="minor">
+              <a:schemeClr val="lt1"/>
+            </a:fontRef>
+          </p:style>
+        </p:sp>
+        <p:sp>
+          <p:nvSpPr>
+            <p:cNvPr id="38" name="Rectangle 37"/>
+            <p:cNvSpPr/>
+            <p:nvPr/>
+          </p:nvSpPr>
+          <p:spPr>
+            <a:xfrm>
+              <a:off x="7710769" y="2895600"/>
+              <a:ext cx="1433231" cy="1368198"/>
+            </a:xfrm>
+            <a:prstGeom prst="rect">
+              <a:avLst/>
+            </a:prstGeom>
+            <a:solidFill>
+              <a:schemeClr val="accent1"/>
+            </a:solidFill>
+            <a:ln>
+              <a:noFill/>
+            </a:ln>
+          </p:spPr>
+          <p:style>
+            <a:lnRef idx="2">
+              <a:schemeClr val="accent1">
+                <a:shade val="50000"/>
+              </a:schemeClr>
+            </a:lnRef>
+            <a:fillRef idx="1">
+              <a:schemeClr val="accent1"/>
+            </a:fillRef>
+            <a:effectRef idx="0">
+              <a:schemeClr val="accent1"/>
+            </a:effectRef>
+            <a:fontRef idx="minor">
+              <a:schemeClr val="lt1"/>
+            </a:fontRef>
+          </p:style>
+        </p:sp>
+      </p:grpSp>
+      <p:sp>
+        <p:nvSpPr>
+          <p:cNvPr id="30" name="Title 1"/>
+          <p:cNvSpPr>
+            <a:spLocks noGrp="1"/>
+          </p:cNvSpPr>
+          <p:nvPr>
+            <p:ph type="title"/>
+          </p:nvPr>
+        </p:nvSpPr>
         <p:spPr>
           <a:xfrm>
-            <a:off x="1" y="1970240"/>
-            <a:ext cx="10437812" cy="321164"/>
+            <a:off x="531639" y="753228"/>
+            <a:ext cx="6896534" cy="1080938"/>
           </a:xfrm>
-          <a:prstGeom prst="rect">
-            <a:avLst/>
-          </a:prstGeom>
         </p:spPr>
-      </p:pic>
-      <p:pic>
-        <p:nvPicPr>
-          <p:cNvPr id="16" name="Picture 15" descr="HD-ShadowShort.png"/>
-          <p:cNvPicPr>
-            <a:picLocks noChangeAspect="1"/>
-          </p:cNvPicPr>
-          <p:nvPr/>
-        </p:nvPicPr>
-        <p:blipFill>
-          <a:blip r:embed="rId3">
-            <a:extLst>
-              <a:ext uri="{28A0092B-C50C-407E-A947-70E740481C1C}">
-                <a14:useLocalDpi xmlns:a14="http://schemas.microsoft.com/office/drawing/2010/main" val="0"/>
-              </a:ext>
-            </a:extLst>
-          </a:blip>
-          <a:stretch>
-            <a:fillRect/>
-          </a:stretch>
-        </p:blipFill>
+        <p:txBody>
+          <a:bodyPr/>
+          <a:lstStyle/>
+          <a:p>
+            <a:r>
+              <a:rPr lang="en-US"/>
+              <a:t>Click to edit Master title style</a:t>
+            </a:r>
+            <a:endParaRPr lang="en-US" dirty="0"/>
+          </a:p>
+        </p:txBody>
+      </p:sp>
+      <p:sp>
+        <p:nvSpPr>
+          <p:cNvPr id="19" name="Text Placeholder 2"/>
+          <p:cNvSpPr>
+            <a:spLocks noGrp="1"/>
+          </p:cNvSpPr>
+          <p:nvPr>
+            <p:ph type="body" idx="1"/>
+          </p:nvPr>
+        </p:nvSpPr>
         <p:spPr>
           <a:xfrm>
-            <a:off x="10585826" y="1971234"/>
-            <a:ext cx="1602997" cy="144270"/>
-          </a:xfrm>
-          <a:prstGeom prst="rect">
-            <a:avLst/>
-          </a:prstGeom>
-        </p:spPr>
-      </p:pic>
-      <p:sp>
-        <p:nvSpPr>
-          <p:cNvPr id="17" name="Rectangle 16"/>
-          <p:cNvSpPr/>
-          <p:nvPr/>
-        </p:nvSpPr>
-        <p:spPr bwMode="ltGray">
-          <a:xfrm>
-            <a:off x="0" y="609600"/>
-            <a:ext cx="10437812" cy="1368198"/>
-          </a:xfrm>
-          <a:prstGeom prst="rect">
-            <a:avLst/>
-          </a:prstGeom>
-          <a:solidFill>
-            <a:schemeClr val="bg1">
-              <a:lumMod val="85000"/>
-              <a:lumOff val="15000"/>
-            </a:schemeClr>
-          </a:solidFill>
-          <a:ln>
-            <a:noFill/>
-          </a:ln>
-        </p:spPr>
-        <p:style>
-          <a:lnRef idx="2">
-            <a:schemeClr val="accent1">
-              <a:shade val="50000"/>
-            </a:schemeClr>
-          </a:lnRef>
-          <a:fillRef idx="1">
-            <a:schemeClr val="accent1"/>
-          </a:fillRef>
-          <a:effectRef idx="0">
-            <a:schemeClr val="accent1"/>
-          </a:effectRef>
-          <a:fontRef idx="minor">
-            <a:schemeClr val="lt1"/>
-          </a:fontRef>
-        </p:style>
-      </p:sp>
-      <p:sp>
-        <p:nvSpPr>
-          <p:cNvPr id="18" name="Rectangle 17"/>
-          <p:cNvSpPr/>
-          <p:nvPr/>
-        </p:nvSpPr>
-        <p:spPr>
-          <a:xfrm>
-            <a:off x="10585827" y="609600"/>
-            <a:ext cx="1602997" cy="1368198"/>
-          </a:xfrm>
-          <a:prstGeom prst="rect">
-            <a:avLst/>
-          </a:prstGeom>
-          <a:solidFill>
-            <a:schemeClr val="accent1"/>
-          </a:solidFill>
-          <a:ln>
-            <a:noFill/>
-          </a:ln>
-        </p:spPr>
-        <p:style>
-          <a:lnRef idx="2">
-            <a:schemeClr val="accent1">
-              <a:shade val="50000"/>
-            </a:schemeClr>
-          </a:lnRef>
-          <a:fillRef idx="1">
-            <a:schemeClr val="accent1"/>
-          </a:fillRef>
-          <a:effectRef idx="0">
-            <a:schemeClr val="accent1"/>
-          </a:effectRef>
-          <a:fontRef idx="minor">
-            <a:schemeClr val="lt1"/>
-          </a:fontRef>
-        </p:style>
-      </p:sp>
-      <p:sp>
-        <p:nvSpPr>
-          <p:cNvPr id="30" name="Title 1"/>
-          <p:cNvSpPr>
-            <a:spLocks noGrp="1"/>
-          </p:cNvSpPr>
-          <p:nvPr>
-            <p:ph type="title"/>
-          </p:nvPr>
-        </p:nvSpPr>
-        <p:spPr>
-          <a:xfrm>
-            <a:off x="680322" y="753228"/>
-            <a:ext cx="9613860" cy="1080938"/>
-          </a:xfrm>
-        </p:spPr>
-        <p:txBody>
-          <a:bodyPr/>
-          <a:lstStyle/>
-          <a:p>
-            <a:r>
-              <a:rPr lang="en-US"/>
-              <a:t>Click to edit Master title style</a:t>
-            </a:r>
-            <a:endParaRPr lang="en-US" dirty="0"/>
-          </a:p>
-        </p:txBody>
-      </p:sp>
-      <p:sp>
-        <p:nvSpPr>
-          <p:cNvPr id="19" name="Text Placeholder 2"/>
-          <p:cNvSpPr>
-            <a:spLocks noGrp="1"/>
-          </p:cNvSpPr>
-          <p:nvPr>
-            <p:ph type="body" idx="1"/>
-          </p:nvPr>
-        </p:nvSpPr>
-        <p:spPr>
-          <a:xfrm>
-            <a:off x="680318" y="4297503"/>
-            <a:ext cx="3049705" cy="576262"/>
+            <a:off x="532391" y="4297503"/>
+            <a:ext cx="2192257" cy="576262"/>
           </a:xfrm>
         </p:spPr>
         <p:txBody>
@@ -3123,8 +3226,8 @@
         </p:nvSpPr>
         <p:spPr>
           <a:xfrm>
-            <a:off x="680318" y="2336873"/>
-            <a:ext cx="3049705" cy="1524000"/>
+            <a:off x="532391" y="2336873"/>
+            <a:ext cx="2192257" cy="1524000"/>
           </a:xfrm>
           <a:prstGeom prst="roundRect">
             <a:avLst>
@@ -3202,8 +3305,8 @@
         </p:nvSpPr>
         <p:spPr>
           <a:xfrm>
-            <a:off x="680318" y="4873765"/>
-            <a:ext cx="3049705" cy="1062422"/>
+            <a:off x="532391" y="4873765"/>
+            <a:ext cx="2192257" cy="1062422"/>
           </a:xfrm>
         </p:spPr>
         <p:txBody>
@@ -3269,8 +3372,8 @@
         </p:nvSpPr>
         <p:spPr>
           <a:xfrm>
-            <a:off x="3945471" y="4297503"/>
-            <a:ext cx="3063240" cy="576262"/>
+            <a:off x="2870497" y="4297503"/>
+            <a:ext cx="2215070" cy="576262"/>
           </a:xfrm>
         </p:spPr>
         <p:txBody>
@@ -3340,8 +3443,8 @@
         </p:nvSpPr>
         <p:spPr>
           <a:xfrm>
-            <a:off x="3945470" y="2336873"/>
-            <a:ext cx="3063240" cy="1524000"/>
+            <a:off x="2870497" y="2336873"/>
+            <a:ext cx="2215070" cy="1524000"/>
           </a:xfrm>
           <a:prstGeom prst="roundRect">
             <a:avLst>
@@ -3419,8 +3522,8 @@
         </p:nvSpPr>
         <p:spPr>
           <a:xfrm>
-            <a:off x="3944117" y="4873764"/>
-            <a:ext cx="3067297" cy="1062422"/>
+            <a:off x="2869483" y="4873764"/>
+            <a:ext cx="2218004" cy="1062422"/>
           </a:xfrm>
         </p:spPr>
         <p:txBody>
@@ -3486,8 +3589,8 @@
         </p:nvSpPr>
         <p:spPr>
           <a:xfrm>
-            <a:off x="7230678" y="4297503"/>
-            <a:ext cx="3063505" cy="576262"/>
+            <a:off x="5231028" y="4297503"/>
+            <a:ext cx="2194333" cy="576262"/>
           </a:xfrm>
         </p:spPr>
         <p:txBody>
@@ -3557,8 +3660,8 @@
         </p:nvSpPr>
         <p:spPr>
           <a:xfrm>
-            <a:off x="7230677" y="2336873"/>
-            <a:ext cx="3063505" cy="1524000"/>
+            <a:off x="5231027" y="2336873"/>
+            <a:ext cx="2194333" cy="1524000"/>
           </a:xfrm>
           <a:prstGeom prst="roundRect">
             <a:avLst>
@@ -3636,8 +3739,8 @@
         </p:nvSpPr>
         <p:spPr>
           <a:xfrm>
-            <a:off x="7230553" y="4873762"/>
-            <a:ext cx="3067563" cy="1062422"/>
+            <a:off x="5230934" y="4873762"/>
+            <a:ext cx="2197239" cy="1062422"/>
           </a:xfrm>
         </p:spPr>
         <p:txBody>
@@ -3759,7 +3862,7 @@
     </p:spTree>
     <p:extLst>
       <p:ext uri="{BB962C8B-B14F-4D97-AF65-F5344CB8AC3E}">
-        <p14:creationId xmlns:p14="http://schemas.microsoft.com/office/powerpoint/2010/main" val="3893923926"/>
+        <p14:creationId xmlns:p14="http://schemas.microsoft.com/office/powerpoint/2010/main" val="1132544715"/>
       </p:ext>
     </p:extLst>
   </p:cSld>
@@ -3786,156 +3889,174 @@
           <a:chExt cx="0" cy="0"/>
         </a:xfrm>
       </p:grpSpPr>
-      <p:pic>
-        <p:nvPicPr>
-          <p:cNvPr id="7" name="Picture 6" descr="HD-ShadowLong.png"/>
-          <p:cNvPicPr>
-            <a:picLocks noChangeAspect="1"/>
-          </p:cNvPicPr>
+      <p:grpSp>
+        <p:nvGrpSpPr>
+          <p:cNvPr id="16" name="Group 15"/>
+          <p:cNvGrpSpPr/>
           <p:nvPr/>
-        </p:nvPicPr>
-        <p:blipFill>
-          <a:blip r:embed="rId2">
-            <a:extLst>
-              <a:ext uri="{28A0092B-C50C-407E-A947-70E740481C1C}">
-                <a14:useLocalDpi xmlns:a14="http://schemas.microsoft.com/office/drawing/2010/main" val="0"/>
-              </a:ext>
-            </a:extLst>
-          </a:blip>
-          <a:stretch>
-            <a:fillRect/>
-          </a:stretch>
-        </p:blipFill>
+        </p:nvGrpSpPr>
+        <p:grpSpPr>
+          <a:xfrm>
+            <a:off x="0" y="609600"/>
+            <a:ext cx="9161969" cy="1677035"/>
+            <a:chOff x="0" y="2895600"/>
+            <a:chExt cx="9161969" cy="1677035"/>
+          </a:xfrm>
+        </p:grpSpPr>
+        <p:pic>
+          <p:nvPicPr>
+            <p:cNvPr id="17" name="Picture 16" descr="HD-ShadowLong.png"/>
+            <p:cNvPicPr>
+              <a:picLocks noChangeAspect="1"/>
+            </p:cNvPicPr>
+            <p:nvPr/>
+          </p:nvPicPr>
+          <p:blipFill rotWithShape="1">
+            <a:blip r:embed="rId2">
+              <a:extLst>
+                <a:ext uri="{28A0092B-C50C-407E-A947-70E740481C1C}">
+                  <a14:useLocalDpi xmlns:a14="http://schemas.microsoft.com/office/drawing/2010/main" val="0"/>
+                </a:ext>
+              </a:extLst>
+            </a:blip>
+            <a:srcRect l="26982" r="-217"/>
+            <a:stretch/>
+          </p:blipFill>
+          <p:spPr>
+            <a:xfrm>
+              <a:off x="0" y="4251471"/>
+              <a:ext cx="7644384" cy="321164"/>
+            </a:xfrm>
+            <a:prstGeom prst="rect">
+              <a:avLst/>
+            </a:prstGeom>
+          </p:spPr>
+        </p:pic>
+        <p:pic>
+          <p:nvPicPr>
+            <p:cNvPr id="18" name="Picture 17" descr="HD-ShadowShort.png"/>
+            <p:cNvPicPr>
+              <a:picLocks noChangeAspect="1"/>
+            </p:cNvPicPr>
+            <p:nvPr/>
+          </p:nvPicPr>
+          <p:blipFill rotWithShape="1">
+            <a:blip r:embed="rId3">
+              <a:extLst>
+                <a:ext uri="{28A0092B-C50C-407E-A947-70E740481C1C}">
+                  <a14:useLocalDpi xmlns:a14="http://schemas.microsoft.com/office/drawing/2010/main" val="0"/>
+                </a:ext>
+              </a:extLst>
+            </a:blip>
+            <a:srcRect r="9871"/>
+            <a:stretch/>
+          </p:blipFill>
+          <p:spPr>
+            <a:xfrm>
+              <a:off x="7717217" y="4259262"/>
+              <a:ext cx="1444752" cy="144270"/>
+            </a:xfrm>
+            <a:prstGeom prst="rect">
+              <a:avLst/>
+            </a:prstGeom>
+          </p:spPr>
+        </p:pic>
+        <p:sp>
+          <p:nvSpPr>
+            <p:cNvPr id="19" name="Rectangle 18"/>
+            <p:cNvSpPr/>
+            <p:nvPr/>
+          </p:nvSpPr>
+          <p:spPr bwMode="ltGray">
+            <a:xfrm>
+              <a:off x="0" y="2895600"/>
+              <a:ext cx="7567140" cy="1368198"/>
+            </a:xfrm>
+            <a:prstGeom prst="rect">
+              <a:avLst/>
+            </a:prstGeom>
+            <a:solidFill>
+              <a:schemeClr val="bg1">
+                <a:lumMod val="85000"/>
+                <a:lumOff val="15000"/>
+              </a:schemeClr>
+            </a:solidFill>
+            <a:ln>
+              <a:noFill/>
+            </a:ln>
+          </p:spPr>
+          <p:style>
+            <a:lnRef idx="2">
+              <a:schemeClr val="accent1">
+                <a:shade val="50000"/>
+              </a:schemeClr>
+            </a:lnRef>
+            <a:fillRef idx="1">
+              <a:schemeClr val="accent1"/>
+            </a:fillRef>
+            <a:effectRef idx="0">
+              <a:schemeClr val="accent1"/>
+            </a:effectRef>
+            <a:fontRef idx="minor">
+              <a:schemeClr val="lt1"/>
+            </a:fontRef>
+          </p:style>
+        </p:sp>
+        <p:sp>
+          <p:nvSpPr>
+            <p:cNvPr id="20" name="Rectangle 19"/>
+            <p:cNvSpPr/>
+            <p:nvPr/>
+          </p:nvSpPr>
+          <p:spPr>
+            <a:xfrm>
+              <a:off x="7710769" y="2895600"/>
+              <a:ext cx="1433231" cy="1368198"/>
+            </a:xfrm>
+            <a:prstGeom prst="rect">
+              <a:avLst/>
+            </a:prstGeom>
+            <a:solidFill>
+              <a:schemeClr val="accent1"/>
+            </a:solidFill>
+            <a:ln>
+              <a:noFill/>
+            </a:ln>
+          </p:spPr>
+          <p:style>
+            <a:lnRef idx="2">
+              <a:schemeClr val="accent1">
+                <a:shade val="50000"/>
+              </a:schemeClr>
+            </a:lnRef>
+            <a:fillRef idx="1">
+              <a:schemeClr val="accent1"/>
+            </a:fillRef>
+            <a:effectRef idx="0">
+              <a:schemeClr val="accent1"/>
+            </a:effectRef>
+            <a:fontRef idx="minor">
+              <a:schemeClr val="lt1"/>
+            </a:fontRef>
+          </p:style>
+        </p:sp>
+      </p:grpSp>
+      <p:sp>
+        <p:nvSpPr>
+          <p:cNvPr id="2" name="Title 1"/>
+          <p:cNvSpPr>
+            <a:spLocks noGrp="1"/>
+          </p:cNvSpPr>
+          <p:nvPr>
+            <p:ph type="title"/>
+          </p:nvPr>
+        </p:nvSpPr>
         <p:spPr>
           <a:xfrm>
-            <a:off x="1" y="1970240"/>
-            <a:ext cx="10437812" cy="321164"/>
+            <a:off x="531639" y="753228"/>
+            <a:ext cx="6896534" cy="1080938"/>
           </a:xfrm>
-          <a:prstGeom prst="rect">
-            <a:avLst/>
-          </a:prstGeom>
         </p:spPr>
-      </p:pic>
-      <p:pic>
-        <p:nvPicPr>
-          <p:cNvPr id="8" name="Picture 7" descr="HD-ShadowShort.png"/>
-          <p:cNvPicPr>
-            <a:picLocks noChangeAspect="1"/>
-          </p:cNvPicPr>
-          <p:nvPr/>
-        </p:nvPicPr>
-        <p:blipFill>
-          <a:blip r:embed="rId3">
-            <a:extLst>
-              <a:ext uri="{28A0092B-C50C-407E-A947-70E740481C1C}">
-                <a14:useLocalDpi xmlns:a14="http://schemas.microsoft.com/office/drawing/2010/main" val="0"/>
-              </a:ext>
-            </a:extLst>
-          </a:blip>
-          <a:stretch>
-            <a:fillRect/>
-          </a:stretch>
-        </p:blipFill>
-        <p:spPr>
-          <a:xfrm>
-            <a:off x="10585826" y="1971234"/>
-            <a:ext cx="1602997" cy="144270"/>
-          </a:xfrm>
-          <a:prstGeom prst="rect">
-            <a:avLst/>
-          </a:prstGeom>
-        </p:spPr>
-      </p:pic>
-      <p:sp>
-        <p:nvSpPr>
-          <p:cNvPr id="9" name="Rectangle 8"/>
-          <p:cNvSpPr/>
-          <p:nvPr/>
-        </p:nvSpPr>
-        <p:spPr bwMode="ltGray">
-          <a:xfrm>
-            <a:off x="0" y="609600"/>
-            <a:ext cx="10437812" cy="1368198"/>
-          </a:xfrm>
-          <a:prstGeom prst="rect">
-            <a:avLst/>
-          </a:prstGeom>
-          <a:solidFill>
-            <a:schemeClr val="bg1">
-              <a:lumMod val="85000"/>
-              <a:lumOff val="15000"/>
-            </a:schemeClr>
-          </a:solidFill>
-          <a:ln>
-            <a:noFill/>
-          </a:ln>
-        </p:spPr>
-        <p:style>
-          <a:lnRef idx="2">
-            <a:schemeClr val="accent1">
-              <a:shade val="50000"/>
-            </a:schemeClr>
-          </a:lnRef>
-          <a:fillRef idx="1">
-            <a:schemeClr val="accent1"/>
-          </a:fillRef>
-          <a:effectRef idx="0">
-            <a:schemeClr val="accent1"/>
-          </a:effectRef>
-          <a:fontRef idx="minor">
-            <a:schemeClr val="lt1"/>
-          </a:fontRef>
-        </p:style>
-      </p:sp>
-      <p:sp>
-        <p:nvSpPr>
-          <p:cNvPr id="10" name="Rectangle 9"/>
-          <p:cNvSpPr/>
-          <p:nvPr/>
-        </p:nvSpPr>
-        <p:spPr>
-          <a:xfrm>
-            <a:off x="10585827" y="609600"/>
-            <a:ext cx="1602997" cy="1368198"/>
-          </a:xfrm>
-          <a:prstGeom prst="rect">
-            <a:avLst/>
-          </a:prstGeom>
-          <a:solidFill>
-            <a:schemeClr val="accent1"/>
-          </a:solidFill>
-          <a:ln>
-            <a:noFill/>
-          </a:ln>
-        </p:spPr>
-        <p:style>
-          <a:lnRef idx="2">
-            <a:schemeClr val="accent1">
-              <a:shade val="50000"/>
-            </a:schemeClr>
-          </a:lnRef>
-          <a:fillRef idx="1">
-            <a:schemeClr val="accent1"/>
-          </a:fillRef>
-          <a:effectRef idx="0">
-            <a:schemeClr val="accent1"/>
-          </a:effectRef>
-          <a:fontRef idx="minor">
-            <a:schemeClr val="lt1"/>
-          </a:fontRef>
-        </p:style>
-      </p:sp>
-      <p:sp>
-        <p:nvSpPr>
-          <p:cNvPr id="2" name="Title 1"/>
-          <p:cNvSpPr>
-            <a:spLocks noGrp="1"/>
-          </p:cNvSpPr>
-          <p:nvPr>
-            <p:ph type="title"/>
-          </p:nvPr>
-        </p:nvSpPr>
-        <p:spPr/>
         <p:txBody>
           <a:bodyPr/>
           <a:lstStyle>
@@ -4072,7 +4193,7 @@
     </p:spTree>
     <p:extLst>
       <p:ext uri="{BB962C8B-B14F-4D97-AF65-F5344CB8AC3E}">
-        <p14:creationId xmlns:p14="http://schemas.microsoft.com/office/powerpoint/2010/main" val="754157010"/>
+        <p14:creationId xmlns:p14="http://schemas.microsoft.com/office/powerpoint/2010/main" val="4260704296"/>
       </p:ext>
     </p:extLst>
   </p:cSld>
@@ -4099,85 +4220,100 @@
           <a:chExt cx="0" cy="0"/>
         </a:xfrm>
       </p:grpSpPr>
-      <p:sp>
-        <p:nvSpPr>
-          <p:cNvPr id="7" name="Rectangle 6"/>
-          <p:cNvSpPr/>
+      <p:grpSp>
+        <p:nvGrpSpPr>
+          <p:cNvPr id="14" name="Group 13"/>
+          <p:cNvGrpSpPr/>
           <p:nvPr/>
-        </p:nvSpPr>
-        <p:spPr bwMode="ltGray">
+        </p:nvGrpSpPr>
+        <p:grpSpPr>
           <a:xfrm rot="5400000">
-            <a:off x="8116207" y="1869395"/>
-            <a:ext cx="5106988" cy="1368198"/>
+            <a:off x="4575305" y="2747178"/>
+            <a:ext cx="6862555" cy="1368199"/>
+            <a:chOff x="2281445" y="609600"/>
+            <a:chExt cx="6862555" cy="1368199"/>
           </a:xfrm>
-          <a:prstGeom prst="rect">
-            <a:avLst/>
-          </a:prstGeom>
-          <a:solidFill>
-            <a:schemeClr val="bg1">
-              <a:lumMod val="85000"/>
-              <a:lumOff val="15000"/>
-            </a:schemeClr>
-          </a:solidFill>
-          <a:ln>
-            <a:noFill/>
-          </a:ln>
-        </p:spPr>
-        <p:style>
-          <a:lnRef idx="2">
-            <a:schemeClr val="accent1">
-              <a:shade val="50000"/>
-            </a:schemeClr>
-          </a:lnRef>
-          <a:fillRef idx="1">
-            <a:schemeClr val="accent1"/>
-          </a:fillRef>
-          <a:effectRef idx="0">
-            <a:schemeClr val="accent1"/>
-          </a:effectRef>
-          <a:fontRef idx="minor">
-            <a:schemeClr val="lt1"/>
-          </a:fontRef>
-        </p:style>
-      </p:sp>
-      <p:sp>
-        <p:nvSpPr>
-          <p:cNvPr id="8" name="Rectangle 7"/>
-          <p:cNvSpPr/>
-          <p:nvPr/>
-        </p:nvSpPr>
-        <p:spPr>
-          <a:xfrm rot="5400000">
-            <a:off x="9868202" y="5372403"/>
-            <a:ext cx="1602997" cy="1368198"/>
-          </a:xfrm>
-          <a:prstGeom prst="rect">
-            <a:avLst/>
-          </a:prstGeom>
-          <a:solidFill>
-            <a:schemeClr val="accent1"/>
-          </a:solidFill>
-          <a:ln>
-            <a:noFill/>
-          </a:ln>
-        </p:spPr>
-        <p:style>
-          <a:lnRef idx="2">
-            <a:schemeClr val="accent1">
-              <a:shade val="50000"/>
-            </a:schemeClr>
-          </a:lnRef>
-          <a:fillRef idx="1">
-            <a:schemeClr val="accent1"/>
-          </a:fillRef>
-          <a:effectRef idx="0">
-            <a:schemeClr val="accent1"/>
-          </a:effectRef>
-          <a:fontRef idx="minor">
-            <a:schemeClr val="lt1"/>
-          </a:fontRef>
-        </p:style>
-      </p:sp>
+        </p:grpSpPr>
+        <p:sp>
+          <p:nvSpPr>
+            <p:cNvPr id="12" name="Rectangle 11"/>
+            <p:cNvSpPr/>
+            <p:nvPr/>
+          </p:nvSpPr>
+          <p:spPr bwMode="ltGray">
+            <a:xfrm>
+              <a:off x="2281445" y="609601"/>
+              <a:ext cx="5285695" cy="1368198"/>
+            </a:xfrm>
+            <a:prstGeom prst="rect">
+              <a:avLst/>
+            </a:prstGeom>
+            <a:solidFill>
+              <a:schemeClr val="bg1">
+                <a:lumMod val="85000"/>
+                <a:lumOff val="15000"/>
+              </a:schemeClr>
+            </a:solidFill>
+            <a:ln>
+              <a:noFill/>
+            </a:ln>
+          </p:spPr>
+          <p:style>
+            <a:lnRef idx="2">
+              <a:schemeClr val="accent1">
+                <a:shade val="50000"/>
+              </a:schemeClr>
+            </a:lnRef>
+            <a:fillRef idx="1">
+              <a:schemeClr val="accent1"/>
+            </a:fillRef>
+            <a:effectRef idx="0">
+              <a:schemeClr val="accent1"/>
+            </a:effectRef>
+            <a:fontRef idx="minor">
+              <a:schemeClr val="lt1"/>
+            </a:fontRef>
+          </p:style>
+        </p:sp>
+        <p:sp>
+          <p:nvSpPr>
+            <p:cNvPr id="13" name="Rectangle 12"/>
+            <p:cNvSpPr/>
+            <p:nvPr/>
+          </p:nvSpPr>
+          <p:spPr>
+            <a:xfrm>
+              <a:off x="7710769" y="609600"/>
+              <a:ext cx="1433231" cy="1368198"/>
+            </a:xfrm>
+            <a:prstGeom prst="rect">
+              <a:avLst/>
+            </a:prstGeom>
+            <a:solidFill>
+              <a:schemeClr val="accent1"/>
+            </a:solidFill>
+            <a:ln>
+              <a:noFill/>
+            </a:ln>
+          </p:spPr>
+          <p:style>
+            <a:lnRef idx="2">
+              <a:schemeClr val="accent1">
+                <a:shade val="50000"/>
+              </a:schemeClr>
+            </a:lnRef>
+            <a:fillRef idx="1">
+              <a:schemeClr val="accent1"/>
+            </a:fillRef>
+            <a:effectRef idx="0">
+              <a:schemeClr val="accent1"/>
+            </a:effectRef>
+            <a:fontRef idx="minor">
+              <a:schemeClr val="lt1"/>
+            </a:fontRef>
+          </p:style>
+        </p:sp>
+      </p:grpSp>
       <p:sp>
         <p:nvSpPr>
           <p:cNvPr id="2" name="Vertical Title 1"/>
@@ -4190,8 +4326,8 @@
         </p:nvSpPr>
         <p:spPr>
           <a:xfrm>
-            <a:off x="10129231" y="609597"/>
-            <a:ext cx="1073802" cy="4353760"/>
+            <a:off x="7464798" y="609597"/>
+            <a:ext cx="1069602" cy="4461936"/>
           </a:xfrm>
         </p:spPr>
         <p:txBody>
@@ -4218,8 +4354,8 @@
         </p:nvSpPr>
         <p:spPr>
           <a:xfrm>
-            <a:off x="680322" y="609597"/>
-            <a:ext cx="8870004" cy="5326589"/>
+            <a:off x="510241" y="609598"/>
+            <a:ext cx="6576359" cy="5326589"/>
           </a:xfrm>
         </p:spPr>
         <p:txBody>
@@ -4275,8 +4411,8 @@
         </p:nvSpPr>
         <p:spPr>
           <a:xfrm>
-            <a:off x="6807126" y="5936187"/>
-            <a:ext cx="2743200" cy="365125"/>
+            <a:off x="5029144" y="5936188"/>
+            <a:ext cx="2057400" cy="365125"/>
           </a:xfrm>
         </p:spPr>
         <p:txBody>
@@ -4303,8 +4439,8 @@
         </p:nvSpPr>
         <p:spPr>
           <a:xfrm>
-            <a:off x="680321" y="5936188"/>
-            <a:ext cx="6126805" cy="365125"/>
+            <a:off x="510241" y="5936189"/>
+            <a:ext cx="4518959" cy="365125"/>
           </a:xfrm>
         </p:spPr>
         <p:txBody>
@@ -4327,8 +4463,8 @@
         </p:nvSpPr>
         <p:spPr>
           <a:xfrm>
-            <a:off x="10097550" y="5398633"/>
-            <a:ext cx="1154151" cy="1090789"/>
+            <a:off x="7431152" y="5432500"/>
+            <a:ext cx="1149636" cy="1273100"/>
           </a:xfrm>
         </p:spPr>
         <p:txBody>
@@ -4350,7 +4486,7 @@
     </p:spTree>
     <p:extLst>
       <p:ext uri="{BB962C8B-B14F-4D97-AF65-F5344CB8AC3E}">
-        <p14:creationId xmlns:p14="http://schemas.microsoft.com/office/powerpoint/2010/main" val="804773031"/>
+        <p14:creationId xmlns:p14="http://schemas.microsoft.com/office/powerpoint/2010/main" val="1970885952"/>
       </p:ext>
     </p:extLst>
   </p:cSld>
@@ -4377,145 +4513,158 @@
           <a:chExt cx="0" cy="0"/>
         </a:xfrm>
       </p:grpSpPr>
-      <p:pic>
-        <p:nvPicPr>
-          <p:cNvPr id="15" name="Picture 14" descr="HD-ShadowLong.png"/>
-          <p:cNvPicPr>
-            <a:picLocks noChangeAspect="1"/>
-          </p:cNvPicPr>
+      <p:grpSp>
+        <p:nvGrpSpPr>
+          <p:cNvPr id="27" name="Group 26"/>
+          <p:cNvGrpSpPr/>
           <p:nvPr/>
-        </p:nvPicPr>
-        <p:blipFill>
-          <a:blip r:embed="rId2">
-            <a:extLst>
-              <a:ext uri="{28A0092B-C50C-407E-A947-70E740481C1C}">
-                <a14:useLocalDpi xmlns:a14="http://schemas.microsoft.com/office/drawing/2010/main" val="0"/>
-              </a:ext>
-            </a:extLst>
-          </a:blip>
-          <a:stretch>
-            <a:fillRect/>
-          </a:stretch>
-        </p:blipFill>
-        <p:spPr>
-          <a:xfrm>
-            <a:off x="1" y="1970240"/>
-            <a:ext cx="10437812" cy="321164"/>
-          </a:xfrm>
-          <a:prstGeom prst="rect">
-            <a:avLst/>
-          </a:prstGeom>
-        </p:spPr>
-      </p:pic>
-      <p:pic>
-        <p:nvPicPr>
-          <p:cNvPr id="16" name="Picture 15" descr="HD-ShadowShort.png"/>
-          <p:cNvPicPr>
-            <a:picLocks noChangeAspect="1"/>
-          </p:cNvPicPr>
-          <p:nvPr/>
-        </p:nvPicPr>
-        <p:blipFill>
-          <a:blip r:embed="rId3">
-            <a:extLst>
-              <a:ext uri="{28A0092B-C50C-407E-A947-70E740481C1C}">
-                <a14:useLocalDpi xmlns:a14="http://schemas.microsoft.com/office/drawing/2010/main" val="0"/>
-              </a:ext>
-            </a:extLst>
-          </a:blip>
-          <a:stretch>
-            <a:fillRect/>
-          </a:stretch>
-        </p:blipFill>
-        <p:spPr>
-          <a:xfrm>
-            <a:off x="10585826" y="1971234"/>
-            <a:ext cx="1602997" cy="144270"/>
-          </a:xfrm>
-          <a:prstGeom prst="rect">
-            <a:avLst/>
-          </a:prstGeom>
-        </p:spPr>
-      </p:pic>
-      <p:sp>
-        <p:nvSpPr>
-          <p:cNvPr id="17" name="Rectangle 16"/>
-          <p:cNvSpPr/>
-          <p:nvPr/>
-        </p:nvSpPr>
-        <p:spPr bwMode="ltGray">
+        </p:nvGrpSpPr>
+        <p:grpSpPr>
           <a:xfrm>
             <a:off x="0" y="609600"/>
-            <a:ext cx="10437812" cy="1368198"/>
+            <a:ext cx="9161969" cy="1677035"/>
+            <a:chOff x="0" y="2895600"/>
+            <a:chExt cx="9161969" cy="1677035"/>
           </a:xfrm>
-          <a:prstGeom prst="rect">
-            <a:avLst/>
-          </a:prstGeom>
-          <a:solidFill>
-            <a:schemeClr val="bg1">
-              <a:lumMod val="85000"/>
-              <a:lumOff val="15000"/>
-            </a:schemeClr>
-          </a:solidFill>
-          <a:ln>
-            <a:noFill/>
-          </a:ln>
-        </p:spPr>
-        <p:style>
-          <a:lnRef idx="2">
-            <a:schemeClr val="accent1">
-              <a:shade val="50000"/>
-            </a:schemeClr>
-          </a:lnRef>
-          <a:fillRef idx="1">
-            <a:schemeClr val="accent1"/>
-          </a:fillRef>
-          <a:effectRef idx="0">
-            <a:schemeClr val="accent1"/>
-          </a:effectRef>
-          <a:fontRef idx="minor">
-            <a:schemeClr val="lt1"/>
-          </a:fontRef>
-        </p:style>
-      </p:sp>
-      <p:sp>
-        <p:nvSpPr>
-          <p:cNvPr id="18" name="Rectangle 17"/>
-          <p:cNvSpPr/>
-          <p:nvPr/>
-        </p:nvSpPr>
-        <p:spPr>
-          <a:xfrm>
-            <a:off x="10585827" y="609600"/>
-            <a:ext cx="1602997" cy="1368198"/>
-          </a:xfrm>
-          <a:prstGeom prst="rect">
-            <a:avLst/>
-          </a:prstGeom>
-          <a:solidFill>
-            <a:schemeClr val="accent1"/>
-          </a:solidFill>
-          <a:ln>
-            <a:noFill/>
-          </a:ln>
-        </p:spPr>
-        <p:style>
-          <a:lnRef idx="2">
-            <a:schemeClr val="accent1">
-              <a:shade val="50000"/>
-            </a:schemeClr>
-          </a:lnRef>
-          <a:fillRef idx="1">
-            <a:schemeClr val="accent1"/>
-          </a:fillRef>
-          <a:effectRef idx="0">
-            <a:schemeClr val="accent1"/>
-          </a:effectRef>
-          <a:fontRef idx="minor">
-            <a:schemeClr val="lt1"/>
-          </a:fontRef>
-        </p:style>
-      </p:sp>
+        </p:grpSpPr>
+        <p:pic>
+          <p:nvPicPr>
+            <p:cNvPr id="28" name="Picture 27" descr="HD-ShadowLong.png"/>
+            <p:cNvPicPr>
+              <a:picLocks noChangeAspect="1"/>
+            </p:cNvPicPr>
+            <p:nvPr/>
+          </p:nvPicPr>
+          <p:blipFill rotWithShape="1">
+            <a:blip r:embed="rId2">
+              <a:extLst>
+                <a:ext uri="{28A0092B-C50C-407E-A947-70E740481C1C}">
+                  <a14:useLocalDpi xmlns:a14="http://schemas.microsoft.com/office/drawing/2010/main" val="0"/>
+                </a:ext>
+              </a:extLst>
+            </a:blip>
+            <a:srcRect l="26982" r="-217"/>
+            <a:stretch/>
+          </p:blipFill>
+          <p:spPr>
+            <a:xfrm>
+              <a:off x="0" y="4251471"/>
+              <a:ext cx="7644384" cy="321164"/>
+            </a:xfrm>
+            <a:prstGeom prst="rect">
+              <a:avLst/>
+            </a:prstGeom>
+          </p:spPr>
+        </p:pic>
+        <p:pic>
+          <p:nvPicPr>
+            <p:cNvPr id="29" name="Picture 28" descr="HD-ShadowShort.png"/>
+            <p:cNvPicPr>
+              <a:picLocks noChangeAspect="1"/>
+            </p:cNvPicPr>
+            <p:nvPr/>
+          </p:nvPicPr>
+          <p:blipFill rotWithShape="1">
+            <a:blip r:embed="rId3">
+              <a:extLst>
+                <a:ext uri="{28A0092B-C50C-407E-A947-70E740481C1C}">
+                  <a14:useLocalDpi xmlns:a14="http://schemas.microsoft.com/office/drawing/2010/main" val="0"/>
+                </a:ext>
+              </a:extLst>
+            </a:blip>
+            <a:srcRect r="9871"/>
+            <a:stretch/>
+          </p:blipFill>
+          <p:spPr>
+            <a:xfrm>
+              <a:off x="7717217" y="4259262"/>
+              <a:ext cx="1444752" cy="144270"/>
+            </a:xfrm>
+            <a:prstGeom prst="rect">
+              <a:avLst/>
+            </a:prstGeom>
+          </p:spPr>
+        </p:pic>
+        <p:sp>
+          <p:nvSpPr>
+            <p:cNvPr id="30" name="Rectangle 29"/>
+            <p:cNvSpPr/>
+            <p:nvPr/>
+          </p:nvSpPr>
+          <p:spPr bwMode="ltGray">
+            <a:xfrm>
+              <a:off x="0" y="2895600"/>
+              <a:ext cx="7567140" cy="1368198"/>
+            </a:xfrm>
+            <a:prstGeom prst="rect">
+              <a:avLst/>
+            </a:prstGeom>
+            <a:solidFill>
+              <a:schemeClr val="bg1">
+                <a:lumMod val="85000"/>
+                <a:lumOff val="15000"/>
+              </a:schemeClr>
+            </a:solidFill>
+            <a:ln>
+              <a:noFill/>
+            </a:ln>
+          </p:spPr>
+          <p:style>
+            <a:lnRef idx="2">
+              <a:schemeClr val="accent1">
+                <a:shade val="50000"/>
+              </a:schemeClr>
+            </a:lnRef>
+            <a:fillRef idx="1">
+              <a:schemeClr val="accent1"/>
+            </a:fillRef>
+            <a:effectRef idx="0">
+              <a:schemeClr val="accent1"/>
+            </a:effectRef>
+            <a:fontRef idx="minor">
+              <a:schemeClr val="lt1"/>
+            </a:fontRef>
+          </p:style>
+        </p:sp>
+        <p:sp>
+          <p:nvSpPr>
+            <p:cNvPr id="31" name="Rectangle 30"/>
+            <p:cNvSpPr/>
+            <p:nvPr/>
+          </p:nvSpPr>
+          <p:spPr>
+            <a:xfrm>
+              <a:off x="7710769" y="2895600"/>
+              <a:ext cx="1433231" cy="1368198"/>
+            </a:xfrm>
+            <a:prstGeom prst="rect">
+              <a:avLst/>
+            </a:prstGeom>
+            <a:solidFill>
+              <a:schemeClr val="accent1"/>
+            </a:solidFill>
+            <a:ln>
+              <a:noFill/>
+            </a:ln>
+          </p:spPr>
+          <p:style>
+            <a:lnRef idx="2">
+              <a:schemeClr val="accent1">
+                <a:shade val="50000"/>
+              </a:schemeClr>
+            </a:lnRef>
+            <a:fillRef idx="1">
+              <a:schemeClr val="accent1"/>
+            </a:fillRef>
+            <a:effectRef idx="0">
+              <a:schemeClr val="accent1"/>
+            </a:effectRef>
+            <a:fontRef idx="minor">
+              <a:schemeClr val="lt1"/>
+            </a:fontRef>
+          </p:style>
+        </p:sp>
+      </p:grpSp>
       <p:sp>
         <p:nvSpPr>
           <p:cNvPr id="2" name="Title 1"/>
@@ -4659,7 +4808,7 @@
     </p:spTree>
     <p:extLst>
       <p:ext uri="{BB962C8B-B14F-4D97-AF65-F5344CB8AC3E}">
-        <p14:creationId xmlns:p14="http://schemas.microsoft.com/office/powerpoint/2010/main" val="3899612561"/>
+        <p14:creationId xmlns:p14="http://schemas.microsoft.com/office/powerpoint/2010/main" val="2211960227"/>
       </p:ext>
     </p:extLst>
   </p:cSld>
@@ -4686,159 +4835,172 @@
           <a:chExt cx="0" cy="0"/>
         </a:xfrm>
       </p:grpSpPr>
-      <p:pic>
-        <p:nvPicPr>
-          <p:cNvPr id="7" name="Picture 6" descr="HD-ShadowLong.png"/>
-          <p:cNvPicPr>
-            <a:picLocks noChangeAspect="1"/>
-          </p:cNvPicPr>
+      <p:grpSp>
+        <p:nvGrpSpPr>
+          <p:cNvPr id="18" name="Group 17"/>
+          <p:cNvGrpSpPr/>
           <p:nvPr/>
-        </p:nvPicPr>
-        <p:blipFill>
-          <a:blip r:embed="rId2">
-            <a:extLst>
-              <a:ext uri="{28A0092B-C50C-407E-A947-70E740481C1C}">
-                <a14:useLocalDpi xmlns:a14="http://schemas.microsoft.com/office/drawing/2010/main" val="0"/>
-              </a:ext>
-            </a:extLst>
-          </a:blip>
-          <a:stretch>
-            <a:fillRect/>
-          </a:stretch>
-        </p:blipFill>
+        </p:nvGrpSpPr>
+        <p:grpSpPr>
+          <a:xfrm>
+            <a:off x="0" y="2728432"/>
+            <a:ext cx="9161969" cy="1677035"/>
+            <a:chOff x="0" y="2895600"/>
+            <a:chExt cx="9161969" cy="1677035"/>
+          </a:xfrm>
+        </p:grpSpPr>
+        <p:pic>
+          <p:nvPicPr>
+            <p:cNvPr id="19" name="Picture 18" descr="HD-ShadowLong.png"/>
+            <p:cNvPicPr>
+              <a:picLocks noChangeAspect="1"/>
+            </p:cNvPicPr>
+            <p:nvPr/>
+          </p:nvPicPr>
+          <p:blipFill rotWithShape="1">
+            <a:blip r:embed="rId2">
+              <a:extLst>
+                <a:ext uri="{28A0092B-C50C-407E-A947-70E740481C1C}">
+                  <a14:useLocalDpi xmlns:a14="http://schemas.microsoft.com/office/drawing/2010/main" val="0"/>
+                </a:ext>
+              </a:extLst>
+            </a:blip>
+            <a:srcRect l="26982" r="-217"/>
+            <a:stretch/>
+          </p:blipFill>
+          <p:spPr>
+            <a:xfrm>
+              <a:off x="0" y="4251471"/>
+              <a:ext cx="7644384" cy="321164"/>
+            </a:xfrm>
+            <a:prstGeom prst="rect">
+              <a:avLst/>
+            </a:prstGeom>
+          </p:spPr>
+        </p:pic>
+        <p:pic>
+          <p:nvPicPr>
+            <p:cNvPr id="20" name="Picture 19" descr="HD-ShadowShort.png"/>
+            <p:cNvPicPr>
+              <a:picLocks noChangeAspect="1"/>
+            </p:cNvPicPr>
+            <p:nvPr/>
+          </p:nvPicPr>
+          <p:blipFill rotWithShape="1">
+            <a:blip r:embed="rId3">
+              <a:extLst>
+                <a:ext uri="{28A0092B-C50C-407E-A947-70E740481C1C}">
+                  <a14:useLocalDpi xmlns:a14="http://schemas.microsoft.com/office/drawing/2010/main" val="0"/>
+                </a:ext>
+              </a:extLst>
+            </a:blip>
+            <a:srcRect r="9871"/>
+            <a:stretch/>
+          </p:blipFill>
+          <p:spPr>
+            <a:xfrm>
+              <a:off x="7717217" y="4259262"/>
+              <a:ext cx="1444752" cy="144270"/>
+            </a:xfrm>
+            <a:prstGeom prst="rect">
+              <a:avLst/>
+            </a:prstGeom>
+          </p:spPr>
+        </p:pic>
+        <p:sp>
+          <p:nvSpPr>
+            <p:cNvPr id="21" name="Rectangle 20"/>
+            <p:cNvSpPr/>
+            <p:nvPr/>
+          </p:nvSpPr>
+          <p:spPr bwMode="ltGray">
+            <a:xfrm>
+              <a:off x="0" y="2895600"/>
+              <a:ext cx="7567140" cy="1368198"/>
+            </a:xfrm>
+            <a:prstGeom prst="rect">
+              <a:avLst/>
+            </a:prstGeom>
+            <a:solidFill>
+              <a:schemeClr val="bg1">
+                <a:lumMod val="85000"/>
+                <a:lumOff val="15000"/>
+              </a:schemeClr>
+            </a:solidFill>
+            <a:ln>
+              <a:noFill/>
+            </a:ln>
+          </p:spPr>
+          <p:style>
+            <a:lnRef idx="2">
+              <a:schemeClr val="accent1">
+                <a:shade val="50000"/>
+              </a:schemeClr>
+            </a:lnRef>
+            <a:fillRef idx="1">
+              <a:schemeClr val="accent1"/>
+            </a:fillRef>
+            <a:effectRef idx="0">
+              <a:schemeClr val="accent1"/>
+            </a:effectRef>
+            <a:fontRef idx="minor">
+              <a:schemeClr val="lt1"/>
+            </a:fontRef>
+          </p:style>
+        </p:sp>
+        <p:sp>
+          <p:nvSpPr>
+            <p:cNvPr id="22" name="Rectangle 21"/>
+            <p:cNvSpPr/>
+            <p:nvPr/>
+          </p:nvSpPr>
+          <p:spPr>
+            <a:xfrm>
+              <a:off x="7710769" y="2895600"/>
+              <a:ext cx="1433231" cy="1368198"/>
+            </a:xfrm>
+            <a:prstGeom prst="rect">
+              <a:avLst/>
+            </a:prstGeom>
+            <a:solidFill>
+              <a:schemeClr val="accent1"/>
+            </a:solidFill>
+            <a:ln>
+              <a:noFill/>
+            </a:ln>
+          </p:spPr>
+          <p:style>
+            <a:lnRef idx="2">
+              <a:schemeClr val="accent1">
+                <a:shade val="50000"/>
+              </a:schemeClr>
+            </a:lnRef>
+            <a:fillRef idx="1">
+              <a:schemeClr val="accent1"/>
+            </a:fillRef>
+            <a:effectRef idx="0">
+              <a:schemeClr val="accent1"/>
+            </a:effectRef>
+            <a:fontRef idx="minor">
+              <a:schemeClr val="lt1"/>
+            </a:fontRef>
+          </p:style>
+        </p:sp>
+      </p:grpSp>
+      <p:sp>
+        <p:nvSpPr>
+          <p:cNvPr id="2" name="Title 1"/>
+          <p:cNvSpPr>
+            <a:spLocks noGrp="1"/>
+          </p:cNvSpPr>
+          <p:nvPr>
+            <p:ph type="title"/>
+          </p:nvPr>
+        </p:nvSpPr>
         <p:spPr>
           <a:xfrm>
-            <a:off x="-1" y="4086907"/>
-            <a:ext cx="10437812" cy="321164"/>
-          </a:xfrm>
-          <a:prstGeom prst="rect">
-            <a:avLst/>
-          </a:prstGeom>
-        </p:spPr>
-      </p:pic>
-      <p:pic>
-        <p:nvPicPr>
-          <p:cNvPr id="8" name="Picture 7" descr="HD-ShadowShort.png"/>
-          <p:cNvPicPr>
-            <a:picLocks noChangeAspect="1"/>
-          </p:cNvPicPr>
-          <p:nvPr/>
-        </p:nvPicPr>
-        <p:blipFill>
-          <a:blip r:embed="rId3">
-            <a:extLst>
-              <a:ext uri="{28A0092B-C50C-407E-A947-70E740481C1C}">
-                <a14:useLocalDpi xmlns:a14="http://schemas.microsoft.com/office/drawing/2010/main" val="0"/>
-              </a:ext>
-            </a:extLst>
-          </a:blip>
-          <a:stretch>
-            <a:fillRect/>
-          </a:stretch>
-        </p:blipFill>
-        <p:spPr>
-          <a:xfrm>
-            <a:off x="10585824" y="4087901"/>
-            <a:ext cx="1602997" cy="144270"/>
-          </a:xfrm>
-          <a:prstGeom prst="rect">
-            <a:avLst/>
-          </a:prstGeom>
-        </p:spPr>
-      </p:pic>
-      <p:sp>
-        <p:nvSpPr>
-          <p:cNvPr id="9" name="Rectangle 8"/>
-          <p:cNvSpPr/>
-          <p:nvPr/>
-        </p:nvSpPr>
-        <p:spPr bwMode="ltGray">
-          <a:xfrm>
-            <a:off x="-2" y="2726267"/>
-            <a:ext cx="10437812" cy="1368198"/>
-          </a:xfrm>
-          <a:prstGeom prst="rect">
-            <a:avLst/>
-          </a:prstGeom>
-          <a:solidFill>
-            <a:schemeClr val="bg1">
-              <a:lumMod val="85000"/>
-              <a:lumOff val="15000"/>
-            </a:schemeClr>
-          </a:solidFill>
-          <a:ln>
-            <a:noFill/>
-          </a:ln>
-        </p:spPr>
-        <p:style>
-          <a:lnRef idx="2">
-            <a:schemeClr val="accent1">
-              <a:shade val="50000"/>
-            </a:schemeClr>
-          </a:lnRef>
-          <a:fillRef idx="1">
-            <a:schemeClr val="accent1"/>
-          </a:fillRef>
-          <a:effectRef idx="0">
-            <a:schemeClr val="accent1"/>
-          </a:effectRef>
-          <a:fontRef idx="minor">
-            <a:schemeClr val="lt1"/>
-          </a:fontRef>
-        </p:style>
-      </p:sp>
-      <p:sp>
-        <p:nvSpPr>
-          <p:cNvPr id="10" name="Rectangle 9"/>
-          <p:cNvSpPr/>
-          <p:nvPr/>
-        </p:nvSpPr>
-        <p:spPr>
-          <a:xfrm>
-            <a:off x="10585825" y="2726267"/>
-            <a:ext cx="1602997" cy="1368198"/>
-          </a:xfrm>
-          <a:prstGeom prst="rect">
-            <a:avLst/>
-          </a:prstGeom>
-          <a:solidFill>
-            <a:schemeClr val="accent1"/>
-          </a:solidFill>
-          <a:ln>
-            <a:noFill/>
-          </a:ln>
-        </p:spPr>
-        <p:style>
-          <a:lnRef idx="2">
-            <a:schemeClr val="accent1">
-              <a:shade val="50000"/>
-            </a:schemeClr>
-          </a:lnRef>
-          <a:fillRef idx="1">
-            <a:schemeClr val="accent1"/>
-          </a:fillRef>
-          <a:effectRef idx="0">
-            <a:schemeClr val="accent1"/>
-          </a:effectRef>
-          <a:fontRef idx="minor">
-            <a:schemeClr val="lt1"/>
-          </a:fontRef>
-        </p:style>
-      </p:sp>
-      <p:sp>
-        <p:nvSpPr>
-          <p:cNvPr id="2" name="Title 1"/>
-          <p:cNvSpPr>
-            <a:spLocks noGrp="1"/>
-          </p:cNvSpPr>
-          <p:nvPr>
-            <p:ph type="title"/>
-          </p:nvPr>
-        </p:nvSpPr>
-        <p:spPr>
-          <a:xfrm>
-            <a:off x="680322" y="2869895"/>
-            <a:ext cx="9613860" cy="1090788"/>
+            <a:off x="531639" y="2869895"/>
+            <a:ext cx="6889150" cy="1090788"/>
           </a:xfrm>
         </p:spPr>
         <p:txBody>
@@ -4871,8 +5033,8 @@
         </p:nvSpPr>
         <p:spPr>
           <a:xfrm>
-            <a:off x="680322" y="4232171"/>
-            <a:ext cx="9613860" cy="1704017"/>
+            <a:off x="531639" y="4232172"/>
+            <a:ext cx="6889150" cy="1704017"/>
           </a:xfrm>
         </p:spPr>
         <p:txBody>
@@ -4990,7 +5152,12 @@
             <p:ph type="dt" sz="half" idx="10"/>
           </p:nvPr>
         </p:nvSpPr>
-        <p:spPr/>
+        <p:spPr>
+          <a:xfrm>
+            <a:off x="5365810" y="5936188"/>
+            <a:ext cx="2057400" cy="365125"/>
+          </a:xfrm>
+        </p:spPr>
         <p:txBody>
           <a:bodyPr/>
           <a:lstStyle/>
@@ -5013,7 +5180,12 @@
             <p:ph type="ftr" sz="quarter" idx="11"/>
           </p:nvPr>
         </p:nvSpPr>
-        <p:spPr/>
+        <p:spPr>
+          <a:xfrm>
+            <a:off x="533400" y="5936189"/>
+            <a:ext cx="4834673" cy="365125"/>
+          </a:xfrm>
+        </p:spPr>
         <p:txBody>
           <a:bodyPr/>
           <a:lstStyle/>
@@ -5034,8 +5206,8 @@
         </p:nvSpPr>
         <p:spPr>
           <a:xfrm>
-            <a:off x="10729455" y="2869895"/>
-            <a:ext cx="1154151" cy="1090789"/>
+            <a:off x="7856438" y="2869896"/>
+            <a:ext cx="1149836" cy="1090789"/>
           </a:xfrm>
         </p:spPr>
         <p:txBody>
@@ -5053,7 +5225,7 @@
     </p:spTree>
     <p:extLst>
       <p:ext uri="{BB962C8B-B14F-4D97-AF65-F5344CB8AC3E}">
-        <p14:creationId xmlns:p14="http://schemas.microsoft.com/office/powerpoint/2010/main" val="1118526664"/>
+        <p14:creationId xmlns:p14="http://schemas.microsoft.com/office/powerpoint/2010/main" val="2208252483"/>
       </p:ext>
     </p:extLst>
   </p:cSld>
@@ -5080,239 +5252,257 @@
           <a:chExt cx="0" cy="0"/>
         </a:xfrm>
       </p:grpSpPr>
-      <p:pic>
-        <p:nvPicPr>
-          <p:cNvPr id="8" name="Picture 7" descr="HD-ShadowLong.png"/>
-          <p:cNvPicPr>
-            <a:picLocks noChangeAspect="1"/>
-          </p:cNvPicPr>
+      <p:grpSp>
+        <p:nvGrpSpPr>
+          <p:cNvPr id="17" name="Group 16"/>
+          <p:cNvGrpSpPr/>
           <p:nvPr/>
-        </p:nvPicPr>
-        <p:blipFill>
-          <a:blip r:embed="rId2">
-            <a:extLst>
-              <a:ext uri="{28A0092B-C50C-407E-A947-70E740481C1C}">
-                <a14:useLocalDpi xmlns:a14="http://schemas.microsoft.com/office/drawing/2010/main" val="0"/>
-              </a:ext>
-            </a:extLst>
-          </a:blip>
-          <a:stretch>
-            <a:fillRect/>
-          </a:stretch>
-        </p:blipFill>
+        </p:nvGrpSpPr>
+        <p:grpSpPr>
+          <a:xfrm>
+            <a:off x="0" y="609600"/>
+            <a:ext cx="9161969" cy="1677035"/>
+            <a:chOff x="0" y="2895600"/>
+            <a:chExt cx="9161969" cy="1677035"/>
+          </a:xfrm>
+        </p:grpSpPr>
+        <p:pic>
+          <p:nvPicPr>
+            <p:cNvPr id="18" name="Picture 17" descr="HD-ShadowLong.png"/>
+            <p:cNvPicPr>
+              <a:picLocks noChangeAspect="1"/>
+            </p:cNvPicPr>
+            <p:nvPr/>
+          </p:nvPicPr>
+          <p:blipFill rotWithShape="1">
+            <a:blip r:embed="rId2">
+              <a:extLst>
+                <a:ext uri="{28A0092B-C50C-407E-A947-70E740481C1C}">
+                  <a14:useLocalDpi xmlns:a14="http://schemas.microsoft.com/office/drawing/2010/main" val="0"/>
+                </a:ext>
+              </a:extLst>
+            </a:blip>
+            <a:srcRect l="26982" r="-217"/>
+            <a:stretch/>
+          </p:blipFill>
+          <p:spPr>
+            <a:xfrm>
+              <a:off x="0" y="4251471"/>
+              <a:ext cx="7644384" cy="321164"/>
+            </a:xfrm>
+            <a:prstGeom prst="rect">
+              <a:avLst/>
+            </a:prstGeom>
+          </p:spPr>
+        </p:pic>
+        <p:pic>
+          <p:nvPicPr>
+            <p:cNvPr id="19" name="Picture 18" descr="HD-ShadowShort.png"/>
+            <p:cNvPicPr>
+              <a:picLocks noChangeAspect="1"/>
+            </p:cNvPicPr>
+            <p:nvPr/>
+          </p:nvPicPr>
+          <p:blipFill rotWithShape="1">
+            <a:blip r:embed="rId3">
+              <a:extLst>
+                <a:ext uri="{28A0092B-C50C-407E-A947-70E740481C1C}">
+                  <a14:useLocalDpi xmlns:a14="http://schemas.microsoft.com/office/drawing/2010/main" val="0"/>
+                </a:ext>
+              </a:extLst>
+            </a:blip>
+            <a:srcRect r="9871"/>
+            <a:stretch/>
+          </p:blipFill>
+          <p:spPr>
+            <a:xfrm>
+              <a:off x="7717217" y="4259262"/>
+              <a:ext cx="1444752" cy="144270"/>
+            </a:xfrm>
+            <a:prstGeom prst="rect">
+              <a:avLst/>
+            </a:prstGeom>
+          </p:spPr>
+        </p:pic>
+        <p:sp>
+          <p:nvSpPr>
+            <p:cNvPr id="20" name="Rectangle 19"/>
+            <p:cNvSpPr/>
+            <p:nvPr/>
+          </p:nvSpPr>
+          <p:spPr bwMode="ltGray">
+            <a:xfrm>
+              <a:off x="0" y="2895600"/>
+              <a:ext cx="7567140" cy="1368198"/>
+            </a:xfrm>
+            <a:prstGeom prst="rect">
+              <a:avLst/>
+            </a:prstGeom>
+            <a:solidFill>
+              <a:schemeClr val="bg1">
+                <a:lumMod val="85000"/>
+                <a:lumOff val="15000"/>
+              </a:schemeClr>
+            </a:solidFill>
+            <a:ln>
+              <a:noFill/>
+            </a:ln>
+          </p:spPr>
+          <p:style>
+            <a:lnRef idx="2">
+              <a:schemeClr val="accent1">
+                <a:shade val="50000"/>
+              </a:schemeClr>
+            </a:lnRef>
+            <a:fillRef idx="1">
+              <a:schemeClr val="accent1"/>
+            </a:fillRef>
+            <a:effectRef idx="0">
+              <a:schemeClr val="accent1"/>
+            </a:effectRef>
+            <a:fontRef idx="minor">
+              <a:schemeClr val="lt1"/>
+            </a:fontRef>
+          </p:style>
+        </p:sp>
+        <p:sp>
+          <p:nvSpPr>
+            <p:cNvPr id="21" name="Rectangle 20"/>
+            <p:cNvSpPr/>
+            <p:nvPr/>
+          </p:nvSpPr>
+          <p:spPr>
+            <a:xfrm>
+              <a:off x="7710769" y="2895600"/>
+              <a:ext cx="1433231" cy="1368198"/>
+            </a:xfrm>
+            <a:prstGeom prst="rect">
+              <a:avLst/>
+            </a:prstGeom>
+            <a:solidFill>
+              <a:schemeClr val="accent1"/>
+            </a:solidFill>
+            <a:ln>
+              <a:noFill/>
+            </a:ln>
+          </p:spPr>
+          <p:style>
+            <a:lnRef idx="2">
+              <a:schemeClr val="accent1">
+                <a:shade val="50000"/>
+              </a:schemeClr>
+            </a:lnRef>
+            <a:fillRef idx="1">
+              <a:schemeClr val="accent1"/>
+            </a:fillRef>
+            <a:effectRef idx="0">
+              <a:schemeClr val="accent1"/>
+            </a:effectRef>
+            <a:fontRef idx="minor">
+              <a:schemeClr val="lt1"/>
+            </a:fontRef>
+          </p:style>
+        </p:sp>
+      </p:grpSp>
+      <p:sp>
+        <p:nvSpPr>
+          <p:cNvPr id="2" name="Title 1"/>
+          <p:cNvSpPr>
+            <a:spLocks noGrp="1"/>
+          </p:cNvSpPr>
+          <p:nvPr>
+            <p:ph type="title"/>
+          </p:nvPr>
+        </p:nvSpPr>
         <p:spPr>
           <a:xfrm>
-            <a:off x="1" y="1970240"/>
-            <a:ext cx="10437812" cy="321164"/>
+            <a:off x="533400" y="753228"/>
+            <a:ext cx="6887390" cy="1080938"/>
           </a:xfrm>
-          <a:prstGeom prst="rect">
-            <a:avLst/>
-          </a:prstGeom>
         </p:spPr>
-      </p:pic>
-      <p:pic>
-        <p:nvPicPr>
-          <p:cNvPr id="9" name="Picture 8" descr="HD-ShadowShort.png"/>
-          <p:cNvPicPr>
-            <a:picLocks noChangeAspect="1"/>
-          </p:cNvPicPr>
-          <p:nvPr/>
-        </p:nvPicPr>
-        <p:blipFill>
-          <a:blip r:embed="rId3">
-            <a:extLst>
-              <a:ext uri="{28A0092B-C50C-407E-A947-70E740481C1C}">
-                <a14:useLocalDpi xmlns:a14="http://schemas.microsoft.com/office/drawing/2010/main" val="0"/>
-              </a:ext>
-            </a:extLst>
-          </a:blip>
-          <a:stretch>
-            <a:fillRect/>
-          </a:stretch>
-        </p:blipFill>
+        <p:txBody>
+          <a:bodyPr/>
+          <a:lstStyle/>
+          <a:p>
+            <a:r>
+              <a:rPr lang="en-US"/>
+              <a:t>Click to edit Master title style</a:t>
+            </a:r>
+            <a:endParaRPr lang="en-US" dirty="0"/>
+          </a:p>
+        </p:txBody>
+      </p:sp>
+      <p:sp>
+        <p:nvSpPr>
+          <p:cNvPr id="3" name="Content Placeholder 2"/>
+          <p:cNvSpPr>
+            <a:spLocks noGrp="1"/>
+          </p:cNvSpPr>
+          <p:nvPr>
+            <p:ph sz="half" idx="1"/>
+          </p:nvPr>
+        </p:nvSpPr>
         <p:spPr>
           <a:xfrm>
-            <a:off x="10585826" y="1971234"/>
-            <a:ext cx="1602997" cy="144270"/>
+            <a:off x="533400" y="2336873"/>
+            <a:ext cx="3357899" cy="3599316"/>
           </a:xfrm>
-          <a:prstGeom prst="rect">
-            <a:avLst/>
-          </a:prstGeom>
         </p:spPr>
-      </p:pic>
-      <p:sp>
-        <p:nvSpPr>
-          <p:cNvPr id="10" name="Rectangle 9"/>
-          <p:cNvSpPr/>
-          <p:nvPr/>
-        </p:nvSpPr>
-        <p:spPr bwMode="ltGray">
-          <a:xfrm>
-            <a:off x="0" y="609600"/>
-            <a:ext cx="10437812" cy="1368198"/>
-          </a:xfrm>
-          <a:prstGeom prst="rect">
-            <a:avLst/>
-          </a:prstGeom>
-          <a:solidFill>
-            <a:schemeClr val="bg1">
-              <a:lumMod val="85000"/>
-              <a:lumOff val="15000"/>
-            </a:schemeClr>
-          </a:solidFill>
-          <a:ln>
-            <a:noFill/>
-          </a:ln>
-        </p:spPr>
-        <p:style>
-          <a:lnRef idx="2">
-            <a:schemeClr val="accent1">
-              <a:shade val="50000"/>
-            </a:schemeClr>
-          </a:lnRef>
-          <a:fillRef idx="1">
-            <a:schemeClr val="accent1"/>
-          </a:fillRef>
-          <a:effectRef idx="0">
-            <a:schemeClr val="accent1"/>
-          </a:effectRef>
-          <a:fontRef idx="minor">
-            <a:schemeClr val="lt1"/>
-          </a:fontRef>
-        </p:style>
-      </p:sp>
-      <p:sp>
-        <p:nvSpPr>
-          <p:cNvPr id="11" name="Rectangle 10"/>
-          <p:cNvSpPr/>
-          <p:nvPr/>
+        <p:txBody>
+          <a:bodyPr/>
+          <a:lstStyle/>
+          <a:p>
+            <a:pPr lvl="0"/>
+            <a:r>
+              <a:rPr lang="en-US"/>
+              <a:t>Click to edit Master text styles</a:t>
+            </a:r>
+          </a:p>
+          <a:p>
+            <a:pPr lvl="1"/>
+            <a:r>
+              <a:rPr lang="en-US"/>
+              <a:t>Second level</a:t>
+            </a:r>
+          </a:p>
+          <a:p>
+            <a:pPr lvl="2"/>
+            <a:r>
+              <a:rPr lang="en-US"/>
+              <a:t>Third level</a:t>
+            </a:r>
+          </a:p>
+          <a:p>
+            <a:pPr lvl="3"/>
+            <a:r>
+              <a:rPr lang="en-US"/>
+              <a:t>Fourth level</a:t>
+            </a:r>
+          </a:p>
+          <a:p>
+            <a:pPr lvl="4"/>
+            <a:r>
+              <a:rPr lang="en-US"/>
+              <a:t>Fifth level</a:t>
+            </a:r>
+            <a:endParaRPr lang="en-US" dirty="0"/>
+          </a:p>
+        </p:txBody>
+      </p:sp>
+      <p:sp>
+        <p:nvSpPr>
+          <p:cNvPr id="4" name="Content Placeholder 3"/>
+          <p:cNvSpPr>
+            <a:spLocks noGrp="1"/>
+          </p:cNvSpPr>
+          <p:nvPr>
+            <p:ph sz="half" idx="2"/>
+          </p:nvPr>
         </p:nvSpPr>
         <p:spPr>
           <a:xfrm>
-            <a:off x="10585827" y="609600"/>
-            <a:ext cx="1602997" cy="1368198"/>
-          </a:xfrm>
-          <a:prstGeom prst="rect">
-            <a:avLst/>
-          </a:prstGeom>
-          <a:solidFill>
-            <a:schemeClr val="accent1"/>
-          </a:solidFill>
-          <a:ln>
-            <a:noFill/>
-          </a:ln>
-        </p:spPr>
-        <p:style>
-          <a:lnRef idx="2">
-            <a:schemeClr val="accent1">
-              <a:shade val="50000"/>
-            </a:schemeClr>
-          </a:lnRef>
-          <a:fillRef idx="1">
-            <a:schemeClr val="accent1"/>
-          </a:fillRef>
-          <a:effectRef idx="0">
-            <a:schemeClr val="accent1"/>
-          </a:effectRef>
-          <a:fontRef idx="minor">
-            <a:schemeClr val="lt1"/>
-          </a:fontRef>
-        </p:style>
-      </p:sp>
-      <p:sp>
-        <p:nvSpPr>
-          <p:cNvPr id="2" name="Title 1"/>
-          <p:cNvSpPr>
-            <a:spLocks noGrp="1"/>
-          </p:cNvSpPr>
-          <p:nvPr>
-            <p:ph type="title"/>
-          </p:nvPr>
-        </p:nvSpPr>
-        <p:spPr/>
-        <p:txBody>
-          <a:bodyPr/>
-          <a:lstStyle/>
-          <a:p>
-            <a:r>
-              <a:rPr lang="en-US"/>
-              <a:t>Click to edit Master title style</a:t>
-            </a:r>
-            <a:endParaRPr lang="en-US" dirty="0"/>
-          </a:p>
-        </p:txBody>
-      </p:sp>
-      <p:sp>
-        <p:nvSpPr>
-          <p:cNvPr id="3" name="Content Placeholder 2"/>
-          <p:cNvSpPr>
-            <a:spLocks noGrp="1"/>
-          </p:cNvSpPr>
-          <p:nvPr>
-            <p:ph sz="half" idx="1"/>
-          </p:nvPr>
-        </p:nvSpPr>
-        <p:spPr>
-          <a:xfrm>
-            <a:off x="680320" y="2336873"/>
-            <a:ext cx="4698358" cy="3599316"/>
-          </a:xfrm>
-        </p:spPr>
-        <p:txBody>
-          <a:bodyPr/>
-          <a:lstStyle/>
-          <a:p>
-            <a:pPr lvl="0"/>
-            <a:r>
-              <a:rPr lang="en-US"/>
-              <a:t>Click to edit Master text styles</a:t>
-            </a:r>
-          </a:p>
-          <a:p>
-            <a:pPr lvl="1"/>
-            <a:r>
-              <a:rPr lang="en-US"/>
-              <a:t>Second level</a:t>
-            </a:r>
-          </a:p>
-          <a:p>
-            <a:pPr lvl="2"/>
-            <a:r>
-              <a:rPr lang="en-US"/>
-              <a:t>Third level</a:t>
-            </a:r>
-          </a:p>
-          <a:p>
-            <a:pPr lvl="3"/>
-            <a:r>
-              <a:rPr lang="en-US"/>
-              <a:t>Fourth level</a:t>
-            </a:r>
-          </a:p>
-          <a:p>
-            <a:pPr lvl="4"/>
-            <a:r>
-              <a:rPr lang="en-US"/>
-              <a:t>Fifth level</a:t>
-            </a:r>
-            <a:endParaRPr lang="en-US" dirty="0"/>
-          </a:p>
-        </p:txBody>
-      </p:sp>
-      <p:sp>
-        <p:nvSpPr>
-          <p:cNvPr id="4" name="Content Placeholder 3"/>
-          <p:cNvSpPr>
-            <a:spLocks noGrp="1"/>
-          </p:cNvSpPr>
-          <p:nvPr>
-            <p:ph sz="half" idx="2"/>
-          </p:nvPr>
-        </p:nvSpPr>
-        <p:spPr>
-          <a:xfrm>
-            <a:off x="5594123" y="2336873"/>
-            <a:ext cx="4700058" cy="3599316"/>
+            <a:off x="4061128" y="2336873"/>
+            <a:ext cx="3359661" cy="3599316"/>
           </a:xfrm>
         </p:spPr>
         <p:txBody>
@@ -5424,7 +5614,7 @@
     </p:spTree>
     <p:extLst>
       <p:ext uri="{BB962C8B-B14F-4D97-AF65-F5344CB8AC3E}">
-        <p14:creationId xmlns:p14="http://schemas.microsoft.com/office/powerpoint/2010/main" val="3476881278"/>
+        <p14:creationId xmlns:p14="http://schemas.microsoft.com/office/powerpoint/2010/main" val="3853661752"/>
       </p:ext>
     </p:extLst>
   </p:cSld>
@@ -5451,187 +5641,200 @@
           <a:chExt cx="0" cy="0"/>
         </a:xfrm>
       </p:grpSpPr>
-      <p:pic>
-        <p:nvPicPr>
-          <p:cNvPr id="10" name="Picture 9" descr="HD-ShadowLong.png"/>
-          <p:cNvPicPr>
-            <a:picLocks noChangeAspect="1"/>
-          </p:cNvPicPr>
+      <p:grpSp>
+        <p:nvGrpSpPr>
+          <p:cNvPr id="28" name="Group 27"/>
+          <p:cNvGrpSpPr/>
           <p:nvPr/>
-        </p:nvPicPr>
-        <p:blipFill>
-          <a:blip r:embed="rId2">
-            <a:extLst>
-              <a:ext uri="{28A0092B-C50C-407E-A947-70E740481C1C}">
-                <a14:useLocalDpi xmlns:a14="http://schemas.microsoft.com/office/drawing/2010/main" val="0"/>
-              </a:ext>
-            </a:extLst>
-          </a:blip>
-          <a:stretch>
-            <a:fillRect/>
-          </a:stretch>
-        </p:blipFill>
+        </p:nvGrpSpPr>
+        <p:grpSpPr>
+          <a:xfrm>
+            <a:off x="0" y="609600"/>
+            <a:ext cx="9161969" cy="1677035"/>
+            <a:chOff x="0" y="2895600"/>
+            <a:chExt cx="9161969" cy="1677035"/>
+          </a:xfrm>
+        </p:grpSpPr>
+        <p:pic>
+          <p:nvPicPr>
+            <p:cNvPr id="29" name="Picture 28" descr="HD-ShadowLong.png"/>
+            <p:cNvPicPr>
+              <a:picLocks noChangeAspect="1"/>
+            </p:cNvPicPr>
+            <p:nvPr/>
+          </p:nvPicPr>
+          <p:blipFill rotWithShape="1">
+            <a:blip r:embed="rId2">
+              <a:extLst>
+                <a:ext uri="{28A0092B-C50C-407E-A947-70E740481C1C}">
+                  <a14:useLocalDpi xmlns:a14="http://schemas.microsoft.com/office/drawing/2010/main" val="0"/>
+                </a:ext>
+              </a:extLst>
+            </a:blip>
+            <a:srcRect l="26982" r="-217"/>
+            <a:stretch/>
+          </p:blipFill>
+          <p:spPr>
+            <a:xfrm>
+              <a:off x="0" y="4251471"/>
+              <a:ext cx="7644384" cy="321164"/>
+            </a:xfrm>
+            <a:prstGeom prst="rect">
+              <a:avLst/>
+            </a:prstGeom>
+          </p:spPr>
+        </p:pic>
+        <p:pic>
+          <p:nvPicPr>
+            <p:cNvPr id="30" name="Picture 29" descr="HD-ShadowShort.png"/>
+            <p:cNvPicPr>
+              <a:picLocks noChangeAspect="1"/>
+            </p:cNvPicPr>
+            <p:nvPr/>
+          </p:nvPicPr>
+          <p:blipFill rotWithShape="1">
+            <a:blip r:embed="rId3">
+              <a:extLst>
+                <a:ext uri="{28A0092B-C50C-407E-A947-70E740481C1C}">
+                  <a14:useLocalDpi xmlns:a14="http://schemas.microsoft.com/office/drawing/2010/main" val="0"/>
+                </a:ext>
+              </a:extLst>
+            </a:blip>
+            <a:srcRect r="9871"/>
+            <a:stretch/>
+          </p:blipFill>
+          <p:spPr>
+            <a:xfrm>
+              <a:off x="7717217" y="4259262"/>
+              <a:ext cx="1444752" cy="144270"/>
+            </a:xfrm>
+            <a:prstGeom prst="rect">
+              <a:avLst/>
+            </a:prstGeom>
+          </p:spPr>
+        </p:pic>
+        <p:sp>
+          <p:nvSpPr>
+            <p:cNvPr id="31" name="Rectangle 30"/>
+            <p:cNvSpPr/>
+            <p:nvPr/>
+          </p:nvSpPr>
+          <p:spPr bwMode="ltGray">
+            <a:xfrm>
+              <a:off x="0" y="2895600"/>
+              <a:ext cx="7567140" cy="1368198"/>
+            </a:xfrm>
+            <a:prstGeom prst="rect">
+              <a:avLst/>
+            </a:prstGeom>
+            <a:solidFill>
+              <a:schemeClr val="bg1">
+                <a:lumMod val="85000"/>
+                <a:lumOff val="15000"/>
+              </a:schemeClr>
+            </a:solidFill>
+            <a:ln>
+              <a:noFill/>
+            </a:ln>
+          </p:spPr>
+          <p:style>
+            <a:lnRef idx="2">
+              <a:schemeClr val="accent1">
+                <a:shade val="50000"/>
+              </a:schemeClr>
+            </a:lnRef>
+            <a:fillRef idx="1">
+              <a:schemeClr val="accent1"/>
+            </a:fillRef>
+            <a:effectRef idx="0">
+              <a:schemeClr val="accent1"/>
+            </a:effectRef>
+            <a:fontRef idx="minor">
+              <a:schemeClr val="lt1"/>
+            </a:fontRef>
+          </p:style>
+        </p:sp>
+        <p:sp>
+          <p:nvSpPr>
+            <p:cNvPr id="32" name="Rectangle 31"/>
+            <p:cNvSpPr/>
+            <p:nvPr/>
+          </p:nvSpPr>
+          <p:spPr>
+            <a:xfrm>
+              <a:off x="7710769" y="2895600"/>
+              <a:ext cx="1433231" cy="1368198"/>
+            </a:xfrm>
+            <a:prstGeom prst="rect">
+              <a:avLst/>
+            </a:prstGeom>
+            <a:solidFill>
+              <a:schemeClr val="accent1"/>
+            </a:solidFill>
+            <a:ln>
+              <a:noFill/>
+            </a:ln>
+          </p:spPr>
+          <p:style>
+            <a:lnRef idx="2">
+              <a:schemeClr val="accent1">
+                <a:shade val="50000"/>
+              </a:schemeClr>
+            </a:lnRef>
+            <a:fillRef idx="1">
+              <a:schemeClr val="accent1"/>
+            </a:fillRef>
+            <a:effectRef idx="0">
+              <a:schemeClr val="accent1"/>
+            </a:effectRef>
+            <a:fontRef idx="minor">
+              <a:schemeClr val="lt1"/>
+            </a:fontRef>
+          </p:style>
+        </p:sp>
+      </p:grpSp>
+      <p:sp>
+        <p:nvSpPr>
+          <p:cNvPr id="2" name="Title 1"/>
+          <p:cNvSpPr>
+            <a:spLocks noGrp="1"/>
+          </p:cNvSpPr>
+          <p:nvPr>
+            <p:ph type="title"/>
+          </p:nvPr>
+        </p:nvSpPr>
         <p:spPr>
           <a:xfrm>
-            <a:off x="1" y="1970240"/>
-            <a:ext cx="10437812" cy="321164"/>
+            <a:off x="531639" y="753230"/>
+            <a:ext cx="6896534" cy="1080937"/>
           </a:xfrm>
-          <a:prstGeom prst="rect">
-            <a:avLst/>
-          </a:prstGeom>
         </p:spPr>
-      </p:pic>
-      <p:pic>
-        <p:nvPicPr>
-          <p:cNvPr id="11" name="Picture 10" descr="HD-ShadowShort.png"/>
-          <p:cNvPicPr>
-            <a:picLocks noChangeAspect="1"/>
-          </p:cNvPicPr>
-          <p:nvPr/>
-        </p:nvPicPr>
-        <p:blipFill>
-          <a:blip r:embed="rId3">
-            <a:extLst>
-              <a:ext uri="{28A0092B-C50C-407E-A947-70E740481C1C}">
-                <a14:useLocalDpi xmlns:a14="http://schemas.microsoft.com/office/drawing/2010/main" val="0"/>
-              </a:ext>
-            </a:extLst>
-          </a:blip>
-          <a:stretch>
-            <a:fillRect/>
-          </a:stretch>
-        </p:blipFill>
+        <p:txBody>
+          <a:bodyPr/>
+          <a:lstStyle/>
+          <a:p>
+            <a:r>
+              <a:rPr lang="en-US"/>
+              <a:t>Click to edit Master title style</a:t>
+            </a:r>
+            <a:endParaRPr lang="en-US" dirty="0"/>
+          </a:p>
+        </p:txBody>
+      </p:sp>
+      <p:sp>
+        <p:nvSpPr>
+          <p:cNvPr id="3" name="Text Placeholder 2"/>
+          <p:cNvSpPr>
+            <a:spLocks noGrp="1"/>
+          </p:cNvSpPr>
+          <p:nvPr>
+            <p:ph type="body" idx="1"/>
+          </p:nvPr>
+        </p:nvSpPr>
         <p:spPr>
           <a:xfrm>
-            <a:off x="10585826" y="1971234"/>
-            <a:ext cx="1602997" cy="144270"/>
-          </a:xfrm>
-          <a:prstGeom prst="rect">
-            <a:avLst/>
-          </a:prstGeom>
-        </p:spPr>
-      </p:pic>
-      <p:sp>
-        <p:nvSpPr>
-          <p:cNvPr id="12" name="Rectangle 11"/>
-          <p:cNvSpPr/>
-          <p:nvPr/>
-        </p:nvSpPr>
-        <p:spPr bwMode="ltGray">
-          <a:xfrm>
-            <a:off x="0" y="609600"/>
-            <a:ext cx="10437812" cy="1368198"/>
-          </a:xfrm>
-          <a:prstGeom prst="rect">
-            <a:avLst/>
-          </a:prstGeom>
-          <a:solidFill>
-            <a:schemeClr val="bg1">
-              <a:lumMod val="85000"/>
-              <a:lumOff val="15000"/>
-            </a:schemeClr>
-          </a:solidFill>
-          <a:ln>
-            <a:noFill/>
-          </a:ln>
-        </p:spPr>
-        <p:style>
-          <a:lnRef idx="2">
-            <a:schemeClr val="accent1">
-              <a:shade val="50000"/>
-            </a:schemeClr>
-          </a:lnRef>
-          <a:fillRef idx="1">
-            <a:schemeClr val="accent1"/>
-          </a:fillRef>
-          <a:effectRef idx="0">
-            <a:schemeClr val="accent1"/>
-          </a:effectRef>
-          <a:fontRef idx="minor">
-            <a:schemeClr val="lt1"/>
-          </a:fontRef>
-        </p:style>
-      </p:sp>
-      <p:sp>
-        <p:nvSpPr>
-          <p:cNvPr id="13" name="Rectangle 12"/>
-          <p:cNvSpPr/>
-          <p:nvPr/>
-        </p:nvSpPr>
-        <p:spPr>
-          <a:xfrm>
-            <a:off x="10585827" y="609600"/>
-            <a:ext cx="1602997" cy="1368198"/>
-          </a:xfrm>
-          <a:prstGeom prst="rect">
-            <a:avLst/>
-          </a:prstGeom>
-          <a:solidFill>
-            <a:schemeClr val="accent1"/>
-          </a:solidFill>
-          <a:ln>
-            <a:noFill/>
-          </a:ln>
-        </p:spPr>
-        <p:style>
-          <a:lnRef idx="2">
-            <a:schemeClr val="accent1">
-              <a:shade val="50000"/>
-            </a:schemeClr>
-          </a:lnRef>
-          <a:fillRef idx="1">
-            <a:schemeClr val="accent1"/>
-          </a:fillRef>
-          <a:effectRef idx="0">
-            <a:schemeClr val="accent1"/>
-          </a:effectRef>
-          <a:fontRef idx="minor">
-            <a:schemeClr val="lt1"/>
-          </a:fontRef>
-        </p:style>
-      </p:sp>
-      <p:sp>
-        <p:nvSpPr>
-          <p:cNvPr id="2" name="Title 1"/>
-          <p:cNvSpPr>
-            <a:spLocks noGrp="1"/>
-          </p:cNvSpPr>
-          <p:nvPr>
-            <p:ph type="title"/>
-          </p:nvPr>
-        </p:nvSpPr>
-        <p:spPr>
-          <a:xfrm>
-            <a:off x="680319" y="753229"/>
-            <a:ext cx="9613863" cy="1080937"/>
-          </a:xfrm>
-        </p:spPr>
-        <p:txBody>
-          <a:bodyPr/>
-          <a:lstStyle/>
-          <a:p>
-            <a:r>
-              <a:rPr lang="en-US"/>
-              <a:t>Click to edit Master title style</a:t>
-            </a:r>
-            <a:endParaRPr lang="en-US" dirty="0"/>
-          </a:p>
-        </p:txBody>
-      </p:sp>
-      <p:sp>
-        <p:nvSpPr>
-          <p:cNvPr id="3" name="Text Placeholder 2"/>
-          <p:cNvSpPr>
-            <a:spLocks noGrp="1"/>
-          </p:cNvSpPr>
-          <p:nvPr>
-            <p:ph type="body" idx="1"/>
-          </p:nvPr>
-        </p:nvSpPr>
-        <p:spPr>
-          <a:xfrm>
-            <a:off x="906350" y="2336873"/>
-            <a:ext cx="4472327" cy="693135"/>
+            <a:off x="760988" y="2336874"/>
+            <a:ext cx="3145080" cy="693135"/>
           </a:xfrm>
         </p:spPr>
         <p:txBody>
@@ -5695,8 +5898,8 @@
         </p:nvSpPr>
         <p:spPr>
           <a:xfrm>
-            <a:off x="680322" y="3030008"/>
-            <a:ext cx="4698355" cy="2906179"/>
+            <a:off x="531638" y="3030009"/>
+            <a:ext cx="3367045" cy="2906179"/>
           </a:xfrm>
         </p:spPr>
         <p:txBody>
@@ -5752,8 +5955,8 @@
         </p:nvSpPr>
         <p:spPr>
           <a:xfrm>
-            <a:off x="5820154" y="2336873"/>
-            <a:ext cx="4474028" cy="692076"/>
+            <a:off x="4282646" y="2336873"/>
+            <a:ext cx="3145527" cy="692076"/>
           </a:xfrm>
         </p:spPr>
         <p:txBody>
@@ -5817,8 +6020,8 @@
         </p:nvSpPr>
         <p:spPr>
           <a:xfrm>
-            <a:off x="5594123" y="3030008"/>
-            <a:ext cx="4700059" cy="2906179"/>
+            <a:off x="4061129" y="3030009"/>
+            <a:ext cx="3367044" cy="2906179"/>
           </a:xfrm>
         </p:spPr>
         <p:txBody>
@@ -5930,7 +6133,7 @@
     </p:spTree>
     <p:extLst>
       <p:ext uri="{BB962C8B-B14F-4D97-AF65-F5344CB8AC3E}">
-        <p14:creationId xmlns:p14="http://schemas.microsoft.com/office/powerpoint/2010/main" val="278260651"/>
+        <p14:creationId xmlns:p14="http://schemas.microsoft.com/office/powerpoint/2010/main" val="1299254198"/>
       </p:ext>
     </p:extLst>
   </p:cSld>
@@ -5957,145 +6160,158 @@
           <a:chExt cx="0" cy="0"/>
         </a:xfrm>
       </p:grpSpPr>
-      <p:pic>
-        <p:nvPicPr>
-          <p:cNvPr id="6" name="Picture 5" descr="HD-ShadowLong.png"/>
-          <p:cNvPicPr>
-            <a:picLocks noChangeAspect="1"/>
-          </p:cNvPicPr>
+      <p:grpSp>
+        <p:nvGrpSpPr>
+          <p:cNvPr id="15" name="Group 14"/>
+          <p:cNvGrpSpPr/>
           <p:nvPr/>
-        </p:nvPicPr>
-        <p:blipFill>
-          <a:blip r:embed="rId2">
-            <a:extLst>
-              <a:ext uri="{28A0092B-C50C-407E-A947-70E740481C1C}">
-                <a14:useLocalDpi xmlns:a14="http://schemas.microsoft.com/office/drawing/2010/main" val="0"/>
-              </a:ext>
-            </a:extLst>
-          </a:blip>
-          <a:stretch>
-            <a:fillRect/>
-          </a:stretch>
-        </p:blipFill>
-        <p:spPr>
-          <a:xfrm>
-            <a:off x="1" y="1970240"/>
-            <a:ext cx="10437812" cy="321164"/>
-          </a:xfrm>
-          <a:prstGeom prst="rect">
-            <a:avLst/>
-          </a:prstGeom>
-        </p:spPr>
-      </p:pic>
-      <p:pic>
-        <p:nvPicPr>
-          <p:cNvPr id="7" name="Picture 6" descr="HD-ShadowShort.png"/>
-          <p:cNvPicPr>
-            <a:picLocks noChangeAspect="1"/>
-          </p:cNvPicPr>
-          <p:nvPr/>
-        </p:nvPicPr>
-        <p:blipFill>
-          <a:blip r:embed="rId3">
-            <a:extLst>
-              <a:ext uri="{28A0092B-C50C-407E-A947-70E740481C1C}">
-                <a14:useLocalDpi xmlns:a14="http://schemas.microsoft.com/office/drawing/2010/main" val="0"/>
-              </a:ext>
-            </a:extLst>
-          </a:blip>
-          <a:stretch>
-            <a:fillRect/>
-          </a:stretch>
-        </p:blipFill>
-        <p:spPr>
-          <a:xfrm>
-            <a:off x="10585826" y="1971234"/>
-            <a:ext cx="1602997" cy="144270"/>
-          </a:xfrm>
-          <a:prstGeom prst="rect">
-            <a:avLst/>
-          </a:prstGeom>
-        </p:spPr>
-      </p:pic>
-      <p:sp>
-        <p:nvSpPr>
-          <p:cNvPr id="8" name="Rectangle 7"/>
-          <p:cNvSpPr/>
-          <p:nvPr/>
-        </p:nvSpPr>
-        <p:spPr bwMode="ltGray">
+        </p:nvGrpSpPr>
+        <p:grpSpPr>
           <a:xfrm>
             <a:off x="0" y="609600"/>
-            <a:ext cx="10437812" cy="1368198"/>
+            <a:ext cx="9161969" cy="1677035"/>
+            <a:chOff x="0" y="2895600"/>
+            <a:chExt cx="9161969" cy="1677035"/>
           </a:xfrm>
-          <a:prstGeom prst="rect">
-            <a:avLst/>
-          </a:prstGeom>
-          <a:solidFill>
-            <a:schemeClr val="bg1">
-              <a:lumMod val="85000"/>
-              <a:lumOff val="15000"/>
-            </a:schemeClr>
-          </a:solidFill>
-          <a:ln>
-            <a:noFill/>
-          </a:ln>
-        </p:spPr>
-        <p:style>
-          <a:lnRef idx="2">
-            <a:schemeClr val="accent1">
-              <a:shade val="50000"/>
-            </a:schemeClr>
-          </a:lnRef>
-          <a:fillRef idx="1">
-            <a:schemeClr val="accent1"/>
-          </a:fillRef>
-          <a:effectRef idx="0">
-            <a:schemeClr val="accent1"/>
-          </a:effectRef>
-          <a:fontRef idx="minor">
-            <a:schemeClr val="lt1"/>
-          </a:fontRef>
-        </p:style>
-      </p:sp>
-      <p:sp>
-        <p:nvSpPr>
-          <p:cNvPr id="9" name="Rectangle 8"/>
-          <p:cNvSpPr/>
-          <p:nvPr/>
-        </p:nvSpPr>
-        <p:spPr>
-          <a:xfrm>
-            <a:off x="10585827" y="609600"/>
-            <a:ext cx="1602997" cy="1368198"/>
-          </a:xfrm>
-          <a:prstGeom prst="rect">
-            <a:avLst/>
-          </a:prstGeom>
-          <a:solidFill>
-            <a:schemeClr val="accent1"/>
-          </a:solidFill>
-          <a:ln>
-            <a:noFill/>
-          </a:ln>
-        </p:spPr>
-        <p:style>
-          <a:lnRef idx="2">
-            <a:schemeClr val="accent1">
-              <a:shade val="50000"/>
-            </a:schemeClr>
-          </a:lnRef>
-          <a:fillRef idx="1">
-            <a:schemeClr val="accent1"/>
-          </a:fillRef>
-          <a:effectRef idx="0">
-            <a:schemeClr val="accent1"/>
-          </a:effectRef>
-          <a:fontRef idx="minor">
-            <a:schemeClr val="lt1"/>
-          </a:fontRef>
-        </p:style>
-      </p:sp>
+        </p:grpSpPr>
+        <p:pic>
+          <p:nvPicPr>
+            <p:cNvPr id="16" name="Picture 15" descr="HD-ShadowLong.png"/>
+            <p:cNvPicPr>
+              <a:picLocks noChangeAspect="1"/>
+            </p:cNvPicPr>
+            <p:nvPr/>
+          </p:nvPicPr>
+          <p:blipFill rotWithShape="1">
+            <a:blip r:embed="rId2">
+              <a:extLst>
+                <a:ext uri="{28A0092B-C50C-407E-A947-70E740481C1C}">
+                  <a14:useLocalDpi xmlns:a14="http://schemas.microsoft.com/office/drawing/2010/main" val="0"/>
+                </a:ext>
+              </a:extLst>
+            </a:blip>
+            <a:srcRect l="26982" r="-217"/>
+            <a:stretch/>
+          </p:blipFill>
+          <p:spPr>
+            <a:xfrm>
+              <a:off x="0" y="4251471"/>
+              <a:ext cx="7644384" cy="321164"/>
+            </a:xfrm>
+            <a:prstGeom prst="rect">
+              <a:avLst/>
+            </a:prstGeom>
+          </p:spPr>
+        </p:pic>
+        <p:pic>
+          <p:nvPicPr>
+            <p:cNvPr id="17" name="Picture 16" descr="HD-ShadowShort.png"/>
+            <p:cNvPicPr>
+              <a:picLocks noChangeAspect="1"/>
+            </p:cNvPicPr>
+            <p:nvPr/>
+          </p:nvPicPr>
+          <p:blipFill rotWithShape="1">
+            <a:blip r:embed="rId3">
+              <a:extLst>
+                <a:ext uri="{28A0092B-C50C-407E-A947-70E740481C1C}">
+                  <a14:useLocalDpi xmlns:a14="http://schemas.microsoft.com/office/drawing/2010/main" val="0"/>
+                </a:ext>
+              </a:extLst>
+            </a:blip>
+            <a:srcRect r="9871"/>
+            <a:stretch/>
+          </p:blipFill>
+          <p:spPr>
+            <a:xfrm>
+              <a:off x="7717217" y="4259262"/>
+              <a:ext cx="1444752" cy="144270"/>
+            </a:xfrm>
+            <a:prstGeom prst="rect">
+              <a:avLst/>
+            </a:prstGeom>
+          </p:spPr>
+        </p:pic>
+        <p:sp>
+          <p:nvSpPr>
+            <p:cNvPr id="18" name="Rectangle 17"/>
+            <p:cNvSpPr/>
+            <p:nvPr/>
+          </p:nvSpPr>
+          <p:spPr bwMode="ltGray">
+            <a:xfrm>
+              <a:off x="0" y="2895600"/>
+              <a:ext cx="7567140" cy="1368198"/>
+            </a:xfrm>
+            <a:prstGeom prst="rect">
+              <a:avLst/>
+            </a:prstGeom>
+            <a:solidFill>
+              <a:schemeClr val="bg1">
+                <a:lumMod val="85000"/>
+                <a:lumOff val="15000"/>
+              </a:schemeClr>
+            </a:solidFill>
+            <a:ln>
+              <a:noFill/>
+            </a:ln>
+          </p:spPr>
+          <p:style>
+            <a:lnRef idx="2">
+              <a:schemeClr val="accent1">
+                <a:shade val="50000"/>
+              </a:schemeClr>
+            </a:lnRef>
+            <a:fillRef idx="1">
+              <a:schemeClr val="accent1"/>
+            </a:fillRef>
+            <a:effectRef idx="0">
+              <a:schemeClr val="accent1"/>
+            </a:effectRef>
+            <a:fontRef idx="minor">
+              <a:schemeClr val="lt1"/>
+            </a:fontRef>
+          </p:style>
+        </p:sp>
+        <p:sp>
+          <p:nvSpPr>
+            <p:cNvPr id="19" name="Rectangle 18"/>
+            <p:cNvSpPr/>
+            <p:nvPr/>
+          </p:nvSpPr>
+          <p:spPr>
+            <a:xfrm>
+              <a:off x="7710769" y="2895600"/>
+              <a:ext cx="1433231" cy="1368198"/>
+            </a:xfrm>
+            <a:prstGeom prst="rect">
+              <a:avLst/>
+            </a:prstGeom>
+            <a:solidFill>
+              <a:schemeClr val="accent1"/>
+            </a:solidFill>
+            <a:ln>
+              <a:noFill/>
+            </a:ln>
+          </p:spPr>
+          <p:style>
+            <a:lnRef idx="2">
+              <a:schemeClr val="accent1">
+                <a:shade val="50000"/>
+              </a:schemeClr>
+            </a:lnRef>
+            <a:fillRef idx="1">
+              <a:schemeClr val="accent1"/>
+            </a:fillRef>
+            <a:effectRef idx="0">
+              <a:schemeClr val="accent1"/>
+            </a:effectRef>
+            <a:fontRef idx="minor">
+              <a:schemeClr val="lt1"/>
+            </a:fontRef>
+          </p:style>
+        </p:sp>
+      </p:grpSp>
       <p:sp>
         <p:nvSpPr>
           <p:cNvPr id="2" name="Title 1"/>
@@ -6187,7 +6403,7 @@
     </p:spTree>
     <p:extLst>
       <p:ext uri="{BB962C8B-B14F-4D97-AF65-F5344CB8AC3E}">
-        <p14:creationId xmlns:p14="http://schemas.microsoft.com/office/powerpoint/2010/main" val="1163429344"/>
+        <p14:creationId xmlns:p14="http://schemas.microsoft.com/office/powerpoint/2010/main" val="2085792565"/>
       </p:ext>
     </p:extLst>
   </p:cSld>
@@ -6216,13 +6432,13 @@
       </p:grpSpPr>
       <p:pic>
         <p:nvPicPr>
-          <p:cNvPr id="5" name="Picture 4" descr="HD-ShadowShort.png"/>
+          <p:cNvPr id="12" name="Picture 11" descr="HD-ShadowShort.png"/>
           <p:cNvPicPr>
             <a:picLocks noChangeAspect="1"/>
           </p:cNvPicPr>
           <p:nvPr/>
         </p:nvPicPr>
-        <p:blipFill>
+        <p:blipFill rotWithShape="1">
           <a:blip r:embed="rId2">
             <a:extLst>
               <a:ext uri="{28A0092B-C50C-407E-A947-70E740481C1C}">
@@ -6230,14 +6446,13 @@
               </a:ext>
             </a:extLst>
           </a:blip>
-          <a:stretch>
-            <a:fillRect/>
-          </a:stretch>
+          <a:srcRect r="9871"/>
+          <a:stretch/>
         </p:blipFill>
         <p:spPr>
           <a:xfrm>
-            <a:off x="10585826" y="1971234"/>
-            <a:ext cx="1602997" cy="144270"/>
+            <a:off x="7717217" y="1973262"/>
+            <a:ext cx="1444752" cy="144270"/>
           </a:xfrm>
           <a:prstGeom prst="rect">
             <a:avLst/>
@@ -6246,14 +6461,14 @@
       </p:pic>
       <p:sp>
         <p:nvSpPr>
-          <p:cNvPr id="6" name="Rectangle 5"/>
+          <p:cNvPr id="14" name="Rectangle 13"/>
           <p:cNvSpPr/>
           <p:nvPr/>
         </p:nvSpPr>
         <p:spPr>
           <a:xfrm>
-            <a:off x="10585827" y="609600"/>
-            <a:ext cx="1602997" cy="1368198"/>
+            <a:off x="7710769" y="609600"/>
+            <a:ext cx="1433231" cy="1368198"/>
           </a:xfrm>
           <a:prstGeom prst="rect">
             <a:avLst/>
@@ -6350,7 +6565,7 @@
     </p:spTree>
     <p:extLst>
       <p:ext uri="{BB962C8B-B14F-4D97-AF65-F5344CB8AC3E}">
-        <p14:creationId xmlns:p14="http://schemas.microsoft.com/office/powerpoint/2010/main" val="2661702904"/>
+        <p14:creationId xmlns:p14="http://schemas.microsoft.com/office/powerpoint/2010/main" val="2741166239"/>
       </p:ext>
     </p:extLst>
   </p:cSld>
@@ -6377,159 +6592,172 @@
           <a:chExt cx="0" cy="0"/>
         </a:xfrm>
       </p:grpSpPr>
-      <p:pic>
-        <p:nvPicPr>
-          <p:cNvPr id="8" name="Picture 7" descr="HD-ShadowLong.png"/>
-          <p:cNvPicPr>
-            <a:picLocks noChangeAspect="1"/>
-          </p:cNvPicPr>
+      <p:grpSp>
+        <p:nvGrpSpPr>
+          <p:cNvPr id="17" name="Group 16"/>
+          <p:cNvGrpSpPr/>
           <p:nvPr/>
-        </p:nvPicPr>
-        <p:blipFill>
-          <a:blip r:embed="rId2">
-            <a:extLst>
-              <a:ext uri="{28A0092B-C50C-407E-A947-70E740481C1C}">
-                <a14:useLocalDpi xmlns:a14="http://schemas.microsoft.com/office/drawing/2010/main" val="0"/>
-              </a:ext>
-            </a:extLst>
-          </a:blip>
-          <a:stretch>
-            <a:fillRect/>
-          </a:stretch>
-        </p:blipFill>
+        </p:nvGrpSpPr>
+        <p:grpSpPr>
+          <a:xfrm>
+            <a:off x="0" y="609600"/>
+            <a:ext cx="9161969" cy="1677035"/>
+            <a:chOff x="0" y="2895600"/>
+            <a:chExt cx="9161969" cy="1677035"/>
+          </a:xfrm>
+        </p:grpSpPr>
+        <p:pic>
+          <p:nvPicPr>
+            <p:cNvPr id="18" name="Picture 17" descr="HD-ShadowLong.png"/>
+            <p:cNvPicPr>
+              <a:picLocks noChangeAspect="1"/>
+            </p:cNvPicPr>
+            <p:nvPr/>
+          </p:nvPicPr>
+          <p:blipFill rotWithShape="1">
+            <a:blip r:embed="rId2">
+              <a:extLst>
+                <a:ext uri="{28A0092B-C50C-407E-A947-70E740481C1C}">
+                  <a14:useLocalDpi xmlns:a14="http://schemas.microsoft.com/office/drawing/2010/main" val="0"/>
+                </a:ext>
+              </a:extLst>
+            </a:blip>
+            <a:srcRect l="26982" r="-217"/>
+            <a:stretch/>
+          </p:blipFill>
+          <p:spPr>
+            <a:xfrm>
+              <a:off x="0" y="4251471"/>
+              <a:ext cx="7644384" cy="321164"/>
+            </a:xfrm>
+            <a:prstGeom prst="rect">
+              <a:avLst/>
+            </a:prstGeom>
+          </p:spPr>
+        </p:pic>
+        <p:pic>
+          <p:nvPicPr>
+            <p:cNvPr id="19" name="Picture 18" descr="HD-ShadowShort.png"/>
+            <p:cNvPicPr>
+              <a:picLocks noChangeAspect="1"/>
+            </p:cNvPicPr>
+            <p:nvPr/>
+          </p:nvPicPr>
+          <p:blipFill rotWithShape="1">
+            <a:blip r:embed="rId3">
+              <a:extLst>
+                <a:ext uri="{28A0092B-C50C-407E-A947-70E740481C1C}">
+                  <a14:useLocalDpi xmlns:a14="http://schemas.microsoft.com/office/drawing/2010/main" val="0"/>
+                </a:ext>
+              </a:extLst>
+            </a:blip>
+            <a:srcRect r="9871"/>
+            <a:stretch/>
+          </p:blipFill>
+          <p:spPr>
+            <a:xfrm>
+              <a:off x="7717217" y="4259262"/>
+              <a:ext cx="1444752" cy="144270"/>
+            </a:xfrm>
+            <a:prstGeom prst="rect">
+              <a:avLst/>
+            </a:prstGeom>
+          </p:spPr>
+        </p:pic>
+        <p:sp>
+          <p:nvSpPr>
+            <p:cNvPr id="20" name="Rectangle 19"/>
+            <p:cNvSpPr/>
+            <p:nvPr/>
+          </p:nvSpPr>
+          <p:spPr bwMode="ltGray">
+            <a:xfrm>
+              <a:off x="0" y="2895600"/>
+              <a:ext cx="7567140" cy="1368198"/>
+            </a:xfrm>
+            <a:prstGeom prst="rect">
+              <a:avLst/>
+            </a:prstGeom>
+            <a:solidFill>
+              <a:schemeClr val="bg1">
+                <a:lumMod val="85000"/>
+                <a:lumOff val="15000"/>
+              </a:schemeClr>
+            </a:solidFill>
+            <a:ln>
+              <a:noFill/>
+            </a:ln>
+          </p:spPr>
+          <p:style>
+            <a:lnRef idx="2">
+              <a:schemeClr val="accent1">
+                <a:shade val="50000"/>
+              </a:schemeClr>
+            </a:lnRef>
+            <a:fillRef idx="1">
+              <a:schemeClr val="accent1"/>
+            </a:fillRef>
+            <a:effectRef idx="0">
+              <a:schemeClr val="accent1"/>
+            </a:effectRef>
+            <a:fontRef idx="minor">
+              <a:schemeClr val="lt1"/>
+            </a:fontRef>
+          </p:style>
+        </p:sp>
+        <p:sp>
+          <p:nvSpPr>
+            <p:cNvPr id="21" name="Rectangle 20"/>
+            <p:cNvSpPr/>
+            <p:nvPr/>
+          </p:nvSpPr>
+          <p:spPr>
+            <a:xfrm>
+              <a:off x="7710769" y="2895600"/>
+              <a:ext cx="1433231" cy="1368198"/>
+            </a:xfrm>
+            <a:prstGeom prst="rect">
+              <a:avLst/>
+            </a:prstGeom>
+            <a:solidFill>
+              <a:schemeClr val="accent1"/>
+            </a:solidFill>
+            <a:ln>
+              <a:noFill/>
+            </a:ln>
+          </p:spPr>
+          <p:style>
+            <a:lnRef idx="2">
+              <a:schemeClr val="accent1">
+                <a:shade val="50000"/>
+              </a:schemeClr>
+            </a:lnRef>
+            <a:fillRef idx="1">
+              <a:schemeClr val="accent1"/>
+            </a:fillRef>
+            <a:effectRef idx="0">
+              <a:schemeClr val="accent1"/>
+            </a:effectRef>
+            <a:fontRef idx="minor">
+              <a:schemeClr val="lt1"/>
+            </a:fontRef>
+          </p:style>
+        </p:sp>
+      </p:grpSp>
+      <p:sp>
+        <p:nvSpPr>
+          <p:cNvPr id="2" name="Title 1"/>
+          <p:cNvSpPr>
+            <a:spLocks noGrp="1"/>
+          </p:cNvSpPr>
+          <p:nvPr>
+            <p:ph type="title"/>
+          </p:nvPr>
+        </p:nvSpPr>
         <p:spPr>
           <a:xfrm>
-            <a:off x="1" y="1970240"/>
-            <a:ext cx="10437812" cy="321164"/>
-          </a:xfrm>
-          <a:prstGeom prst="rect">
-            <a:avLst/>
-          </a:prstGeom>
-        </p:spPr>
-      </p:pic>
-      <p:pic>
-        <p:nvPicPr>
-          <p:cNvPr id="9" name="Picture 8" descr="HD-ShadowShort.png"/>
-          <p:cNvPicPr>
-            <a:picLocks noChangeAspect="1"/>
-          </p:cNvPicPr>
-          <p:nvPr/>
-        </p:nvPicPr>
-        <p:blipFill>
-          <a:blip r:embed="rId3">
-            <a:extLst>
-              <a:ext uri="{28A0092B-C50C-407E-A947-70E740481C1C}">
-                <a14:useLocalDpi xmlns:a14="http://schemas.microsoft.com/office/drawing/2010/main" val="0"/>
-              </a:ext>
-            </a:extLst>
-          </a:blip>
-          <a:stretch>
-            <a:fillRect/>
-          </a:stretch>
-        </p:blipFill>
-        <p:spPr>
-          <a:xfrm>
-            <a:off x="10585826" y="1971234"/>
-            <a:ext cx="1602997" cy="144270"/>
-          </a:xfrm>
-          <a:prstGeom prst="rect">
-            <a:avLst/>
-          </a:prstGeom>
-        </p:spPr>
-      </p:pic>
-      <p:sp>
-        <p:nvSpPr>
-          <p:cNvPr id="10" name="Rectangle 9"/>
-          <p:cNvSpPr/>
-          <p:nvPr/>
-        </p:nvSpPr>
-        <p:spPr bwMode="ltGray">
-          <a:xfrm>
-            <a:off x="0" y="609600"/>
-            <a:ext cx="10437812" cy="1368198"/>
-          </a:xfrm>
-          <a:prstGeom prst="rect">
-            <a:avLst/>
-          </a:prstGeom>
-          <a:solidFill>
-            <a:schemeClr val="bg1">
-              <a:lumMod val="85000"/>
-              <a:lumOff val="15000"/>
-            </a:schemeClr>
-          </a:solidFill>
-          <a:ln>
-            <a:noFill/>
-          </a:ln>
-        </p:spPr>
-        <p:style>
-          <a:lnRef idx="2">
-            <a:schemeClr val="accent1">
-              <a:shade val="50000"/>
-            </a:schemeClr>
-          </a:lnRef>
-          <a:fillRef idx="1">
-            <a:schemeClr val="accent1"/>
-          </a:fillRef>
-          <a:effectRef idx="0">
-            <a:schemeClr val="accent1"/>
-          </a:effectRef>
-          <a:fontRef idx="minor">
-            <a:schemeClr val="lt1"/>
-          </a:fontRef>
-        </p:style>
-      </p:sp>
-      <p:sp>
-        <p:nvSpPr>
-          <p:cNvPr id="11" name="Rectangle 10"/>
-          <p:cNvSpPr/>
-          <p:nvPr/>
-        </p:nvSpPr>
-        <p:spPr>
-          <a:xfrm>
-            <a:off x="10585827" y="609600"/>
-            <a:ext cx="1602997" cy="1368198"/>
-          </a:xfrm>
-          <a:prstGeom prst="rect">
-            <a:avLst/>
-          </a:prstGeom>
-          <a:solidFill>
-            <a:schemeClr val="accent1"/>
-          </a:solidFill>
-          <a:ln>
-            <a:noFill/>
-          </a:ln>
-        </p:spPr>
-        <p:style>
-          <a:lnRef idx="2">
-            <a:schemeClr val="accent1">
-              <a:shade val="50000"/>
-            </a:schemeClr>
-          </a:lnRef>
-          <a:fillRef idx="1">
-            <a:schemeClr val="accent1"/>
-          </a:fillRef>
-          <a:effectRef idx="0">
-            <a:schemeClr val="accent1"/>
-          </a:effectRef>
-          <a:fontRef idx="minor">
-            <a:schemeClr val="lt1"/>
-          </a:fontRef>
-        </p:style>
-      </p:sp>
-      <p:sp>
-        <p:nvSpPr>
-          <p:cNvPr id="2" name="Title 1"/>
-          <p:cNvSpPr>
-            <a:spLocks noGrp="1"/>
-          </p:cNvSpPr>
-          <p:nvPr>
-            <p:ph type="title"/>
-          </p:nvPr>
-        </p:nvSpPr>
-        <p:spPr>
-          <a:xfrm>
-            <a:off x="680321" y="753227"/>
-            <a:ext cx="9613859" cy="1080940"/>
+            <a:off x="531639" y="753227"/>
+            <a:ext cx="6896534" cy="1080940"/>
           </a:xfrm>
         </p:spPr>
         <p:txBody>
@@ -6562,8 +6790,8 @@
         </p:nvSpPr>
         <p:spPr>
           <a:xfrm>
-            <a:off x="4685846" y="2336873"/>
-            <a:ext cx="5608336" cy="3599313"/>
+            <a:off x="3514385" y="2336874"/>
+            <a:ext cx="3913788" cy="3599313"/>
           </a:xfrm>
         </p:spPr>
         <p:txBody>
@@ -6619,8 +6847,8 @@
         </p:nvSpPr>
         <p:spPr>
           <a:xfrm>
-            <a:off x="680322" y="2336872"/>
-            <a:ext cx="3790078" cy="3599317"/>
+            <a:off x="533401" y="2336873"/>
+            <a:ext cx="2796240" cy="3599317"/>
           </a:xfrm>
         </p:spPr>
         <p:txBody>
@@ -6740,7 +6968,7 @@
     </p:spTree>
     <p:extLst>
       <p:ext uri="{BB962C8B-B14F-4D97-AF65-F5344CB8AC3E}">
-        <p14:creationId xmlns:p14="http://schemas.microsoft.com/office/powerpoint/2010/main" val="83793338"/>
+        <p14:creationId xmlns:p14="http://schemas.microsoft.com/office/powerpoint/2010/main" val="1824469772"/>
       </p:ext>
     </p:extLst>
   </p:cSld>
@@ -6767,159 +6995,172 @@
           <a:chExt cx="0" cy="0"/>
         </a:xfrm>
       </p:grpSpPr>
-      <p:pic>
-        <p:nvPicPr>
-          <p:cNvPr id="8" name="Picture 7" descr="HD-ShadowLong.png"/>
-          <p:cNvPicPr>
-            <a:picLocks noChangeAspect="1"/>
-          </p:cNvPicPr>
+      <p:grpSp>
+        <p:nvGrpSpPr>
+          <p:cNvPr id="17" name="Group 16"/>
+          <p:cNvGrpSpPr/>
           <p:nvPr/>
-        </p:nvPicPr>
-        <p:blipFill>
-          <a:blip r:embed="rId2">
-            <a:extLst>
-              <a:ext uri="{28A0092B-C50C-407E-A947-70E740481C1C}">
-                <a14:useLocalDpi xmlns:a14="http://schemas.microsoft.com/office/drawing/2010/main" val="0"/>
-              </a:ext>
-            </a:extLst>
-          </a:blip>
-          <a:stretch>
-            <a:fillRect/>
-          </a:stretch>
-        </p:blipFill>
+        </p:nvGrpSpPr>
+        <p:grpSpPr>
+          <a:xfrm>
+            <a:off x="0" y="609600"/>
+            <a:ext cx="9161969" cy="1677035"/>
+            <a:chOff x="0" y="2895600"/>
+            <a:chExt cx="9161969" cy="1677035"/>
+          </a:xfrm>
+        </p:grpSpPr>
+        <p:pic>
+          <p:nvPicPr>
+            <p:cNvPr id="18" name="Picture 17" descr="HD-ShadowLong.png"/>
+            <p:cNvPicPr>
+              <a:picLocks noChangeAspect="1"/>
+            </p:cNvPicPr>
+            <p:nvPr/>
+          </p:nvPicPr>
+          <p:blipFill rotWithShape="1">
+            <a:blip r:embed="rId2">
+              <a:extLst>
+                <a:ext uri="{28A0092B-C50C-407E-A947-70E740481C1C}">
+                  <a14:useLocalDpi xmlns:a14="http://schemas.microsoft.com/office/drawing/2010/main" val="0"/>
+                </a:ext>
+              </a:extLst>
+            </a:blip>
+            <a:srcRect l="26982" r="-217"/>
+            <a:stretch/>
+          </p:blipFill>
+          <p:spPr>
+            <a:xfrm>
+              <a:off x="0" y="4251471"/>
+              <a:ext cx="7644384" cy="321164"/>
+            </a:xfrm>
+            <a:prstGeom prst="rect">
+              <a:avLst/>
+            </a:prstGeom>
+          </p:spPr>
+        </p:pic>
+        <p:pic>
+          <p:nvPicPr>
+            <p:cNvPr id="19" name="Picture 18" descr="HD-ShadowShort.png"/>
+            <p:cNvPicPr>
+              <a:picLocks noChangeAspect="1"/>
+            </p:cNvPicPr>
+            <p:nvPr/>
+          </p:nvPicPr>
+          <p:blipFill rotWithShape="1">
+            <a:blip r:embed="rId3">
+              <a:extLst>
+                <a:ext uri="{28A0092B-C50C-407E-A947-70E740481C1C}">
+                  <a14:useLocalDpi xmlns:a14="http://schemas.microsoft.com/office/drawing/2010/main" val="0"/>
+                </a:ext>
+              </a:extLst>
+            </a:blip>
+            <a:srcRect r="9871"/>
+            <a:stretch/>
+          </p:blipFill>
+          <p:spPr>
+            <a:xfrm>
+              <a:off x="7717217" y="4259262"/>
+              <a:ext cx="1444752" cy="144270"/>
+            </a:xfrm>
+            <a:prstGeom prst="rect">
+              <a:avLst/>
+            </a:prstGeom>
+          </p:spPr>
+        </p:pic>
+        <p:sp>
+          <p:nvSpPr>
+            <p:cNvPr id="20" name="Rectangle 19"/>
+            <p:cNvSpPr/>
+            <p:nvPr/>
+          </p:nvSpPr>
+          <p:spPr bwMode="ltGray">
+            <a:xfrm>
+              <a:off x="0" y="2895600"/>
+              <a:ext cx="7567140" cy="1368198"/>
+            </a:xfrm>
+            <a:prstGeom prst="rect">
+              <a:avLst/>
+            </a:prstGeom>
+            <a:solidFill>
+              <a:schemeClr val="bg1">
+                <a:lumMod val="85000"/>
+                <a:lumOff val="15000"/>
+              </a:schemeClr>
+            </a:solidFill>
+            <a:ln>
+              <a:noFill/>
+            </a:ln>
+          </p:spPr>
+          <p:style>
+            <a:lnRef idx="2">
+              <a:schemeClr val="accent1">
+                <a:shade val="50000"/>
+              </a:schemeClr>
+            </a:lnRef>
+            <a:fillRef idx="1">
+              <a:schemeClr val="accent1"/>
+            </a:fillRef>
+            <a:effectRef idx="0">
+              <a:schemeClr val="accent1"/>
+            </a:effectRef>
+            <a:fontRef idx="minor">
+              <a:schemeClr val="lt1"/>
+            </a:fontRef>
+          </p:style>
+        </p:sp>
+        <p:sp>
+          <p:nvSpPr>
+            <p:cNvPr id="21" name="Rectangle 20"/>
+            <p:cNvSpPr/>
+            <p:nvPr/>
+          </p:nvSpPr>
+          <p:spPr>
+            <a:xfrm>
+              <a:off x="7710769" y="2895600"/>
+              <a:ext cx="1433231" cy="1368198"/>
+            </a:xfrm>
+            <a:prstGeom prst="rect">
+              <a:avLst/>
+            </a:prstGeom>
+            <a:solidFill>
+              <a:schemeClr val="accent1"/>
+            </a:solidFill>
+            <a:ln>
+              <a:noFill/>
+            </a:ln>
+          </p:spPr>
+          <p:style>
+            <a:lnRef idx="2">
+              <a:schemeClr val="accent1">
+                <a:shade val="50000"/>
+              </a:schemeClr>
+            </a:lnRef>
+            <a:fillRef idx="1">
+              <a:schemeClr val="accent1"/>
+            </a:fillRef>
+            <a:effectRef idx="0">
+              <a:schemeClr val="accent1"/>
+            </a:effectRef>
+            <a:fontRef idx="minor">
+              <a:schemeClr val="lt1"/>
+            </a:fontRef>
+          </p:style>
+        </p:sp>
+      </p:grpSp>
+      <p:sp>
+        <p:nvSpPr>
+          <p:cNvPr id="2" name="Title 1"/>
+          <p:cNvSpPr>
+            <a:spLocks noGrp="1"/>
+          </p:cNvSpPr>
+          <p:nvPr>
+            <p:ph type="title"/>
+          </p:nvPr>
+        </p:nvSpPr>
         <p:spPr>
           <a:xfrm>
-            <a:off x="1" y="1970240"/>
-            <a:ext cx="10437812" cy="321164"/>
-          </a:xfrm>
-          <a:prstGeom prst="rect">
-            <a:avLst/>
-          </a:prstGeom>
-        </p:spPr>
-      </p:pic>
-      <p:pic>
-        <p:nvPicPr>
-          <p:cNvPr id="9" name="Picture 8" descr="HD-ShadowShort.png"/>
-          <p:cNvPicPr>
-            <a:picLocks noChangeAspect="1"/>
-          </p:cNvPicPr>
-          <p:nvPr/>
-        </p:nvPicPr>
-        <p:blipFill>
-          <a:blip r:embed="rId3">
-            <a:extLst>
-              <a:ext uri="{28A0092B-C50C-407E-A947-70E740481C1C}">
-                <a14:useLocalDpi xmlns:a14="http://schemas.microsoft.com/office/drawing/2010/main" val="0"/>
-              </a:ext>
-            </a:extLst>
-          </a:blip>
-          <a:stretch>
-            <a:fillRect/>
-          </a:stretch>
-        </p:blipFill>
-        <p:spPr>
-          <a:xfrm>
-            <a:off x="10585826" y="1971234"/>
-            <a:ext cx="1602997" cy="144270"/>
-          </a:xfrm>
-          <a:prstGeom prst="rect">
-            <a:avLst/>
-          </a:prstGeom>
-        </p:spPr>
-      </p:pic>
-      <p:sp>
-        <p:nvSpPr>
-          <p:cNvPr id="10" name="Rectangle 9"/>
-          <p:cNvSpPr/>
-          <p:nvPr/>
-        </p:nvSpPr>
-        <p:spPr bwMode="ltGray">
-          <a:xfrm>
-            <a:off x="0" y="609600"/>
-            <a:ext cx="10437812" cy="1368198"/>
-          </a:xfrm>
-          <a:prstGeom prst="rect">
-            <a:avLst/>
-          </a:prstGeom>
-          <a:solidFill>
-            <a:schemeClr val="bg1">
-              <a:lumMod val="85000"/>
-              <a:lumOff val="15000"/>
-            </a:schemeClr>
-          </a:solidFill>
-          <a:ln>
-            <a:noFill/>
-          </a:ln>
-        </p:spPr>
-        <p:style>
-          <a:lnRef idx="2">
-            <a:schemeClr val="accent1">
-              <a:shade val="50000"/>
-            </a:schemeClr>
-          </a:lnRef>
-          <a:fillRef idx="1">
-            <a:schemeClr val="accent1"/>
-          </a:fillRef>
-          <a:effectRef idx="0">
-            <a:schemeClr val="accent1"/>
-          </a:effectRef>
-          <a:fontRef idx="minor">
-            <a:schemeClr val="lt1"/>
-          </a:fontRef>
-        </p:style>
-      </p:sp>
-      <p:sp>
-        <p:nvSpPr>
-          <p:cNvPr id="11" name="Rectangle 10"/>
-          <p:cNvSpPr/>
-          <p:nvPr/>
-        </p:nvSpPr>
-        <p:spPr>
-          <a:xfrm>
-            <a:off x="10585827" y="609600"/>
-            <a:ext cx="1602997" cy="1368198"/>
-          </a:xfrm>
-          <a:prstGeom prst="rect">
-            <a:avLst/>
-          </a:prstGeom>
-          <a:solidFill>
-            <a:schemeClr val="accent1"/>
-          </a:solidFill>
-          <a:ln>
-            <a:noFill/>
-          </a:ln>
-        </p:spPr>
-        <p:style>
-          <a:lnRef idx="2">
-            <a:schemeClr val="accent1">
-              <a:shade val="50000"/>
-            </a:schemeClr>
-          </a:lnRef>
-          <a:fillRef idx="1">
-            <a:schemeClr val="accent1"/>
-          </a:fillRef>
-          <a:effectRef idx="0">
-            <a:schemeClr val="accent1"/>
-          </a:effectRef>
-          <a:fontRef idx="minor">
-            <a:schemeClr val="lt1"/>
-          </a:fontRef>
-        </p:style>
-      </p:sp>
-      <p:sp>
-        <p:nvSpPr>
-          <p:cNvPr id="2" name="Title 1"/>
-          <p:cNvSpPr>
-            <a:spLocks noGrp="1"/>
-          </p:cNvSpPr>
-          <p:nvPr>
-            <p:ph type="title"/>
-          </p:nvPr>
-        </p:nvSpPr>
-        <p:spPr>
-          <a:xfrm>
-            <a:off x="680323" y="753228"/>
-            <a:ext cx="9613857" cy="1080938"/>
+            <a:off x="531639" y="753228"/>
+            <a:ext cx="6896534" cy="1080938"/>
           </a:xfrm>
         </p:spPr>
         <p:txBody>
@@ -6952,8 +7193,8 @@
         </p:nvSpPr>
         <p:spPr>
           <a:xfrm>
-            <a:off x="4868333" y="2336874"/>
-            <a:ext cx="5425849" cy="3599312"/>
+            <a:off x="3510956" y="2336874"/>
+            <a:ext cx="3917217" cy="3599312"/>
           </a:xfrm>
           <a:noFill/>
           <a:ln>
@@ -7028,8 +7269,8 @@
         </p:nvSpPr>
         <p:spPr>
           <a:xfrm>
-            <a:off x="680323" y="2336873"/>
-            <a:ext cx="3876256" cy="3599315"/>
+            <a:off x="531638" y="2336874"/>
+            <a:ext cx="2798487" cy="3599315"/>
           </a:xfrm>
         </p:spPr>
         <p:txBody>
@@ -7149,7 +7390,7 @@
     </p:spTree>
     <p:extLst>
       <p:ext uri="{BB962C8B-B14F-4D97-AF65-F5344CB8AC3E}">
-        <p14:creationId xmlns:p14="http://schemas.microsoft.com/office/powerpoint/2010/main" val="2588808573"/>
+        <p14:creationId xmlns:p14="http://schemas.microsoft.com/office/powerpoint/2010/main" val="1082089065"/>
       </p:ext>
     </p:extLst>
   </p:cSld>
@@ -7183,9 +7424,9 @@
       </p:grpSpPr>
       <p:pic>
         <p:nvPicPr>
-          <p:cNvPr id="7" name="Picture 6" descr="hashOverlay-FullResolve.png"/>
+          <p:cNvPr id="1027" name="Picture 3" descr="C:\Users\James\Desktop\msft\Berlin\build Assets\hashOverlaySD-FullResolve.png"/>
           <p:cNvPicPr>
-            <a:picLocks noChangeAspect="1"/>
+            <a:picLocks noChangeAspect="1" noChangeArrowheads="1"/>
           </p:cNvPicPr>
           <p:nvPr/>
         </p:nvPicPr>
@@ -7198,73 +7439,83 @@
               </a:ext>
             </a:extLst>
           </a:blip>
+          <a:srcRect/>
           <a:stretch>
             <a:fillRect/>
           </a:stretch>
         </p:blipFill>
+        <p:spPr bwMode="auto">
+          <a:xfrm>
+            <a:off x="0" y="1"/>
+            <a:ext cx="9144000" cy="6858000"/>
+          </a:xfrm>
+          <a:prstGeom prst="rect">
+            <a:avLst/>
+          </a:prstGeom>
+          <a:extLst>
+            <a:ext uri="{909E8E84-426E-40dd-AFC4-6F175D3DCCD1}">
+              <a14:hiddenFill xmlns:a14="http://schemas.microsoft.com/office/drawing/2010/main" xmlns="">
+                <a:solidFill>
+                  <a:srgbClr val="FFFFFF"/>
+                </a:solidFill>
+              </a14:hiddenFill>
+            </a:ext>
+          </a:extLst>
+        </p:spPr>
+      </p:pic>
+      <p:sp>
+        <p:nvSpPr>
+          <p:cNvPr id="2" name="Title Placeholder 1"/>
+          <p:cNvSpPr>
+            <a:spLocks noGrp="1"/>
+          </p:cNvSpPr>
+          <p:nvPr>
+            <p:ph type="title"/>
+          </p:nvPr>
+        </p:nvSpPr>
         <p:spPr>
           <a:xfrm>
-            <a:off x="0" y="0"/>
-            <a:ext cx="12192000" cy="6858000"/>
+            <a:off x="531639" y="753228"/>
+            <a:ext cx="6896534" cy="1080938"/>
           </a:xfrm>
           <a:prstGeom prst="rect">
             <a:avLst/>
           </a:prstGeom>
         </p:spPr>
-      </p:pic>
-      <p:sp>
-        <p:nvSpPr>
-          <p:cNvPr id="2" name="Title Placeholder 1"/>
-          <p:cNvSpPr>
-            <a:spLocks noGrp="1"/>
-          </p:cNvSpPr>
-          <p:nvPr>
-            <p:ph type="title"/>
+        <p:txBody>
+          <a:bodyPr vert="horz" lIns="91440" tIns="45720" rIns="91440" bIns="45720" rtlCol="0" anchor="ctr">
+            <a:normAutofit/>
+          </a:bodyPr>
+          <a:lstStyle/>
+          <a:p>
+            <a:r>
+              <a:rPr lang="en-US"/>
+              <a:t>Click to edit Master title style</a:t>
+            </a:r>
+            <a:endParaRPr lang="en-US" dirty="0"/>
+          </a:p>
+        </p:txBody>
+      </p:sp>
+      <p:sp>
+        <p:nvSpPr>
+          <p:cNvPr id="3" name="Text Placeholder 2"/>
+          <p:cNvSpPr>
+            <a:spLocks noGrp="1"/>
+          </p:cNvSpPr>
+          <p:nvPr>
+            <p:ph type="body" idx="1"/>
           </p:nvPr>
         </p:nvSpPr>
         <p:spPr>
           <a:xfrm>
-            <a:off x="680321" y="753228"/>
-            <a:ext cx="9613861" cy="1080938"/>
+            <a:off x="533400" y="2336873"/>
+            <a:ext cx="6887389" cy="3599316"/>
           </a:xfrm>
           <a:prstGeom prst="rect">
             <a:avLst/>
           </a:prstGeom>
         </p:spPr>
         <p:txBody>
-          <a:bodyPr vert="horz" lIns="91440" tIns="45720" rIns="91440" bIns="45720" rtlCol="0" anchor="ctr">
-            <a:normAutofit/>
-          </a:bodyPr>
-          <a:lstStyle/>
-          <a:p>
-            <a:r>
-              <a:rPr lang="en-US"/>
-              <a:t>Click to edit Master title style</a:t>
-            </a:r>
-            <a:endParaRPr lang="en-US" dirty="0"/>
-          </a:p>
-        </p:txBody>
-      </p:sp>
-      <p:sp>
-        <p:nvSpPr>
-          <p:cNvPr id="3" name="Text Placeholder 2"/>
-          <p:cNvSpPr>
-            <a:spLocks noGrp="1"/>
-          </p:cNvSpPr>
-          <p:nvPr>
-            <p:ph type="body" idx="1"/>
-          </p:nvPr>
-        </p:nvSpPr>
-        <p:spPr>
-          <a:xfrm>
-            <a:off x="680321" y="2336873"/>
-            <a:ext cx="9613861" cy="3599316"/>
-          </a:xfrm>
-          <a:prstGeom prst="rect">
-            <a:avLst/>
-          </a:prstGeom>
-        </p:spPr>
-        <p:txBody>
           <a:bodyPr vert="horz" lIns="91440" tIns="45720" rIns="91440" bIns="45720" rtlCol="0">
             <a:normAutofit/>
           </a:bodyPr>
@@ -7319,8 +7570,8 @@
         </p:nvSpPr>
         <p:spPr>
           <a:xfrm>
-            <a:off x="7550981" y="5936187"/>
-            <a:ext cx="2743200" cy="365125"/>
+            <a:off x="5367881" y="5936188"/>
+            <a:ext cx="2057400" cy="365125"/>
           </a:xfrm>
           <a:prstGeom prst="rect">
             <a:avLst/>
@@ -7360,8 +7611,8 @@
         </p:nvSpPr>
         <p:spPr>
           <a:xfrm>
-            <a:off x="680321" y="5936188"/>
-            <a:ext cx="6870660" cy="365125"/>
+            <a:off x="533400" y="5936189"/>
+            <a:ext cx="4834673" cy="365125"/>
           </a:xfrm>
           <a:prstGeom prst="rect">
             <a:avLst/>
@@ -7397,8 +7648,8 @@
         </p:nvSpPr>
         <p:spPr>
           <a:xfrm>
-            <a:off x="10729455" y="753227"/>
-            <a:ext cx="1154151" cy="1090789"/>
+            <a:off x="7848600" y="753228"/>
+            <a:ext cx="1157674" cy="1090789"/>
           </a:xfrm>
           <a:prstGeom prst="rect">
             <a:avLst/>
@@ -7429,29 +7680,29 @@
     </p:spTree>
     <p:extLst>
       <p:ext uri="{BB962C8B-B14F-4D97-AF65-F5344CB8AC3E}">
-        <p14:creationId xmlns:p14="http://schemas.microsoft.com/office/powerpoint/2010/main" val="1020015842"/>
+        <p14:creationId xmlns:p14="http://schemas.microsoft.com/office/powerpoint/2010/main" val="639006865"/>
       </p:ext>
     </p:extLst>
   </p:cSld>
   <p:clrMap bg1="dk1" tx1="lt1" bg2="dk2" tx2="lt2" accent1="accent1" accent2="accent2" accent3="accent3" accent4="accent4" accent5="accent5" accent6="accent6" hlink="hlink" folHlink="folHlink"/>
   <p:sldLayoutIdLst>
-    <p:sldLayoutId id="2147483679" r:id="rId1"/>
-    <p:sldLayoutId id="2147483680" r:id="rId2"/>
-    <p:sldLayoutId id="2147483681" r:id="rId3"/>
-    <p:sldLayoutId id="2147483682" r:id="rId4"/>
-    <p:sldLayoutId id="2147483683" r:id="rId5"/>
-    <p:sldLayoutId id="2147483684" r:id="rId6"/>
-    <p:sldLayoutId id="2147483685" r:id="rId7"/>
-    <p:sldLayoutId id="2147483686" r:id="rId8"/>
-    <p:sldLayoutId id="2147483687" r:id="rId9"/>
-    <p:sldLayoutId id="2147483688" r:id="rId10"/>
-    <p:sldLayoutId id="2147483689" r:id="rId11"/>
-    <p:sldLayoutId id="2147483690" r:id="rId12"/>
-    <p:sldLayoutId id="2147483691" r:id="rId13"/>
-    <p:sldLayoutId id="2147483692" r:id="rId14"/>
-    <p:sldLayoutId id="2147483693" r:id="rId15"/>
-    <p:sldLayoutId id="2147483694" r:id="rId16"/>
-    <p:sldLayoutId id="2147483695" r:id="rId17"/>
+    <p:sldLayoutId id="2147483697" r:id="rId1"/>
+    <p:sldLayoutId id="2147483698" r:id="rId2"/>
+    <p:sldLayoutId id="2147483699" r:id="rId3"/>
+    <p:sldLayoutId id="2147483700" r:id="rId4"/>
+    <p:sldLayoutId id="2147483701" r:id="rId5"/>
+    <p:sldLayoutId id="2147483702" r:id="rId6"/>
+    <p:sldLayoutId id="2147483703" r:id="rId7"/>
+    <p:sldLayoutId id="2147483704" r:id="rId8"/>
+    <p:sldLayoutId id="2147483705" r:id="rId9"/>
+    <p:sldLayoutId id="2147483706" r:id="rId10"/>
+    <p:sldLayoutId id="2147483707" r:id="rId11"/>
+    <p:sldLayoutId id="2147483708" r:id="rId12"/>
+    <p:sldLayoutId id="2147483709" r:id="rId13"/>
+    <p:sldLayoutId id="2147483710" r:id="rId14"/>
+    <p:sldLayoutId id="2147483711" r:id="rId15"/>
+    <p:sldLayoutId id="2147483712" r:id="rId16"/>
+    <p:sldLayoutId id="2147483713" r:id="rId17"/>
   </p:sldLayoutIdLst>
   <p:txStyles>
     <p:titleStyle>
@@ -7822,6 +8073,1338 @@
 </p:sld>
 </file>
 
+<file path=ppt/slides/slide10.xml><?xml version="1.0" encoding="utf-8"?>
+<p:sld xmlns:a="http://schemas.openxmlformats.org/drawingml/2006/main" xmlns:r="http://schemas.openxmlformats.org/officeDocument/2006/relationships" xmlns:p="http://schemas.openxmlformats.org/presentationml/2006/main">
+  <p:cSld>
+    <p:spTree>
+      <p:nvGrpSpPr>
+        <p:cNvPr id="1" name=""/>
+        <p:cNvGrpSpPr/>
+        <p:nvPr/>
+      </p:nvGrpSpPr>
+      <p:grpSpPr>
+        <a:xfrm>
+          <a:off x="0" y="0"/>
+          <a:ext cx="0" cy="0"/>
+          <a:chOff x="0" y="0"/>
+          <a:chExt cx="0" cy="0"/>
+        </a:xfrm>
+      </p:grpSpPr>
+      <p:sp>
+        <p:nvSpPr>
+          <p:cNvPr id="2" name="Title 1">
+            <a:extLst>
+              <a:ext uri="{FF2B5EF4-FFF2-40B4-BE49-F238E27FC236}">
+                <a16:creationId xmlns:a16="http://schemas.microsoft.com/office/drawing/2014/main" id="{4DF16E99-E2B4-4230-98DB-B8D1438BA8EF}"/>
+              </a:ext>
+            </a:extLst>
+          </p:cNvPr>
+          <p:cNvSpPr>
+            <a:spLocks noGrp="1"/>
+          </p:cNvSpPr>
+          <p:nvPr>
+            <p:ph type="title"/>
+          </p:nvPr>
+        </p:nvSpPr>
+        <p:spPr/>
+        <p:txBody>
+          <a:bodyPr/>
+          <a:lstStyle/>
+          <a:p>
+            <a:r>
+              <a:rPr lang="en-US" dirty="0"/>
+              <a:t>Create Pull Request</a:t>
+            </a:r>
+          </a:p>
+        </p:txBody>
+      </p:sp>
+      <p:sp>
+        <p:nvSpPr>
+          <p:cNvPr id="3" name="Content Placeholder 2">
+            <a:extLst>
+              <a:ext uri="{FF2B5EF4-FFF2-40B4-BE49-F238E27FC236}">
+                <a16:creationId xmlns:a16="http://schemas.microsoft.com/office/drawing/2014/main" id="{F9839EBF-E164-4F12-8A32-47CC01652EAF}"/>
+              </a:ext>
+            </a:extLst>
+          </p:cNvPr>
+          <p:cNvSpPr>
+            <a:spLocks noGrp="1"/>
+          </p:cNvSpPr>
+          <p:nvPr>
+            <p:ph sz="half" idx="1"/>
+          </p:nvPr>
+        </p:nvSpPr>
+        <p:spPr/>
+        <p:txBody>
+          <a:bodyPr/>
+          <a:lstStyle/>
+          <a:p>
+            <a:r>
+              <a:rPr lang="en-US" dirty="0"/>
+              <a:t>Describe your changes</a:t>
+            </a:r>
+          </a:p>
+          <a:p>
+            <a:r>
+              <a:rPr lang="en-US" dirty="0"/>
+              <a:t>Create pull request</a:t>
+            </a:r>
+          </a:p>
+        </p:txBody>
+      </p:sp>
+      <p:pic>
+        <p:nvPicPr>
+          <p:cNvPr id="5" name="Content Placeholder 4">
+            <a:extLst>
+              <a:ext uri="{FF2B5EF4-FFF2-40B4-BE49-F238E27FC236}">
+                <a16:creationId xmlns:a16="http://schemas.microsoft.com/office/drawing/2014/main" id="{E09792D2-F516-4B75-AAA2-F9B98C8B1C6A}"/>
+              </a:ext>
+            </a:extLst>
+          </p:cNvPr>
+          <p:cNvPicPr>
+            <a:picLocks noGrp="1" noChangeAspect="1"/>
+          </p:cNvPicPr>
+          <p:nvPr>
+            <p:ph sz="half" idx="2"/>
+          </p:nvPr>
+        </p:nvPicPr>
+        <p:blipFill>
+          <a:blip r:embed="rId2"/>
+          <a:stretch>
+            <a:fillRect/>
+          </a:stretch>
+        </p:blipFill>
+        <p:spPr>
+          <a:xfrm>
+            <a:off x="4060824" y="2336873"/>
+            <a:ext cx="4262805" cy="2970185"/>
+          </a:xfrm>
+          <a:prstGeom prst="rect">
+            <a:avLst/>
+          </a:prstGeom>
+        </p:spPr>
+      </p:pic>
+    </p:spTree>
+    <p:extLst>
+      <p:ext uri="{BB962C8B-B14F-4D97-AF65-F5344CB8AC3E}">
+        <p14:creationId xmlns:p14="http://schemas.microsoft.com/office/powerpoint/2010/main" val="1306794415"/>
+      </p:ext>
+    </p:extLst>
+  </p:cSld>
+  <p:clrMapOvr>
+    <a:masterClrMapping/>
+  </p:clrMapOvr>
+</p:sld>
+</file>
+
+<file path=ppt/slides/slide11.xml><?xml version="1.0" encoding="utf-8"?>
+<p:sld xmlns:a="http://schemas.openxmlformats.org/drawingml/2006/main" xmlns:r="http://schemas.openxmlformats.org/officeDocument/2006/relationships" xmlns:p="http://schemas.openxmlformats.org/presentationml/2006/main">
+  <p:cSld>
+    <p:spTree>
+      <p:nvGrpSpPr>
+        <p:cNvPr id="1" name=""/>
+        <p:cNvGrpSpPr/>
+        <p:nvPr/>
+      </p:nvGrpSpPr>
+      <p:grpSpPr>
+        <a:xfrm>
+          <a:off x="0" y="0"/>
+          <a:ext cx="0" cy="0"/>
+          <a:chOff x="0" y="0"/>
+          <a:chExt cx="0" cy="0"/>
+        </a:xfrm>
+      </p:grpSpPr>
+      <p:sp>
+        <p:nvSpPr>
+          <p:cNvPr id="2" name="Title 1">
+            <a:extLst>
+              <a:ext uri="{FF2B5EF4-FFF2-40B4-BE49-F238E27FC236}">
+                <a16:creationId xmlns:a16="http://schemas.microsoft.com/office/drawing/2014/main" id="{00DEE40F-760E-4A21-BADD-6D4E26975748}"/>
+              </a:ext>
+            </a:extLst>
+          </p:cNvPr>
+          <p:cNvSpPr>
+            <a:spLocks noGrp="1"/>
+          </p:cNvSpPr>
+          <p:nvPr>
+            <p:ph type="title"/>
+          </p:nvPr>
+        </p:nvSpPr>
+        <p:spPr/>
+        <p:txBody>
+          <a:bodyPr/>
+          <a:lstStyle/>
+          <a:p>
+            <a:r>
+              <a:rPr lang="en-US" dirty="0"/>
+              <a:t>Request Review (Optional)</a:t>
+            </a:r>
+          </a:p>
+        </p:txBody>
+      </p:sp>
+      <p:sp>
+        <p:nvSpPr>
+          <p:cNvPr id="3" name="Content Placeholder 2">
+            <a:extLst>
+              <a:ext uri="{FF2B5EF4-FFF2-40B4-BE49-F238E27FC236}">
+                <a16:creationId xmlns:a16="http://schemas.microsoft.com/office/drawing/2014/main" id="{C27991F1-4253-4624-9712-616F0D9F31A3}"/>
+              </a:ext>
+            </a:extLst>
+          </p:cNvPr>
+          <p:cNvSpPr>
+            <a:spLocks noGrp="1"/>
+          </p:cNvSpPr>
+          <p:nvPr>
+            <p:ph sz="half" idx="1"/>
+          </p:nvPr>
+        </p:nvSpPr>
+        <p:spPr/>
+        <p:txBody>
+          <a:bodyPr/>
+          <a:lstStyle/>
+          <a:p>
+            <a:r>
+              <a:rPr lang="en-US" dirty="0"/>
+              <a:t>Ask team member(s) to review your changes</a:t>
+            </a:r>
+          </a:p>
+        </p:txBody>
+      </p:sp>
+      <p:pic>
+        <p:nvPicPr>
+          <p:cNvPr id="5" name="Content Placeholder 4">
+            <a:extLst>
+              <a:ext uri="{FF2B5EF4-FFF2-40B4-BE49-F238E27FC236}">
+                <a16:creationId xmlns:a16="http://schemas.microsoft.com/office/drawing/2014/main" id="{97C07ECB-4F25-44BD-AD40-FFF879E921AA}"/>
+              </a:ext>
+            </a:extLst>
+          </p:cNvPr>
+          <p:cNvPicPr>
+            <a:picLocks noGrp="1" noChangeAspect="1"/>
+          </p:cNvPicPr>
+          <p:nvPr>
+            <p:ph sz="half" idx="2"/>
+          </p:nvPr>
+        </p:nvPicPr>
+        <p:blipFill>
+          <a:blip r:embed="rId2"/>
+          <a:stretch>
+            <a:fillRect/>
+          </a:stretch>
+        </p:blipFill>
+        <p:spPr>
+          <a:xfrm>
+            <a:off x="4060825" y="2340533"/>
+            <a:ext cx="4257552" cy="2966525"/>
+          </a:xfrm>
+          <a:prstGeom prst="rect">
+            <a:avLst/>
+          </a:prstGeom>
+        </p:spPr>
+      </p:pic>
+    </p:spTree>
+    <p:extLst>
+      <p:ext uri="{BB962C8B-B14F-4D97-AF65-F5344CB8AC3E}">
+        <p14:creationId xmlns:p14="http://schemas.microsoft.com/office/powerpoint/2010/main" val="4242450288"/>
+      </p:ext>
+    </p:extLst>
+  </p:cSld>
+  <p:clrMapOvr>
+    <a:masterClrMapping/>
+  </p:clrMapOvr>
+</p:sld>
+</file>
+
+<file path=ppt/slides/slide12.xml><?xml version="1.0" encoding="utf-8"?>
+<p:sld xmlns:a="http://schemas.openxmlformats.org/drawingml/2006/main" xmlns:r="http://schemas.openxmlformats.org/officeDocument/2006/relationships" xmlns:p="http://schemas.openxmlformats.org/presentationml/2006/main">
+  <p:cSld>
+    <p:spTree>
+      <p:nvGrpSpPr>
+        <p:cNvPr id="1" name=""/>
+        <p:cNvGrpSpPr/>
+        <p:nvPr/>
+      </p:nvGrpSpPr>
+      <p:grpSpPr>
+        <a:xfrm>
+          <a:off x="0" y="0"/>
+          <a:ext cx="0" cy="0"/>
+          <a:chOff x="0" y="0"/>
+          <a:chExt cx="0" cy="0"/>
+        </a:xfrm>
+      </p:grpSpPr>
+      <p:sp>
+        <p:nvSpPr>
+          <p:cNvPr id="2" name="Title 1">
+            <a:extLst>
+              <a:ext uri="{FF2B5EF4-FFF2-40B4-BE49-F238E27FC236}">
+                <a16:creationId xmlns:a16="http://schemas.microsoft.com/office/drawing/2014/main" id="{E484A424-0309-4F81-8C2C-3EE526DF9230}"/>
+              </a:ext>
+            </a:extLst>
+          </p:cNvPr>
+          <p:cNvSpPr>
+            <a:spLocks noGrp="1"/>
+          </p:cNvSpPr>
+          <p:nvPr>
+            <p:ph type="title"/>
+          </p:nvPr>
+        </p:nvSpPr>
+        <p:spPr/>
+        <p:txBody>
+          <a:bodyPr/>
+          <a:lstStyle/>
+          <a:p>
+            <a:r>
+              <a:rPr lang="en-US" dirty="0"/>
+              <a:t>Reviewer: Access Pull Requests</a:t>
+            </a:r>
+          </a:p>
+        </p:txBody>
+      </p:sp>
+      <p:sp>
+        <p:nvSpPr>
+          <p:cNvPr id="3" name="Content Placeholder 2">
+            <a:extLst>
+              <a:ext uri="{FF2B5EF4-FFF2-40B4-BE49-F238E27FC236}">
+                <a16:creationId xmlns:a16="http://schemas.microsoft.com/office/drawing/2014/main" id="{21AFEC91-A249-4368-9AEF-03E8F2675865}"/>
+              </a:ext>
+            </a:extLst>
+          </p:cNvPr>
+          <p:cNvSpPr>
+            <a:spLocks noGrp="1"/>
+          </p:cNvSpPr>
+          <p:nvPr>
+            <p:ph sz="half" idx="1"/>
+          </p:nvPr>
+        </p:nvSpPr>
+        <p:spPr/>
+        <p:txBody>
+          <a:bodyPr/>
+          <a:lstStyle/>
+          <a:p>
+            <a:r>
+              <a:rPr lang="en-US" dirty="0"/>
+              <a:t>On GitHub</a:t>
+            </a:r>
+          </a:p>
+          <a:p>
+            <a:r>
+              <a:rPr lang="en-US" dirty="0"/>
+              <a:t>Pull requests tab</a:t>
+            </a:r>
+          </a:p>
+        </p:txBody>
+      </p:sp>
+      <p:pic>
+        <p:nvPicPr>
+          <p:cNvPr id="5" name="Content Placeholder 4">
+            <a:extLst>
+              <a:ext uri="{FF2B5EF4-FFF2-40B4-BE49-F238E27FC236}">
+                <a16:creationId xmlns:a16="http://schemas.microsoft.com/office/drawing/2014/main" id="{1A983C57-430E-4C5A-912A-F45FEC1EDE1D}"/>
+              </a:ext>
+            </a:extLst>
+          </p:cNvPr>
+          <p:cNvPicPr>
+            <a:picLocks noGrp="1" noChangeAspect="1"/>
+          </p:cNvPicPr>
+          <p:nvPr>
+            <p:ph sz="half" idx="2"/>
+          </p:nvPr>
+        </p:nvPicPr>
+        <p:blipFill>
+          <a:blip r:embed="rId2"/>
+          <a:stretch>
+            <a:fillRect/>
+          </a:stretch>
+        </p:blipFill>
+        <p:spPr>
+          <a:xfrm>
+            <a:off x="4060824" y="2336873"/>
+            <a:ext cx="4262805" cy="2970185"/>
+          </a:xfrm>
+          <a:prstGeom prst="rect">
+            <a:avLst/>
+          </a:prstGeom>
+        </p:spPr>
+      </p:pic>
+    </p:spTree>
+    <p:extLst>
+      <p:ext uri="{BB962C8B-B14F-4D97-AF65-F5344CB8AC3E}">
+        <p14:creationId xmlns:p14="http://schemas.microsoft.com/office/powerpoint/2010/main" val="70403792"/>
+      </p:ext>
+    </p:extLst>
+  </p:cSld>
+  <p:clrMapOvr>
+    <a:masterClrMapping/>
+  </p:clrMapOvr>
+</p:sld>
+</file>
+
+<file path=ppt/slides/slide13.xml><?xml version="1.0" encoding="utf-8"?>
+<p:sld xmlns:a="http://schemas.openxmlformats.org/drawingml/2006/main" xmlns:r="http://schemas.openxmlformats.org/officeDocument/2006/relationships" xmlns:p="http://schemas.openxmlformats.org/presentationml/2006/main">
+  <p:cSld>
+    <p:spTree>
+      <p:nvGrpSpPr>
+        <p:cNvPr id="1" name=""/>
+        <p:cNvGrpSpPr/>
+        <p:nvPr/>
+      </p:nvGrpSpPr>
+      <p:grpSpPr>
+        <a:xfrm>
+          <a:off x="0" y="0"/>
+          <a:ext cx="0" cy="0"/>
+          <a:chOff x="0" y="0"/>
+          <a:chExt cx="0" cy="0"/>
+        </a:xfrm>
+      </p:grpSpPr>
+      <p:sp>
+        <p:nvSpPr>
+          <p:cNvPr id="2" name="Title 1">
+            <a:extLst>
+              <a:ext uri="{FF2B5EF4-FFF2-40B4-BE49-F238E27FC236}">
+                <a16:creationId xmlns:a16="http://schemas.microsoft.com/office/drawing/2014/main" id="{D2AE9D6F-6EA4-4606-A938-461C385F1EF0}"/>
+              </a:ext>
+            </a:extLst>
+          </p:cNvPr>
+          <p:cNvSpPr>
+            <a:spLocks noGrp="1"/>
+          </p:cNvSpPr>
+          <p:nvPr>
+            <p:ph type="title"/>
+          </p:nvPr>
+        </p:nvSpPr>
+        <p:spPr/>
+        <p:txBody>
+          <a:bodyPr/>
+          <a:lstStyle/>
+          <a:p>
+            <a:r>
+              <a:rPr lang="en-US" dirty="0"/>
+              <a:t>Reviewer: Add Review</a:t>
+            </a:r>
+          </a:p>
+        </p:txBody>
+      </p:sp>
+      <p:sp>
+        <p:nvSpPr>
+          <p:cNvPr id="8" name="Content Placeholder 7">
+            <a:extLst>
+              <a:ext uri="{FF2B5EF4-FFF2-40B4-BE49-F238E27FC236}">
+                <a16:creationId xmlns:a16="http://schemas.microsoft.com/office/drawing/2014/main" id="{9ABACBD3-987A-418E-B0C2-D523906B07E5}"/>
+              </a:ext>
+            </a:extLst>
+          </p:cNvPr>
+          <p:cNvSpPr>
+            <a:spLocks noGrp="1"/>
+          </p:cNvSpPr>
+          <p:nvPr>
+            <p:ph sz="half" idx="1"/>
+          </p:nvPr>
+        </p:nvSpPr>
+        <p:spPr/>
+        <p:txBody>
+          <a:bodyPr/>
+          <a:lstStyle/>
+          <a:p>
+            <a:r>
+              <a:rPr lang="en-US" dirty="0"/>
+              <a:t>Select to add your review</a:t>
+            </a:r>
+          </a:p>
+        </p:txBody>
+      </p:sp>
+      <p:pic>
+        <p:nvPicPr>
+          <p:cNvPr id="6" name="Content Placeholder 5">
+            <a:extLst>
+              <a:ext uri="{FF2B5EF4-FFF2-40B4-BE49-F238E27FC236}">
+                <a16:creationId xmlns:a16="http://schemas.microsoft.com/office/drawing/2014/main" id="{A85DEA39-4BC2-46C8-8B8E-A2D49CA11ACD}"/>
+              </a:ext>
+            </a:extLst>
+          </p:cNvPr>
+          <p:cNvPicPr>
+            <a:picLocks noGrp="1" noChangeAspect="1"/>
+          </p:cNvPicPr>
+          <p:nvPr>
+            <p:ph sz="half" idx="2"/>
+          </p:nvPr>
+        </p:nvPicPr>
+        <p:blipFill>
+          <a:blip r:embed="rId2"/>
+          <a:stretch>
+            <a:fillRect/>
+          </a:stretch>
+        </p:blipFill>
+        <p:spPr>
+          <a:xfrm>
+            <a:off x="4060825" y="2340533"/>
+            <a:ext cx="4257552" cy="2966525"/>
+          </a:xfrm>
+          <a:prstGeom prst="rect">
+            <a:avLst/>
+          </a:prstGeom>
+        </p:spPr>
+      </p:pic>
+    </p:spTree>
+    <p:extLst>
+      <p:ext uri="{BB962C8B-B14F-4D97-AF65-F5344CB8AC3E}">
+        <p14:creationId xmlns:p14="http://schemas.microsoft.com/office/powerpoint/2010/main" val="1039588144"/>
+      </p:ext>
+    </p:extLst>
+  </p:cSld>
+  <p:clrMapOvr>
+    <a:masterClrMapping/>
+  </p:clrMapOvr>
+</p:sld>
+</file>
+
+<file path=ppt/slides/slide14.xml><?xml version="1.0" encoding="utf-8"?>
+<p:sld xmlns:a="http://schemas.openxmlformats.org/drawingml/2006/main" xmlns:r="http://schemas.openxmlformats.org/officeDocument/2006/relationships" xmlns:p="http://schemas.openxmlformats.org/presentationml/2006/main">
+  <p:cSld>
+    <p:spTree>
+      <p:nvGrpSpPr>
+        <p:cNvPr id="1" name=""/>
+        <p:cNvGrpSpPr/>
+        <p:nvPr/>
+      </p:nvGrpSpPr>
+      <p:grpSpPr>
+        <a:xfrm>
+          <a:off x="0" y="0"/>
+          <a:ext cx="0" cy="0"/>
+          <a:chOff x="0" y="0"/>
+          <a:chExt cx="0" cy="0"/>
+        </a:xfrm>
+      </p:grpSpPr>
+      <p:sp>
+        <p:nvSpPr>
+          <p:cNvPr id="2" name="Title 1">
+            <a:extLst>
+              <a:ext uri="{FF2B5EF4-FFF2-40B4-BE49-F238E27FC236}">
+                <a16:creationId xmlns:a16="http://schemas.microsoft.com/office/drawing/2014/main" id="{B5C49E3C-CAA4-4094-880D-852886D34C7B}"/>
+              </a:ext>
+            </a:extLst>
+          </p:cNvPr>
+          <p:cNvSpPr>
+            <a:spLocks noGrp="1"/>
+          </p:cNvSpPr>
+          <p:nvPr>
+            <p:ph type="title"/>
+          </p:nvPr>
+        </p:nvSpPr>
+        <p:spPr/>
+        <p:txBody>
+          <a:bodyPr/>
+          <a:lstStyle/>
+          <a:p>
+            <a:r>
+              <a:rPr lang="en-US" dirty="0"/>
+              <a:t>Reviewer: Comment or Approve</a:t>
+            </a:r>
+          </a:p>
+        </p:txBody>
+      </p:sp>
+      <p:sp>
+        <p:nvSpPr>
+          <p:cNvPr id="4" name="Content Placeholder 3">
+            <a:extLst>
+              <a:ext uri="{FF2B5EF4-FFF2-40B4-BE49-F238E27FC236}">
+                <a16:creationId xmlns:a16="http://schemas.microsoft.com/office/drawing/2014/main" id="{FE99DBA1-8B8D-490F-A4B7-2F183530DCBC}"/>
+              </a:ext>
+            </a:extLst>
+          </p:cNvPr>
+          <p:cNvSpPr>
+            <a:spLocks noGrp="1"/>
+          </p:cNvSpPr>
+          <p:nvPr>
+            <p:ph sz="half" idx="1"/>
+          </p:nvPr>
+        </p:nvSpPr>
+        <p:spPr/>
+        <p:txBody>
+          <a:bodyPr/>
+          <a:lstStyle/>
+          <a:p>
+            <a:r>
+              <a:rPr lang="en-US" dirty="0"/>
+              <a:t>Comment if more work needs to be done</a:t>
+            </a:r>
+          </a:p>
+          <a:p>
+            <a:r>
+              <a:rPr lang="en-US" dirty="0"/>
+              <a:t>Approve if you think changes should merge with master</a:t>
+            </a:r>
+          </a:p>
+        </p:txBody>
+      </p:sp>
+      <p:pic>
+        <p:nvPicPr>
+          <p:cNvPr id="6" name="Content Placeholder 5">
+            <a:extLst>
+              <a:ext uri="{FF2B5EF4-FFF2-40B4-BE49-F238E27FC236}">
+                <a16:creationId xmlns:a16="http://schemas.microsoft.com/office/drawing/2014/main" id="{9624D696-5A11-44D8-9E6E-1B3580E12F63}"/>
+              </a:ext>
+            </a:extLst>
+          </p:cNvPr>
+          <p:cNvPicPr>
+            <a:picLocks noGrp="1" noChangeAspect="1"/>
+          </p:cNvPicPr>
+          <p:nvPr>
+            <p:ph sz="half" idx="2"/>
+          </p:nvPr>
+        </p:nvPicPr>
+        <p:blipFill>
+          <a:blip r:embed="rId2"/>
+          <a:stretch>
+            <a:fillRect/>
+          </a:stretch>
+        </p:blipFill>
+        <p:spPr>
+          <a:xfrm>
+            <a:off x="4060824" y="2336873"/>
+            <a:ext cx="4262805" cy="2970185"/>
+          </a:xfrm>
+          <a:prstGeom prst="rect">
+            <a:avLst/>
+          </a:prstGeom>
+        </p:spPr>
+      </p:pic>
+    </p:spTree>
+    <p:extLst>
+      <p:ext uri="{BB962C8B-B14F-4D97-AF65-F5344CB8AC3E}">
+        <p14:creationId xmlns:p14="http://schemas.microsoft.com/office/powerpoint/2010/main" val="547193228"/>
+      </p:ext>
+    </p:extLst>
+  </p:cSld>
+  <p:clrMapOvr>
+    <a:masterClrMapping/>
+  </p:clrMapOvr>
+</p:sld>
+</file>
+
+<file path=ppt/slides/slide15.xml><?xml version="1.0" encoding="utf-8"?>
+<p:sld xmlns:a="http://schemas.openxmlformats.org/drawingml/2006/main" xmlns:r="http://schemas.openxmlformats.org/officeDocument/2006/relationships" xmlns:p="http://schemas.openxmlformats.org/presentationml/2006/main">
+  <p:cSld>
+    <p:spTree>
+      <p:nvGrpSpPr>
+        <p:cNvPr id="1" name=""/>
+        <p:cNvGrpSpPr/>
+        <p:nvPr/>
+      </p:nvGrpSpPr>
+      <p:grpSpPr>
+        <a:xfrm>
+          <a:off x="0" y="0"/>
+          <a:ext cx="0" cy="0"/>
+          <a:chOff x="0" y="0"/>
+          <a:chExt cx="0" cy="0"/>
+        </a:xfrm>
+      </p:grpSpPr>
+      <p:sp>
+        <p:nvSpPr>
+          <p:cNvPr id="2" name="Title 1">
+            <a:extLst>
+              <a:ext uri="{FF2B5EF4-FFF2-40B4-BE49-F238E27FC236}">
+                <a16:creationId xmlns:a16="http://schemas.microsoft.com/office/drawing/2014/main" id="{BCD22813-07F1-41CA-A378-4843602EA1F2}"/>
+              </a:ext>
+            </a:extLst>
+          </p:cNvPr>
+          <p:cNvSpPr>
+            <a:spLocks noGrp="1"/>
+          </p:cNvSpPr>
+          <p:nvPr>
+            <p:ph type="title"/>
+          </p:nvPr>
+        </p:nvSpPr>
+        <p:spPr/>
+        <p:txBody>
+          <a:bodyPr/>
+          <a:lstStyle/>
+          <a:p>
+            <a:r>
+              <a:rPr lang="en-US" dirty="0"/>
+              <a:t>Master Committer: Merge</a:t>
+            </a:r>
+          </a:p>
+        </p:txBody>
+      </p:sp>
+      <p:sp>
+        <p:nvSpPr>
+          <p:cNvPr id="3" name="Content Placeholder 2">
+            <a:extLst>
+              <a:ext uri="{FF2B5EF4-FFF2-40B4-BE49-F238E27FC236}">
+                <a16:creationId xmlns:a16="http://schemas.microsoft.com/office/drawing/2014/main" id="{BCBAC814-7EE6-4601-8F6A-35058B35A3D3}"/>
+              </a:ext>
+            </a:extLst>
+          </p:cNvPr>
+          <p:cNvSpPr>
+            <a:spLocks noGrp="1"/>
+          </p:cNvSpPr>
+          <p:nvPr>
+            <p:ph sz="half" idx="1"/>
+          </p:nvPr>
+        </p:nvSpPr>
+        <p:spPr/>
+        <p:txBody>
+          <a:bodyPr/>
+          <a:lstStyle/>
+          <a:p>
+            <a:r>
+              <a:rPr lang="en-US" dirty="0"/>
+              <a:t>Recommended only one person merge branches into master</a:t>
+            </a:r>
+          </a:p>
+          <a:p>
+            <a:r>
+              <a:rPr lang="en-US" dirty="0"/>
+              <a:t>On the branch page, select Merge pull request</a:t>
+            </a:r>
+          </a:p>
+          <a:p>
+            <a:r>
+              <a:rPr lang="en-US" dirty="0"/>
+              <a:t>Confirm the merge</a:t>
+            </a:r>
+          </a:p>
+        </p:txBody>
+      </p:sp>
+      <p:pic>
+        <p:nvPicPr>
+          <p:cNvPr id="5" name="Content Placeholder 4">
+            <a:extLst>
+              <a:ext uri="{FF2B5EF4-FFF2-40B4-BE49-F238E27FC236}">
+                <a16:creationId xmlns:a16="http://schemas.microsoft.com/office/drawing/2014/main" id="{9504251E-411E-410E-B1AD-7EA9D3C5E30D}"/>
+              </a:ext>
+            </a:extLst>
+          </p:cNvPr>
+          <p:cNvPicPr>
+            <a:picLocks noGrp="1" noChangeAspect="1"/>
+          </p:cNvPicPr>
+          <p:nvPr>
+            <p:ph sz="half" idx="2"/>
+          </p:nvPr>
+        </p:nvPicPr>
+        <p:blipFill>
+          <a:blip r:embed="rId2"/>
+          <a:stretch>
+            <a:fillRect/>
+          </a:stretch>
+        </p:blipFill>
+        <p:spPr>
+          <a:xfrm>
+            <a:off x="4060824" y="2336873"/>
+            <a:ext cx="4262805" cy="2970185"/>
+          </a:xfrm>
+          <a:prstGeom prst="rect">
+            <a:avLst/>
+          </a:prstGeom>
+        </p:spPr>
+      </p:pic>
+    </p:spTree>
+    <p:extLst>
+      <p:ext uri="{BB962C8B-B14F-4D97-AF65-F5344CB8AC3E}">
+        <p14:creationId xmlns:p14="http://schemas.microsoft.com/office/powerpoint/2010/main" val="3091897316"/>
+      </p:ext>
+    </p:extLst>
+  </p:cSld>
+  <p:clrMapOvr>
+    <a:masterClrMapping/>
+  </p:clrMapOvr>
+</p:sld>
+</file>
+
+<file path=ppt/slides/slide16.xml><?xml version="1.0" encoding="utf-8"?>
+<p:sld xmlns:a="http://schemas.openxmlformats.org/drawingml/2006/main" xmlns:r="http://schemas.openxmlformats.org/officeDocument/2006/relationships" xmlns:p="http://schemas.openxmlformats.org/presentationml/2006/main">
+  <p:cSld>
+    <p:spTree>
+      <p:nvGrpSpPr>
+        <p:cNvPr id="1" name=""/>
+        <p:cNvGrpSpPr/>
+        <p:nvPr/>
+      </p:nvGrpSpPr>
+      <p:grpSpPr>
+        <a:xfrm>
+          <a:off x="0" y="0"/>
+          <a:ext cx="0" cy="0"/>
+          <a:chOff x="0" y="0"/>
+          <a:chExt cx="0" cy="0"/>
+        </a:xfrm>
+      </p:grpSpPr>
+      <p:sp>
+        <p:nvSpPr>
+          <p:cNvPr id="2" name="Title 1">
+            <a:extLst>
+              <a:ext uri="{FF2B5EF4-FFF2-40B4-BE49-F238E27FC236}">
+                <a16:creationId xmlns:a16="http://schemas.microsoft.com/office/drawing/2014/main" id="{91E7FE29-8F4F-4731-814E-4E7E28C6D066}"/>
+              </a:ext>
+            </a:extLst>
+          </p:cNvPr>
+          <p:cNvSpPr>
+            <a:spLocks noGrp="1"/>
+          </p:cNvSpPr>
+          <p:nvPr>
+            <p:ph type="title"/>
+          </p:nvPr>
+        </p:nvSpPr>
+        <p:spPr/>
+        <p:txBody>
+          <a:bodyPr/>
+          <a:lstStyle/>
+          <a:p>
+            <a:r>
+              <a:rPr lang="en-US" dirty="0"/>
+              <a:t>Master Committer: Delete Branch</a:t>
+            </a:r>
+          </a:p>
+        </p:txBody>
+      </p:sp>
+      <p:sp>
+        <p:nvSpPr>
+          <p:cNvPr id="3" name="Content Placeholder 2">
+            <a:extLst>
+              <a:ext uri="{FF2B5EF4-FFF2-40B4-BE49-F238E27FC236}">
+                <a16:creationId xmlns:a16="http://schemas.microsoft.com/office/drawing/2014/main" id="{2050FE89-11FB-49AF-80A2-6CB22B68F832}"/>
+              </a:ext>
+            </a:extLst>
+          </p:cNvPr>
+          <p:cNvSpPr>
+            <a:spLocks noGrp="1"/>
+          </p:cNvSpPr>
+          <p:nvPr>
+            <p:ph sz="half" idx="1"/>
+          </p:nvPr>
+        </p:nvSpPr>
+        <p:spPr/>
+        <p:txBody>
+          <a:bodyPr>
+            <a:normAutofit lnSpcReduction="10000"/>
+          </a:bodyPr>
+          <a:lstStyle/>
+          <a:p>
+            <a:r>
+              <a:rPr lang="en-US" dirty="0"/>
+              <a:t>Completed feature branches should be deleted</a:t>
+            </a:r>
+          </a:p>
+          <a:p>
+            <a:pPr lvl="1"/>
+            <a:r>
+              <a:rPr lang="en-US" dirty="0"/>
+              <a:t>After merging pull request</a:t>
+            </a:r>
+          </a:p>
+          <a:p>
+            <a:pPr lvl="1"/>
+            <a:r>
+              <a:rPr lang="en-US" dirty="0"/>
+              <a:t>From Branches page</a:t>
+            </a:r>
+          </a:p>
+          <a:p>
+            <a:r>
+              <a:rPr lang="en-US" dirty="0"/>
+              <a:t>Only deletes the remote branch!</a:t>
+            </a:r>
+          </a:p>
+          <a:p>
+            <a:r>
+              <a:rPr lang="en-US" dirty="0"/>
+              <a:t>Team member must cleanup local branch</a:t>
+            </a:r>
+          </a:p>
+        </p:txBody>
+      </p:sp>
+      <p:pic>
+        <p:nvPicPr>
+          <p:cNvPr id="5" name="Content Placeholder 4">
+            <a:extLst>
+              <a:ext uri="{FF2B5EF4-FFF2-40B4-BE49-F238E27FC236}">
+                <a16:creationId xmlns:a16="http://schemas.microsoft.com/office/drawing/2014/main" id="{49F87446-215B-43C3-A9FB-9961C0465E59}"/>
+              </a:ext>
+            </a:extLst>
+          </p:cNvPr>
+          <p:cNvPicPr>
+            <a:picLocks noGrp="1" noChangeAspect="1"/>
+          </p:cNvPicPr>
+          <p:nvPr>
+            <p:ph sz="half" idx="2"/>
+          </p:nvPr>
+        </p:nvPicPr>
+        <p:blipFill>
+          <a:blip r:embed="rId2"/>
+          <a:stretch>
+            <a:fillRect/>
+          </a:stretch>
+        </p:blipFill>
+        <p:spPr>
+          <a:xfrm>
+            <a:off x="4060824" y="2336873"/>
+            <a:ext cx="4262805" cy="2970185"/>
+          </a:xfrm>
+          <a:prstGeom prst="rect">
+            <a:avLst/>
+          </a:prstGeom>
+        </p:spPr>
+      </p:pic>
+    </p:spTree>
+    <p:extLst>
+      <p:ext uri="{BB962C8B-B14F-4D97-AF65-F5344CB8AC3E}">
+        <p14:creationId xmlns:p14="http://schemas.microsoft.com/office/powerpoint/2010/main" val="3092213221"/>
+      </p:ext>
+    </p:extLst>
+  </p:cSld>
+  <p:clrMapOvr>
+    <a:masterClrMapping/>
+  </p:clrMapOvr>
+</p:sld>
+</file>
+
+<file path=ppt/slides/slide17.xml><?xml version="1.0" encoding="utf-8"?>
+<p:sld xmlns:a="http://schemas.openxmlformats.org/drawingml/2006/main" xmlns:r="http://schemas.openxmlformats.org/officeDocument/2006/relationships" xmlns:p="http://schemas.openxmlformats.org/presentationml/2006/main">
+  <p:cSld>
+    <p:spTree>
+      <p:nvGrpSpPr>
+        <p:cNvPr id="1" name=""/>
+        <p:cNvGrpSpPr/>
+        <p:nvPr/>
+      </p:nvGrpSpPr>
+      <p:grpSpPr>
+        <a:xfrm>
+          <a:off x="0" y="0"/>
+          <a:ext cx="0" cy="0"/>
+          <a:chOff x="0" y="0"/>
+          <a:chExt cx="0" cy="0"/>
+        </a:xfrm>
+      </p:grpSpPr>
+      <p:sp>
+        <p:nvSpPr>
+          <p:cNvPr id="2" name="Title 1">
+            <a:extLst>
+              <a:ext uri="{FF2B5EF4-FFF2-40B4-BE49-F238E27FC236}">
+                <a16:creationId xmlns:a16="http://schemas.microsoft.com/office/drawing/2014/main" id="{D474839B-FD06-4C56-96D2-C1F777CF6CB2}"/>
+              </a:ext>
+            </a:extLst>
+          </p:cNvPr>
+          <p:cNvSpPr>
+            <a:spLocks noGrp="1"/>
+          </p:cNvSpPr>
+          <p:nvPr>
+            <p:ph type="title"/>
+          </p:nvPr>
+        </p:nvSpPr>
+        <p:spPr/>
+        <p:txBody>
+          <a:bodyPr/>
+          <a:lstStyle/>
+          <a:p>
+            <a:r>
+              <a:rPr lang="en-US" dirty="0"/>
+              <a:t>Fetch</a:t>
+            </a:r>
+          </a:p>
+        </p:txBody>
+      </p:sp>
+      <p:sp>
+        <p:nvSpPr>
+          <p:cNvPr id="4" name="Content Placeholder 3">
+            <a:extLst>
+              <a:ext uri="{FF2B5EF4-FFF2-40B4-BE49-F238E27FC236}">
+                <a16:creationId xmlns:a16="http://schemas.microsoft.com/office/drawing/2014/main" id="{21ADA5D0-E9DF-4244-BA9F-4190FC96518D}"/>
+              </a:ext>
+            </a:extLst>
+          </p:cNvPr>
+          <p:cNvSpPr>
+            <a:spLocks noGrp="1"/>
+          </p:cNvSpPr>
+          <p:nvPr>
+            <p:ph sz="half" idx="1"/>
+          </p:nvPr>
+        </p:nvSpPr>
+        <p:spPr/>
+        <p:txBody>
+          <a:bodyPr/>
+          <a:lstStyle/>
+          <a:p>
+            <a:r>
+              <a:rPr lang="en-US" dirty="0"/>
+              <a:t>See what other team members are doing</a:t>
+            </a:r>
+          </a:p>
+          <a:p>
+            <a:r>
+              <a:rPr lang="en-US" dirty="0"/>
+              <a:t>Doesn't change your working directory</a:t>
+            </a:r>
+          </a:p>
+          <a:p>
+            <a:r>
+              <a:rPr lang="en-US" dirty="0"/>
+              <a:t>Prune remote branches</a:t>
+            </a:r>
+          </a:p>
+        </p:txBody>
+      </p:sp>
+      <p:pic>
+        <p:nvPicPr>
+          <p:cNvPr id="6" name="Content Placeholder 5">
+            <a:extLst>
+              <a:ext uri="{FF2B5EF4-FFF2-40B4-BE49-F238E27FC236}">
+                <a16:creationId xmlns:a16="http://schemas.microsoft.com/office/drawing/2014/main" id="{ADC59B8D-4305-41E8-905C-188B5E64AF66}"/>
+              </a:ext>
+            </a:extLst>
+          </p:cNvPr>
+          <p:cNvPicPr>
+            <a:picLocks noGrp="1" noChangeAspect="1"/>
+          </p:cNvPicPr>
+          <p:nvPr>
+            <p:ph sz="half" idx="2"/>
+          </p:nvPr>
+        </p:nvPicPr>
+        <p:blipFill>
+          <a:blip r:embed="rId2"/>
+          <a:stretch>
+            <a:fillRect/>
+          </a:stretch>
+        </p:blipFill>
+        <p:spPr>
+          <a:xfrm>
+            <a:off x="4060824" y="2336873"/>
+            <a:ext cx="4384995" cy="2917289"/>
+          </a:xfrm>
+          <a:prstGeom prst="rect">
+            <a:avLst/>
+          </a:prstGeom>
+        </p:spPr>
+      </p:pic>
+    </p:spTree>
+    <p:extLst>
+      <p:ext uri="{BB962C8B-B14F-4D97-AF65-F5344CB8AC3E}">
+        <p14:creationId xmlns:p14="http://schemas.microsoft.com/office/powerpoint/2010/main" val="2303300363"/>
+      </p:ext>
+    </p:extLst>
+  </p:cSld>
+  <p:clrMapOvr>
+    <a:masterClrMapping/>
+  </p:clrMapOvr>
+</p:sld>
+</file>
+
+<file path=ppt/slides/slide18.xml><?xml version="1.0" encoding="utf-8"?>
+<p:sld xmlns:a="http://schemas.openxmlformats.org/drawingml/2006/main" xmlns:r="http://schemas.openxmlformats.org/officeDocument/2006/relationships" xmlns:p="http://schemas.openxmlformats.org/presentationml/2006/main">
+  <p:cSld>
+    <p:spTree>
+      <p:nvGrpSpPr>
+        <p:cNvPr id="1" name=""/>
+        <p:cNvGrpSpPr/>
+        <p:nvPr/>
+      </p:nvGrpSpPr>
+      <p:grpSpPr>
+        <a:xfrm>
+          <a:off x="0" y="0"/>
+          <a:ext cx="0" cy="0"/>
+          <a:chOff x="0" y="0"/>
+          <a:chExt cx="0" cy="0"/>
+        </a:xfrm>
+      </p:grpSpPr>
+      <p:sp>
+        <p:nvSpPr>
+          <p:cNvPr id="2" name="Title 1">
+            <a:extLst>
+              <a:ext uri="{FF2B5EF4-FFF2-40B4-BE49-F238E27FC236}">
+                <a16:creationId xmlns:a16="http://schemas.microsoft.com/office/drawing/2014/main" id="{AA47AF5D-AAA1-4EF5-900A-320B2DC99DFA}"/>
+              </a:ext>
+            </a:extLst>
+          </p:cNvPr>
+          <p:cNvSpPr>
+            <a:spLocks noGrp="1"/>
+          </p:cNvSpPr>
+          <p:nvPr>
+            <p:ph type="title"/>
+          </p:nvPr>
+        </p:nvSpPr>
+        <p:spPr/>
+        <p:txBody>
+          <a:bodyPr/>
+          <a:lstStyle/>
+          <a:p>
+            <a:r>
+              <a:rPr lang="en-US" dirty="0"/>
+              <a:t>Prune Remote Branches</a:t>
+            </a:r>
+          </a:p>
+        </p:txBody>
+      </p:sp>
+      <p:sp>
+        <p:nvSpPr>
+          <p:cNvPr id="10" name="Text Placeholder 9">
+            <a:extLst>
+              <a:ext uri="{FF2B5EF4-FFF2-40B4-BE49-F238E27FC236}">
+                <a16:creationId xmlns:a16="http://schemas.microsoft.com/office/drawing/2014/main" id="{21BFE922-4356-4B89-AE4B-433EF825BBD3}"/>
+              </a:ext>
+            </a:extLst>
+          </p:cNvPr>
+          <p:cNvSpPr>
+            <a:spLocks noGrp="1"/>
+          </p:cNvSpPr>
+          <p:nvPr>
+            <p:ph type="body" idx="1"/>
+          </p:nvPr>
+        </p:nvSpPr>
+        <p:spPr/>
+        <p:txBody>
+          <a:bodyPr/>
+          <a:lstStyle/>
+          <a:p>
+            <a:r>
+              <a:rPr lang="en-US" dirty="0"/>
+              <a:t>Before Fetch</a:t>
+            </a:r>
+          </a:p>
+        </p:txBody>
+      </p:sp>
+      <p:pic>
+        <p:nvPicPr>
+          <p:cNvPr id="7" name="Content Placeholder 6">
+            <a:extLst>
+              <a:ext uri="{FF2B5EF4-FFF2-40B4-BE49-F238E27FC236}">
+                <a16:creationId xmlns:a16="http://schemas.microsoft.com/office/drawing/2014/main" id="{8B02C674-39D2-4A9B-9A86-71D91A7BF177}"/>
+              </a:ext>
+            </a:extLst>
+          </p:cNvPr>
+          <p:cNvPicPr>
+            <a:picLocks noGrp="1" noChangeAspect="1"/>
+          </p:cNvPicPr>
+          <p:nvPr>
+            <p:ph sz="half" idx="2"/>
+          </p:nvPr>
+        </p:nvPicPr>
+        <p:blipFill>
+          <a:blip r:embed="rId2">
+            <a:extLst>
+              <a:ext uri="{28A0092B-C50C-407E-A947-70E740481C1C}">
+                <a14:useLocalDpi xmlns:a14="http://schemas.microsoft.com/office/drawing/2010/main" val="0"/>
+              </a:ext>
+            </a:extLst>
+          </a:blip>
+          <a:srcRect/>
+          <a:stretch/>
+        </p:blipFill>
+        <p:spPr>
+          <a:xfrm>
+            <a:off x="699112" y="3247345"/>
+            <a:ext cx="3371165" cy="2245881"/>
+          </a:xfrm>
+        </p:spPr>
+      </p:pic>
+      <p:sp>
+        <p:nvSpPr>
+          <p:cNvPr id="11" name="Text Placeholder 10">
+            <a:extLst>
+              <a:ext uri="{FF2B5EF4-FFF2-40B4-BE49-F238E27FC236}">
+                <a16:creationId xmlns:a16="http://schemas.microsoft.com/office/drawing/2014/main" id="{1C42F536-297C-4150-9386-036D63DC693C}"/>
+              </a:ext>
+            </a:extLst>
+          </p:cNvPr>
+          <p:cNvSpPr>
+            <a:spLocks noGrp="1"/>
+          </p:cNvSpPr>
+          <p:nvPr>
+            <p:ph type="body" sz="quarter" idx="3"/>
+          </p:nvPr>
+        </p:nvSpPr>
+        <p:spPr/>
+        <p:txBody>
+          <a:bodyPr/>
+          <a:lstStyle/>
+          <a:p>
+            <a:r>
+              <a:rPr lang="en-US" dirty="0"/>
+              <a:t>After Fetch</a:t>
+            </a:r>
+          </a:p>
+        </p:txBody>
+      </p:sp>
+      <p:pic>
+        <p:nvPicPr>
+          <p:cNvPr id="9" name="Content Placeholder 8">
+            <a:extLst>
+              <a:ext uri="{FF2B5EF4-FFF2-40B4-BE49-F238E27FC236}">
+                <a16:creationId xmlns:a16="http://schemas.microsoft.com/office/drawing/2014/main" id="{748A7AE9-551B-47C2-8608-9414F8FC8FE8}"/>
+              </a:ext>
+            </a:extLst>
+          </p:cNvPr>
+          <p:cNvPicPr>
+            <a:picLocks noGrp="1" noChangeAspect="1"/>
+          </p:cNvPicPr>
+          <p:nvPr>
+            <p:ph sz="quarter" idx="4"/>
+          </p:nvPr>
+        </p:nvPicPr>
+        <p:blipFill>
+          <a:blip r:embed="rId3">
+            <a:extLst>
+              <a:ext uri="{28A0092B-C50C-407E-A947-70E740481C1C}">
+                <a14:useLocalDpi xmlns:a14="http://schemas.microsoft.com/office/drawing/2010/main" val="0"/>
+              </a:ext>
+            </a:extLst>
+          </a:blip>
+          <a:srcRect/>
+          <a:stretch/>
+        </p:blipFill>
+        <p:spPr>
+          <a:xfrm>
+            <a:off x="4229960" y="3247346"/>
+            <a:ext cx="3367086" cy="2245881"/>
+          </a:xfrm>
+        </p:spPr>
+      </p:pic>
+    </p:spTree>
+    <p:extLst>
+      <p:ext uri="{BB962C8B-B14F-4D97-AF65-F5344CB8AC3E}">
+        <p14:creationId xmlns:p14="http://schemas.microsoft.com/office/powerpoint/2010/main" val="793623426"/>
+      </p:ext>
+    </p:extLst>
+  </p:cSld>
+  <p:clrMapOvr>
+    <a:masterClrMapping/>
+  </p:clrMapOvr>
+</p:sld>
+</file>
+
+<file path=ppt/slides/slide19.xml><?xml version="1.0" encoding="utf-8"?>
+<p:sld xmlns:a="http://schemas.openxmlformats.org/drawingml/2006/main" xmlns:r="http://schemas.openxmlformats.org/officeDocument/2006/relationships" xmlns:p="http://schemas.openxmlformats.org/presentationml/2006/main">
+  <p:cSld>
+    <p:spTree>
+      <p:nvGrpSpPr>
+        <p:cNvPr id="1" name=""/>
+        <p:cNvGrpSpPr/>
+        <p:nvPr/>
+      </p:nvGrpSpPr>
+      <p:grpSpPr>
+        <a:xfrm>
+          <a:off x="0" y="0"/>
+          <a:ext cx="0" cy="0"/>
+          <a:chOff x="0" y="0"/>
+          <a:chExt cx="0" cy="0"/>
+        </a:xfrm>
+      </p:grpSpPr>
+      <p:sp>
+        <p:nvSpPr>
+          <p:cNvPr id="2" name="Title 1">
+            <a:extLst>
+              <a:ext uri="{FF2B5EF4-FFF2-40B4-BE49-F238E27FC236}">
+                <a16:creationId xmlns:a16="http://schemas.microsoft.com/office/drawing/2014/main" id="{3A349128-B5BF-4A6C-BC5A-74100DD9AAFB}"/>
+              </a:ext>
+            </a:extLst>
+          </p:cNvPr>
+          <p:cNvSpPr>
+            <a:spLocks noGrp="1"/>
+          </p:cNvSpPr>
+          <p:nvPr>
+            <p:ph type="title"/>
+          </p:nvPr>
+        </p:nvSpPr>
+        <p:spPr/>
+        <p:txBody>
+          <a:bodyPr/>
+          <a:lstStyle/>
+          <a:p>
+            <a:r>
+              <a:rPr lang="en-US" dirty="0"/>
+              <a:t>Delete Local Branch</a:t>
+            </a:r>
+          </a:p>
+        </p:txBody>
+      </p:sp>
+      <p:sp>
+        <p:nvSpPr>
+          <p:cNvPr id="3" name="Content Placeholder 2">
+            <a:extLst>
+              <a:ext uri="{FF2B5EF4-FFF2-40B4-BE49-F238E27FC236}">
+                <a16:creationId xmlns:a16="http://schemas.microsoft.com/office/drawing/2014/main" id="{B150E1AE-8BAD-4EAF-8598-D2E9F4FED3F7}"/>
+              </a:ext>
+            </a:extLst>
+          </p:cNvPr>
+          <p:cNvSpPr>
+            <a:spLocks noGrp="1"/>
+          </p:cNvSpPr>
+          <p:nvPr>
+            <p:ph sz="half" idx="1"/>
+          </p:nvPr>
+        </p:nvSpPr>
+        <p:spPr/>
+        <p:txBody>
+          <a:bodyPr/>
+          <a:lstStyle/>
+          <a:p>
+            <a:r>
+              <a:rPr lang="en-US" dirty="0"/>
+              <a:t>Checkout master</a:t>
+            </a:r>
+          </a:p>
+          <a:p>
+            <a:r>
+              <a:rPr lang="en-US" dirty="0"/>
+              <a:t>Right click master &gt; Checkout 'master'</a:t>
+            </a:r>
+          </a:p>
+          <a:p>
+            <a:r>
+              <a:rPr lang="en-US" dirty="0"/>
+              <a:t>Right click branch &gt; Merge into 'master'</a:t>
+            </a:r>
+          </a:p>
+          <a:p>
+            <a:r>
+              <a:rPr lang="en-US" dirty="0"/>
+              <a:t>Right click branch &gt; Delete</a:t>
+            </a:r>
+          </a:p>
+        </p:txBody>
+      </p:sp>
+      <p:pic>
+        <p:nvPicPr>
+          <p:cNvPr id="5" name="Content Placeholder 4">
+            <a:extLst>
+              <a:ext uri="{FF2B5EF4-FFF2-40B4-BE49-F238E27FC236}">
+                <a16:creationId xmlns:a16="http://schemas.microsoft.com/office/drawing/2014/main" id="{DDDDF3B8-B3E6-4A98-A74F-8461ACEC2F45}"/>
+              </a:ext>
+            </a:extLst>
+          </p:cNvPr>
+          <p:cNvPicPr>
+            <a:picLocks noGrp="1" noChangeAspect="1"/>
+          </p:cNvPicPr>
+          <p:nvPr>
+            <p:ph sz="half" idx="2"/>
+          </p:nvPr>
+        </p:nvPicPr>
+        <p:blipFill>
+          <a:blip r:embed="rId2"/>
+          <a:stretch>
+            <a:fillRect/>
+          </a:stretch>
+        </p:blipFill>
+        <p:spPr>
+          <a:xfrm>
+            <a:off x="4060825" y="3011342"/>
+            <a:ext cx="3360738" cy="2249779"/>
+          </a:xfrm>
+          <a:prstGeom prst="rect">
+            <a:avLst/>
+          </a:prstGeom>
+        </p:spPr>
+      </p:pic>
+    </p:spTree>
+    <p:extLst>
+      <p:ext uri="{BB962C8B-B14F-4D97-AF65-F5344CB8AC3E}">
+        <p14:creationId xmlns:p14="http://schemas.microsoft.com/office/powerpoint/2010/main" val="3025987712"/>
+      </p:ext>
+    </p:extLst>
+  </p:cSld>
+  <p:clrMapOvr>
+    <a:masterClrMapping/>
+  </p:clrMapOvr>
+</p:sld>
+</file>
+
 <file path=ppt/slides/slide2.xml><?xml version="1.0" encoding="utf-8"?>
 <p:sld xmlns:a="http://schemas.openxmlformats.org/drawingml/2006/main" xmlns:r="http://schemas.openxmlformats.org/officeDocument/2006/relationships" xmlns:p="http://schemas.openxmlformats.org/presentationml/2006/main">
   <p:cSld>
@@ -7943,8 +9526,8 @@
         </p:blipFill>
         <p:spPr>
           <a:xfrm>
-            <a:off x="5378678" y="2291750"/>
-            <a:ext cx="5888817" cy="3813022"/>
+            <a:off x="4060825" y="2336873"/>
+            <a:ext cx="4459292" cy="2887401"/>
           </a:xfrm>
           <a:prstGeom prst="rect">
             <a:avLst/>
@@ -7955,6 +9538,291 @@
     <p:extLst>
       <p:ext uri="{BB962C8B-B14F-4D97-AF65-F5344CB8AC3E}">
         <p14:creationId xmlns:p14="http://schemas.microsoft.com/office/powerpoint/2010/main" val="2493889171"/>
+      </p:ext>
+    </p:extLst>
+  </p:cSld>
+  <p:clrMapOvr>
+    <a:masterClrMapping/>
+  </p:clrMapOvr>
+</p:sld>
+</file>
+
+<file path=ppt/slides/slide20.xml><?xml version="1.0" encoding="utf-8"?>
+<p:sld xmlns:a="http://schemas.openxmlformats.org/drawingml/2006/main" xmlns:r="http://schemas.openxmlformats.org/officeDocument/2006/relationships" xmlns:p="http://schemas.openxmlformats.org/presentationml/2006/main">
+  <p:cSld>
+    <p:spTree>
+      <p:nvGrpSpPr>
+        <p:cNvPr id="1" name=""/>
+        <p:cNvGrpSpPr/>
+        <p:nvPr/>
+      </p:nvGrpSpPr>
+      <p:grpSpPr>
+        <a:xfrm>
+          <a:off x="0" y="0"/>
+          <a:ext cx="0" cy="0"/>
+          <a:chOff x="0" y="0"/>
+          <a:chExt cx="0" cy="0"/>
+        </a:xfrm>
+      </p:grpSpPr>
+      <p:sp>
+        <p:nvSpPr>
+          <p:cNvPr id="2" name="Title 1">
+            <a:extLst>
+              <a:ext uri="{FF2B5EF4-FFF2-40B4-BE49-F238E27FC236}">
+                <a16:creationId xmlns:a16="http://schemas.microsoft.com/office/drawing/2014/main" id="{CB8520B5-60BB-4CE0-B049-9BA04D4361F4}"/>
+              </a:ext>
+            </a:extLst>
+          </p:cNvPr>
+          <p:cNvSpPr>
+            <a:spLocks noGrp="1"/>
+          </p:cNvSpPr>
+          <p:nvPr>
+            <p:ph type="title"/>
+          </p:nvPr>
+        </p:nvSpPr>
+        <p:spPr/>
+        <p:txBody>
+          <a:bodyPr/>
+          <a:lstStyle/>
+          <a:p>
+            <a:r>
+              <a:rPr lang="en-US" dirty="0"/>
+              <a:t>Pull</a:t>
+            </a:r>
+          </a:p>
+        </p:txBody>
+      </p:sp>
+      <p:sp>
+        <p:nvSpPr>
+          <p:cNvPr id="3" name="Content Placeholder 2">
+            <a:extLst>
+              <a:ext uri="{FF2B5EF4-FFF2-40B4-BE49-F238E27FC236}">
+                <a16:creationId xmlns:a16="http://schemas.microsoft.com/office/drawing/2014/main" id="{55640A76-8830-47E1-A8C2-2476DD1EF1E0}"/>
+              </a:ext>
+            </a:extLst>
+          </p:cNvPr>
+          <p:cNvSpPr>
+            <a:spLocks noGrp="1"/>
+          </p:cNvSpPr>
+          <p:nvPr>
+            <p:ph sz="half" idx="1"/>
+          </p:nvPr>
+        </p:nvSpPr>
+        <p:spPr/>
+        <p:txBody>
+          <a:bodyPr/>
+          <a:lstStyle/>
+          <a:p>
+            <a:r>
+              <a:rPr lang="en-US" dirty="0"/>
+              <a:t>Fetch and merge</a:t>
+            </a:r>
+          </a:p>
+          <a:p>
+            <a:r>
+              <a:rPr lang="en-US" dirty="0"/>
+              <a:t>Will incorporate others' changes into your working directory</a:t>
+            </a:r>
+          </a:p>
+          <a:p>
+            <a:r>
+              <a:rPr lang="en-US" dirty="0"/>
+              <a:t>May need to resolve merge conflicts manually</a:t>
+            </a:r>
+          </a:p>
+        </p:txBody>
+      </p:sp>
+      <p:pic>
+        <p:nvPicPr>
+          <p:cNvPr id="5" name="Content Placeholder 4">
+            <a:extLst>
+              <a:ext uri="{FF2B5EF4-FFF2-40B4-BE49-F238E27FC236}">
+                <a16:creationId xmlns:a16="http://schemas.microsoft.com/office/drawing/2014/main" id="{1E81F215-AD04-4FC6-AEF9-2E88D3A285EE}"/>
+              </a:ext>
+            </a:extLst>
+          </p:cNvPr>
+          <p:cNvPicPr>
+            <a:picLocks noGrp="1" noChangeAspect="1"/>
+          </p:cNvPicPr>
+          <p:nvPr>
+            <p:ph sz="half" idx="2"/>
+          </p:nvPr>
+        </p:nvPicPr>
+        <p:blipFill>
+          <a:blip r:embed="rId2"/>
+          <a:stretch>
+            <a:fillRect/>
+          </a:stretch>
+        </p:blipFill>
+        <p:spPr>
+          <a:xfrm>
+            <a:off x="4060824" y="2336873"/>
+            <a:ext cx="4378017" cy="2920181"/>
+          </a:xfrm>
+          <a:prstGeom prst="rect">
+            <a:avLst/>
+          </a:prstGeom>
+        </p:spPr>
+      </p:pic>
+    </p:spTree>
+    <p:extLst>
+      <p:ext uri="{BB962C8B-B14F-4D97-AF65-F5344CB8AC3E}">
+        <p14:creationId xmlns:p14="http://schemas.microsoft.com/office/powerpoint/2010/main" val="3156102781"/>
+      </p:ext>
+    </p:extLst>
+  </p:cSld>
+  <p:clrMapOvr>
+    <a:masterClrMapping/>
+  </p:clrMapOvr>
+</p:sld>
+</file>
+
+<file path=ppt/slides/slide21.xml><?xml version="1.0" encoding="utf-8"?>
+<p:sld xmlns:a="http://schemas.openxmlformats.org/drawingml/2006/main" xmlns:r="http://schemas.openxmlformats.org/officeDocument/2006/relationships" xmlns:p="http://schemas.openxmlformats.org/presentationml/2006/main">
+  <p:cSld>
+    <p:spTree>
+      <p:nvGrpSpPr>
+        <p:cNvPr id="1" name=""/>
+        <p:cNvGrpSpPr/>
+        <p:nvPr/>
+      </p:nvGrpSpPr>
+      <p:grpSpPr>
+        <a:xfrm>
+          <a:off x="0" y="0"/>
+          <a:ext cx="0" cy="0"/>
+          <a:chOff x="0" y="0"/>
+          <a:chExt cx="0" cy="0"/>
+        </a:xfrm>
+      </p:grpSpPr>
+      <p:sp>
+        <p:nvSpPr>
+          <p:cNvPr id="2" name="Title 1">
+            <a:extLst>
+              <a:ext uri="{FF2B5EF4-FFF2-40B4-BE49-F238E27FC236}">
+                <a16:creationId xmlns:a16="http://schemas.microsoft.com/office/drawing/2014/main" id="{D543090A-5D19-427D-8872-1C554FCA8653}"/>
+              </a:ext>
+            </a:extLst>
+          </p:cNvPr>
+          <p:cNvSpPr>
+            <a:spLocks noGrp="1"/>
+          </p:cNvSpPr>
+          <p:nvPr>
+            <p:ph type="title"/>
+          </p:nvPr>
+        </p:nvSpPr>
+        <p:spPr/>
+        <p:txBody>
+          <a:bodyPr/>
+          <a:lstStyle/>
+          <a:p>
+            <a:r>
+              <a:rPr lang="en-US" dirty="0"/>
+              <a:t>Ignoring Files</a:t>
+            </a:r>
+          </a:p>
+        </p:txBody>
+      </p:sp>
+      <p:sp>
+        <p:nvSpPr>
+          <p:cNvPr id="3" name="Content Placeholder 2">
+            <a:extLst>
+              <a:ext uri="{FF2B5EF4-FFF2-40B4-BE49-F238E27FC236}">
+                <a16:creationId xmlns:a16="http://schemas.microsoft.com/office/drawing/2014/main" id="{2F8C0A5D-6B5B-4622-9901-91B26AD6DCE9}"/>
+              </a:ext>
+            </a:extLst>
+          </p:cNvPr>
+          <p:cNvSpPr>
+            <a:spLocks noGrp="1"/>
+          </p:cNvSpPr>
+          <p:nvPr>
+            <p:ph sz="half" idx="1"/>
+          </p:nvPr>
+        </p:nvSpPr>
+        <p:spPr/>
+        <p:txBody>
+          <a:bodyPr/>
+          <a:lstStyle/>
+          <a:p>
+            <a:r>
+              <a:rPr lang="en-US" dirty="0"/>
+              <a:t>Don't track in version control</a:t>
+            </a:r>
+          </a:p>
+          <a:p>
+            <a:r>
+              <a:rPr lang="en-US" dirty="0"/>
+              <a:t>Ignore compiled code directories</a:t>
+            </a:r>
+          </a:p>
+          <a:p>
+            <a:pPr lvl="1"/>
+            <a:r>
+              <a:rPr lang="en-US" dirty="0"/>
+              <a:t>classes</a:t>
+            </a:r>
+          </a:p>
+          <a:p>
+            <a:pPr lvl="1"/>
+            <a:r>
+              <a:rPr lang="en-US" dirty="0"/>
+              <a:t>out</a:t>
+            </a:r>
+          </a:p>
+          <a:p>
+            <a:endParaRPr lang="en-US" dirty="0"/>
+          </a:p>
+          <a:p>
+            <a:r>
+              <a:rPr lang="en-US" dirty="0"/>
+              <a:t>.</a:t>
+            </a:r>
+            <a:r>
+              <a:rPr lang="en-US" dirty="0" err="1"/>
+              <a:t>gitignore</a:t>
+            </a:r>
+            <a:r>
+              <a:rPr lang="en-US" dirty="0"/>
+              <a:t> on top level of repo</a:t>
+            </a:r>
+          </a:p>
+        </p:txBody>
+      </p:sp>
+      <p:pic>
+        <p:nvPicPr>
+          <p:cNvPr id="5" name="Content Placeholder 4">
+            <a:extLst>
+              <a:ext uri="{FF2B5EF4-FFF2-40B4-BE49-F238E27FC236}">
+                <a16:creationId xmlns:a16="http://schemas.microsoft.com/office/drawing/2014/main" id="{C7306C2C-8298-4E3A-8297-AA023443F7B5}"/>
+              </a:ext>
+            </a:extLst>
+          </p:cNvPr>
+          <p:cNvPicPr>
+            <a:picLocks noGrp="1" noChangeAspect="1"/>
+          </p:cNvPicPr>
+          <p:nvPr>
+            <p:ph sz="half" idx="2"/>
+          </p:nvPr>
+        </p:nvPicPr>
+        <p:blipFill>
+          <a:blip r:embed="rId2"/>
+          <a:stretch>
+            <a:fillRect/>
+          </a:stretch>
+        </p:blipFill>
+        <p:spPr>
+          <a:xfrm>
+            <a:off x="4060825" y="3030050"/>
+            <a:ext cx="3360738" cy="2212363"/>
+          </a:xfrm>
+          <a:prstGeom prst="rect">
+            <a:avLst/>
+          </a:prstGeom>
+        </p:spPr>
+      </p:pic>
+    </p:spTree>
+    <p:extLst>
+      <p:ext uri="{BB962C8B-B14F-4D97-AF65-F5344CB8AC3E}">
+        <p14:creationId xmlns:p14="http://schemas.microsoft.com/office/powerpoint/2010/main" val="1215423821"/>
       </p:ext>
     </p:extLst>
   </p:cSld>
@@ -8078,8 +9946,8 @@
         </p:blipFill>
         <p:spPr>
           <a:xfrm>
-            <a:off x="5594350" y="2412318"/>
-            <a:ext cx="5484982" cy="4023167"/>
+            <a:off x="4060824" y="2336873"/>
+            <a:ext cx="4133523" cy="3031888"/>
           </a:xfrm>
           <a:prstGeom prst="rect">
             <a:avLst/>
@@ -8121,7 +9989,7 @@
           <p:cNvPr id="2" name="Title 1">
             <a:extLst>
               <a:ext uri="{FF2B5EF4-FFF2-40B4-BE49-F238E27FC236}">
-                <a16:creationId xmlns:a16="http://schemas.microsoft.com/office/drawing/2014/main" id="{AA47AF5D-AAA1-4EF5-900A-320B2DC99DFA}"/>
+                <a16:creationId xmlns:a16="http://schemas.microsoft.com/office/drawing/2014/main" id="{154B35D4-EC3F-40D6-ADC2-0AEB51029FC5}"/>
               </a:ext>
             </a:extLst>
           </p:cNvPr>
@@ -8139,17 +10007,58 @@
           <a:p>
             <a:r>
               <a:rPr lang="en-US" dirty="0"/>
-              <a:t>Fetch</a:t>
+              <a:t>Start Feature Branch</a:t>
+            </a:r>
+          </a:p>
+        </p:txBody>
+      </p:sp>
+      <p:sp>
+        <p:nvSpPr>
+          <p:cNvPr id="4" name="Content Placeholder 3">
+            <a:extLst>
+              <a:ext uri="{FF2B5EF4-FFF2-40B4-BE49-F238E27FC236}">
+                <a16:creationId xmlns:a16="http://schemas.microsoft.com/office/drawing/2014/main" id="{49A9E597-FB04-4714-B8DE-5184CED2676B}"/>
+              </a:ext>
+            </a:extLst>
+          </p:cNvPr>
+          <p:cNvSpPr>
+            <a:spLocks noGrp="1"/>
+          </p:cNvSpPr>
+          <p:nvPr>
+            <p:ph sz="half" idx="1"/>
+          </p:nvPr>
+        </p:nvSpPr>
+        <p:spPr/>
+        <p:txBody>
+          <a:bodyPr/>
+          <a:lstStyle/>
+          <a:p>
+            <a:r>
+              <a:rPr lang="en-US" dirty="0"/>
+              <a:t>Uncommitted changes moved to new branch</a:t>
+            </a:r>
+          </a:p>
+          <a:p>
+            <a:r>
+              <a:rPr lang="en-US" dirty="0"/>
+              <a:t>Check out</a:t>
+            </a:r>
+          </a:p>
+          <a:p>
+            <a:pPr lvl="1"/>
+            <a:r>
+              <a:rPr lang="en-US" dirty="0"/>
+              <a:t>Work in branch</a:t>
             </a:r>
           </a:p>
         </p:txBody>
       </p:sp>
       <p:pic>
         <p:nvPicPr>
-          <p:cNvPr id="7" name="Content Placeholder 6" descr="A screenshot of a cell phone&#10;&#10;Description automatically generated">
+          <p:cNvPr id="6" name="Content Placeholder 5">
             <a:extLst>
               <a:ext uri="{FF2B5EF4-FFF2-40B4-BE49-F238E27FC236}">
-                <a16:creationId xmlns:a16="http://schemas.microsoft.com/office/drawing/2014/main" id="{8B02C674-39D2-4A9B-9A86-71D91A7BF177}"/>
+                <a16:creationId xmlns:a16="http://schemas.microsoft.com/office/drawing/2014/main" id="{95022769-581A-484C-ACA2-F7D77DD02597}"/>
               </a:ext>
             </a:extLst>
           </p:cNvPr>
@@ -8157,67 +10066,29 @@
             <a:picLocks noGrp="1" noChangeAspect="1"/>
           </p:cNvPicPr>
           <p:nvPr>
-            <p:ph sz="half" idx="1"/>
+            <p:ph sz="half" idx="2"/>
           </p:nvPr>
         </p:nvPicPr>
         <p:blipFill>
-          <a:blip r:embed="rId2">
-            <a:extLst>
-              <a:ext uri="{28A0092B-C50C-407E-A947-70E740481C1C}">
-                <a14:useLocalDpi xmlns:a14="http://schemas.microsoft.com/office/drawing/2010/main" val="0"/>
-              </a:ext>
-            </a:extLst>
-          </a:blip>
+          <a:blip r:embed="rId2"/>
           <a:stretch>
             <a:fillRect/>
           </a:stretch>
         </p:blipFill>
         <p:spPr>
           <a:xfrm>
-            <a:off x="681038" y="2727008"/>
-            <a:ext cx="4697412" cy="2818447"/>
+            <a:off x="4060824" y="2336873"/>
+            <a:ext cx="4384995" cy="2917289"/>
           </a:xfrm>
-        </p:spPr>
-      </p:pic>
-      <p:pic>
-        <p:nvPicPr>
-          <p:cNvPr id="9" name="Content Placeholder 8" descr="A screenshot of a social media post&#10;&#10;Description automatically generated">
-            <a:extLst>
-              <a:ext uri="{FF2B5EF4-FFF2-40B4-BE49-F238E27FC236}">
-                <a16:creationId xmlns:a16="http://schemas.microsoft.com/office/drawing/2014/main" id="{748A7AE9-551B-47C2-8608-9414F8FC8FE8}"/>
-              </a:ext>
-            </a:extLst>
-          </p:cNvPr>
-          <p:cNvPicPr>
-            <a:picLocks noGrp="1" noChangeAspect="1"/>
-          </p:cNvPicPr>
-          <p:nvPr>
-            <p:ph sz="half" idx="2"/>
-          </p:nvPr>
-        </p:nvPicPr>
-        <p:blipFill>
-          <a:blip r:embed="rId3">
-            <a:extLst>
-              <a:ext uri="{28A0092B-C50C-407E-A947-70E740481C1C}">
-                <a14:useLocalDpi xmlns:a14="http://schemas.microsoft.com/office/drawing/2010/main" val="0"/>
-              </a:ext>
-            </a:extLst>
-          </a:blip>
-          <a:stretch>
-            <a:fillRect/>
-          </a:stretch>
-        </p:blipFill>
-        <p:spPr>
-          <a:xfrm>
-            <a:off x="5594350" y="2726055"/>
-            <a:ext cx="4700588" cy="2820353"/>
-          </a:xfrm>
+          <a:prstGeom prst="rect">
+            <a:avLst/>
+          </a:prstGeom>
         </p:spPr>
       </p:pic>
     </p:spTree>
     <p:extLst>
       <p:ext uri="{BB962C8B-B14F-4D97-AF65-F5344CB8AC3E}">
-        <p14:creationId xmlns:p14="http://schemas.microsoft.com/office/powerpoint/2010/main" val="793623426"/>
+        <p14:creationId xmlns:p14="http://schemas.microsoft.com/office/powerpoint/2010/main" val="1935770580"/>
       </p:ext>
     </p:extLst>
   </p:cSld>
@@ -8249,7 +10120,7 @@
           <p:cNvPr id="2" name="Title 1">
             <a:extLst>
               <a:ext uri="{FF2B5EF4-FFF2-40B4-BE49-F238E27FC236}">
-                <a16:creationId xmlns:a16="http://schemas.microsoft.com/office/drawing/2014/main" id="{CB8520B5-60BB-4CE0-B049-9BA04D4361F4}"/>
+                <a16:creationId xmlns:a16="http://schemas.microsoft.com/office/drawing/2014/main" id="{1C5A4181-DC77-4B48-980D-79E1936DAFD5}"/>
               </a:ext>
             </a:extLst>
           </p:cNvPr>
@@ -8267,7 +10138,7 @@
           <a:p>
             <a:r>
               <a:rPr lang="en-US" dirty="0"/>
-              <a:t>Pull</a:t>
+              <a:t>Make Changes</a:t>
             </a:r>
           </a:p>
         </p:txBody>
@@ -8277,7 +10148,7 @@
           <p:cNvPr id="3" name="Content Placeholder 2">
             <a:extLst>
               <a:ext uri="{FF2B5EF4-FFF2-40B4-BE49-F238E27FC236}">
-                <a16:creationId xmlns:a16="http://schemas.microsoft.com/office/drawing/2014/main" id="{55640A76-8830-47E1-A8C2-2476DD1EF1E0}"/>
+                <a16:creationId xmlns:a16="http://schemas.microsoft.com/office/drawing/2014/main" id="{80F81AB3-367D-4345-9A01-8FDC96F28330}"/>
               </a:ext>
             </a:extLst>
           </p:cNvPr>
@@ -8295,46 +10166,58 @@
           <a:p>
             <a:r>
               <a:rPr lang="en-US" dirty="0"/>
-              <a:t>Fetch + merge</a:t>
+              <a:t>Make your changes</a:t>
             </a:r>
           </a:p>
           <a:p>
             <a:r>
               <a:rPr lang="en-US" dirty="0"/>
-              <a:t>Will incorporate others' changes</a:t>
-            </a:r>
-          </a:p>
-        </p:txBody>
-      </p:sp>
-      <p:sp>
-        <p:nvSpPr>
-          <p:cNvPr id="4" name="Content Placeholder 3">
+              <a:t>Still working locally</a:t>
+            </a:r>
+          </a:p>
+        </p:txBody>
+      </p:sp>
+      <p:pic>
+        <p:nvPicPr>
+          <p:cNvPr id="5" name="Content Placeholder 4">
             <a:extLst>
               <a:ext uri="{FF2B5EF4-FFF2-40B4-BE49-F238E27FC236}">
-                <a16:creationId xmlns:a16="http://schemas.microsoft.com/office/drawing/2014/main" id="{B0A17BF5-4D98-4E03-9315-0BAA0622C26F}"/>
+                <a16:creationId xmlns:a16="http://schemas.microsoft.com/office/drawing/2014/main" id="{366E524A-5445-42A3-83DA-4AA38D27924F}"/>
               </a:ext>
             </a:extLst>
           </p:cNvPr>
-          <p:cNvSpPr>
-            <a:spLocks noGrp="1"/>
-          </p:cNvSpPr>
+          <p:cNvPicPr>
+            <a:picLocks noGrp="1" noChangeAspect="1"/>
+          </p:cNvPicPr>
           <p:nvPr>
             <p:ph sz="half" idx="2"/>
           </p:nvPr>
-        </p:nvSpPr>
-        <p:spPr/>
-        <p:txBody>
-          <a:bodyPr/>
-          <a:lstStyle/>
-          <a:p>
-            <a:endParaRPr lang="en-US"/>
-          </a:p>
-        </p:txBody>
-      </p:sp>
+        </p:nvPicPr>
+        <p:blipFill>
+          <a:blip r:embed="rId2">
+            <a:extLst>
+              <a:ext uri="{28A0092B-C50C-407E-A947-70E740481C1C}">
+                <a14:useLocalDpi xmlns:a14="http://schemas.microsoft.com/office/drawing/2010/main" val="0"/>
+              </a:ext>
+            </a:extLst>
+          </a:blip>
+          <a:srcRect/>
+          <a:stretch/>
+        </p:blipFill>
+        <p:spPr>
+          <a:xfrm>
+            <a:off x="4060825" y="2397084"/>
+            <a:ext cx="4062243" cy="2966083"/>
+          </a:xfrm>
+          <a:prstGeom prst="rect">
+            <a:avLst/>
+          </a:prstGeom>
+        </p:spPr>
+      </p:pic>
     </p:spTree>
     <p:extLst>
       <p:ext uri="{BB962C8B-B14F-4D97-AF65-F5344CB8AC3E}">
-        <p14:creationId xmlns:p14="http://schemas.microsoft.com/office/powerpoint/2010/main" val="3156102781"/>
+        <p14:creationId xmlns:p14="http://schemas.microsoft.com/office/powerpoint/2010/main" val="1246162141"/>
       </p:ext>
     </p:extLst>
   </p:cSld>
@@ -8366,7 +10249,7 @@
           <p:cNvPr id="2" name="Title 1">
             <a:extLst>
               <a:ext uri="{FF2B5EF4-FFF2-40B4-BE49-F238E27FC236}">
-                <a16:creationId xmlns:a16="http://schemas.microsoft.com/office/drawing/2014/main" id="{D543090A-5D19-427D-8872-1C554FCA8653}"/>
+                <a16:creationId xmlns:a16="http://schemas.microsoft.com/office/drawing/2014/main" id="{99DB6214-0BA7-4935-BA80-2A0BA7989D26}"/>
               </a:ext>
             </a:extLst>
           </p:cNvPr>
@@ -8383,8 +10266,12 @@
           <a:lstStyle/>
           <a:p>
             <a:r>
+              <a:rPr lang="en-US" dirty="0" err="1"/>
+              <a:t>Unstaged</a:t>
+            </a:r>
+            <a:r>
               <a:rPr lang="en-US" dirty="0"/>
-              <a:t>Ignoring Files</a:t>
+              <a:t> vs. Staged</a:t>
             </a:r>
           </a:p>
         </p:txBody>
@@ -8394,7 +10281,7 @@
           <p:cNvPr id="3" name="Content Placeholder 2">
             <a:extLst>
               <a:ext uri="{FF2B5EF4-FFF2-40B4-BE49-F238E27FC236}">
-                <a16:creationId xmlns:a16="http://schemas.microsoft.com/office/drawing/2014/main" id="{2F8C0A5D-6B5B-4622-9901-91B26AD6DCE9}"/>
+                <a16:creationId xmlns:a16="http://schemas.microsoft.com/office/drawing/2014/main" id="{2E7FEED9-5ECC-4E41-863C-9653615FBA88}"/>
               </a:ext>
             </a:extLst>
           </p:cNvPr>
@@ -8412,45 +10299,19 @@
           <a:p>
             <a:r>
               <a:rPr lang="en-US" dirty="0"/>
-              <a:t>Don't track in version control</a:t>
+              <a:t>Stage the changes related to your feature</a:t>
             </a:r>
           </a:p>
           <a:p>
             <a:r>
               <a:rPr lang="en-US" dirty="0"/>
-              <a:t>Ignore compiled code directories</a:t>
-            </a:r>
-          </a:p>
-          <a:p>
-            <a:pPr lvl="1"/>
+              <a:t>Staged changes will be included in next commit</a:t>
+            </a:r>
+          </a:p>
+          <a:p>
             <a:r>
               <a:rPr lang="en-US" dirty="0"/>
-              <a:t>classes</a:t>
-            </a:r>
-          </a:p>
-          <a:p>
-            <a:pPr lvl="1"/>
-            <a:r>
-              <a:rPr lang="en-US"/>
-              <a:t>out</a:t>
-            </a:r>
-            <a:endParaRPr lang="en-US" dirty="0"/>
-          </a:p>
-          <a:p>
-            <a:endParaRPr lang="en-US" dirty="0"/>
-          </a:p>
-          <a:p>
-            <a:r>
-              <a:rPr lang="en-US" dirty="0"/>
-              <a:t>.</a:t>
-            </a:r>
-            <a:r>
-              <a:rPr lang="en-US" dirty="0" err="1"/>
-              <a:t>gitignore</a:t>
-            </a:r>
-            <a:r>
-              <a:rPr lang="en-US" dirty="0"/>
-              <a:t> on top level of repo</a:t>
+              <a:t>Only committed changes get pushed to remote</a:t>
             </a:r>
           </a:p>
         </p:txBody>
@@ -8460,7 +10321,7 @@
           <p:cNvPr id="5" name="Content Placeholder 4">
             <a:extLst>
               <a:ext uri="{FF2B5EF4-FFF2-40B4-BE49-F238E27FC236}">
-                <a16:creationId xmlns:a16="http://schemas.microsoft.com/office/drawing/2014/main" id="{C7306C2C-8298-4E3A-8297-AA023443F7B5}"/>
+                <a16:creationId xmlns:a16="http://schemas.microsoft.com/office/drawing/2014/main" id="{7E5F1DE7-945D-44B5-8851-96343282DE4C}"/>
               </a:ext>
             </a:extLst>
           </p:cNvPr>
@@ -8479,8 +10340,8 @@
         </p:blipFill>
         <p:spPr>
           <a:xfrm>
-            <a:off x="5594349" y="2589040"/>
-            <a:ext cx="5573759" cy="3669188"/>
+            <a:off x="4060824" y="2340245"/>
+            <a:ext cx="4372961" cy="2916809"/>
           </a:xfrm>
           <a:prstGeom prst="rect">
             <a:avLst/>
@@ -8490,7 +10351,416 @@
     </p:spTree>
     <p:extLst>
       <p:ext uri="{BB962C8B-B14F-4D97-AF65-F5344CB8AC3E}">
-        <p14:creationId xmlns:p14="http://schemas.microsoft.com/office/powerpoint/2010/main" val="1215423821"/>
+        <p14:creationId xmlns:p14="http://schemas.microsoft.com/office/powerpoint/2010/main" val="4231825703"/>
+      </p:ext>
+    </p:extLst>
+  </p:cSld>
+  <p:clrMapOvr>
+    <a:masterClrMapping/>
+  </p:clrMapOvr>
+</p:sld>
+</file>
+
+<file path=ppt/slides/slide7.xml><?xml version="1.0" encoding="utf-8"?>
+<p:sld xmlns:a="http://schemas.openxmlformats.org/drawingml/2006/main" xmlns:r="http://schemas.openxmlformats.org/officeDocument/2006/relationships" xmlns:p="http://schemas.openxmlformats.org/presentationml/2006/main">
+  <p:cSld>
+    <p:spTree>
+      <p:nvGrpSpPr>
+        <p:cNvPr id="1" name=""/>
+        <p:cNvGrpSpPr/>
+        <p:nvPr/>
+      </p:nvGrpSpPr>
+      <p:grpSpPr>
+        <a:xfrm>
+          <a:off x="0" y="0"/>
+          <a:ext cx="0" cy="0"/>
+          <a:chOff x="0" y="0"/>
+          <a:chExt cx="0" cy="0"/>
+        </a:xfrm>
+      </p:grpSpPr>
+      <p:sp>
+        <p:nvSpPr>
+          <p:cNvPr id="2" name="Title 1">
+            <a:extLst>
+              <a:ext uri="{FF2B5EF4-FFF2-40B4-BE49-F238E27FC236}">
+                <a16:creationId xmlns:a16="http://schemas.microsoft.com/office/drawing/2014/main" id="{17430C68-A7E2-4E5B-8585-9B636DA3A271}"/>
+              </a:ext>
+            </a:extLst>
+          </p:cNvPr>
+          <p:cNvSpPr>
+            <a:spLocks noGrp="1"/>
+          </p:cNvSpPr>
+          <p:nvPr>
+            <p:ph type="title"/>
+          </p:nvPr>
+        </p:nvSpPr>
+        <p:spPr/>
+        <p:txBody>
+          <a:bodyPr/>
+          <a:lstStyle/>
+          <a:p>
+            <a:r>
+              <a:rPr lang="en-US" dirty="0"/>
+              <a:t>Commit Changes</a:t>
+            </a:r>
+          </a:p>
+        </p:txBody>
+      </p:sp>
+      <p:sp>
+        <p:nvSpPr>
+          <p:cNvPr id="3" name="Content Placeholder 2">
+            <a:extLst>
+              <a:ext uri="{FF2B5EF4-FFF2-40B4-BE49-F238E27FC236}">
+                <a16:creationId xmlns:a16="http://schemas.microsoft.com/office/drawing/2014/main" id="{47A9170D-9538-456B-9EFA-E2082896A060}"/>
+              </a:ext>
+            </a:extLst>
+          </p:cNvPr>
+          <p:cNvSpPr>
+            <a:spLocks noGrp="1"/>
+          </p:cNvSpPr>
+          <p:nvPr>
+            <p:ph sz="half" idx="1"/>
+          </p:nvPr>
+        </p:nvSpPr>
+        <p:spPr/>
+        <p:txBody>
+          <a:bodyPr/>
+          <a:lstStyle/>
+          <a:p>
+            <a:r>
+              <a:rPr lang="en-US" dirty="0"/>
+              <a:t>When you're happy with your changes</a:t>
+            </a:r>
+          </a:p>
+          <a:p>
+            <a:r>
+              <a:rPr lang="en-US" dirty="0"/>
+              <a:t>Still working locally!</a:t>
+            </a:r>
+          </a:p>
+          <a:p>
+            <a:r>
+              <a:rPr lang="en-US" dirty="0"/>
+              <a:t>Don't be afraid to commit often</a:t>
+            </a:r>
+          </a:p>
+        </p:txBody>
+      </p:sp>
+      <p:pic>
+        <p:nvPicPr>
+          <p:cNvPr id="5" name="Content Placeholder 4">
+            <a:extLst>
+              <a:ext uri="{FF2B5EF4-FFF2-40B4-BE49-F238E27FC236}">
+                <a16:creationId xmlns:a16="http://schemas.microsoft.com/office/drawing/2014/main" id="{F74F48EF-8C36-484F-ADC5-04B4045D0E6B}"/>
+              </a:ext>
+            </a:extLst>
+          </p:cNvPr>
+          <p:cNvPicPr>
+            <a:picLocks noGrp="1" noChangeAspect="1"/>
+          </p:cNvPicPr>
+          <p:nvPr>
+            <p:ph sz="half" idx="2"/>
+          </p:nvPr>
+        </p:nvPicPr>
+        <p:blipFill>
+          <a:blip r:embed="rId2"/>
+          <a:stretch>
+            <a:fillRect/>
+          </a:stretch>
+        </p:blipFill>
+        <p:spPr>
+          <a:xfrm>
+            <a:off x="4060824" y="2336873"/>
+            <a:ext cx="4378017" cy="2920181"/>
+          </a:xfrm>
+          <a:prstGeom prst="rect">
+            <a:avLst/>
+          </a:prstGeom>
+        </p:spPr>
+      </p:pic>
+    </p:spTree>
+    <p:extLst>
+      <p:ext uri="{BB962C8B-B14F-4D97-AF65-F5344CB8AC3E}">
+        <p14:creationId xmlns:p14="http://schemas.microsoft.com/office/powerpoint/2010/main" val="3887073108"/>
+      </p:ext>
+    </p:extLst>
+  </p:cSld>
+  <p:clrMapOvr>
+    <a:masterClrMapping/>
+  </p:clrMapOvr>
+</p:sld>
+</file>
+
+<file path=ppt/slides/slide8.xml><?xml version="1.0" encoding="utf-8"?>
+<p:sld xmlns:a="http://schemas.openxmlformats.org/drawingml/2006/main" xmlns:r="http://schemas.openxmlformats.org/officeDocument/2006/relationships" xmlns:p="http://schemas.openxmlformats.org/presentationml/2006/main">
+  <p:cSld>
+    <p:spTree>
+      <p:nvGrpSpPr>
+        <p:cNvPr id="1" name=""/>
+        <p:cNvGrpSpPr/>
+        <p:nvPr/>
+      </p:nvGrpSpPr>
+      <p:grpSpPr>
+        <a:xfrm>
+          <a:off x="0" y="0"/>
+          <a:ext cx="0" cy="0"/>
+          <a:chOff x="0" y="0"/>
+          <a:chExt cx="0" cy="0"/>
+        </a:xfrm>
+      </p:grpSpPr>
+      <p:sp>
+        <p:nvSpPr>
+          <p:cNvPr id="2" name="Title 1">
+            <a:extLst>
+              <a:ext uri="{FF2B5EF4-FFF2-40B4-BE49-F238E27FC236}">
+                <a16:creationId xmlns:a16="http://schemas.microsoft.com/office/drawing/2014/main" id="{9E5C27EB-79DC-452B-8C2B-577A38B4B6BC}"/>
+              </a:ext>
+            </a:extLst>
+          </p:cNvPr>
+          <p:cNvSpPr>
+            <a:spLocks noGrp="1"/>
+          </p:cNvSpPr>
+          <p:nvPr>
+            <p:ph type="title"/>
+          </p:nvPr>
+        </p:nvSpPr>
+        <p:spPr/>
+        <p:txBody>
+          <a:bodyPr/>
+          <a:lstStyle/>
+          <a:p>
+            <a:r>
+              <a:rPr lang="en-US" dirty="0"/>
+              <a:t>Push</a:t>
+            </a:r>
+          </a:p>
+        </p:txBody>
+      </p:sp>
+      <p:sp>
+        <p:nvSpPr>
+          <p:cNvPr id="3" name="Content Placeholder 2">
+            <a:extLst>
+              <a:ext uri="{FF2B5EF4-FFF2-40B4-BE49-F238E27FC236}">
+                <a16:creationId xmlns:a16="http://schemas.microsoft.com/office/drawing/2014/main" id="{E327DC1A-ED2A-43D9-96AF-252749B74054}"/>
+              </a:ext>
+            </a:extLst>
+          </p:cNvPr>
+          <p:cNvSpPr>
+            <a:spLocks noGrp="1"/>
+          </p:cNvSpPr>
+          <p:nvPr>
+            <p:ph sz="half" idx="1"/>
+          </p:nvPr>
+        </p:nvSpPr>
+        <p:spPr/>
+        <p:txBody>
+          <a:bodyPr/>
+          <a:lstStyle/>
+          <a:p>
+            <a:r>
+              <a:rPr lang="en-US" dirty="0"/>
+              <a:t>Upload changes to remote (GitHub)</a:t>
+            </a:r>
+          </a:p>
+          <a:p>
+            <a:r>
+              <a:rPr lang="en-US" dirty="0"/>
+              <a:t>Don't push directly to master branch!</a:t>
+            </a:r>
+          </a:p>
+          <a:p>
+            <a:r>
+              <a:rPr lang="en-US" dirty="0"/>
+              <a:t>Create a new branch on GitHub</a:t>
+            </a:r>
+          </a:p>
+        </p:txBody>
+      </p:sp>
+      <p:pic>
+        <p:nvPicPr>
+          <p:cNvPr id="5" name="Content Placeholder 4">
+            <a:extLst>
+              <a:ext uri="{FF2B5EF4-FFF2-40B4-BE49-F238E27FC236}">
+                <a16:creationId xmlns:a16="http://schemas.microsoft.com/office/drawing/2014/main" id="{2A52BF4A-4D5C-44F5-84C9-94412386D9B3}"/>
+              </a:ext>
+            </a:extLst>
+          </p:cNvPr>
+          <p:cNvPicPr>
+            <a:picLocks noGrp="1" noChangeAspect="1"/>
+          </p:cNvPicPr>
+          <p:nvPr>
+            <p:ph sz="half" idx="2"/>
+          </p:nvPr>
+        </p:nvPicPr>
+        <p:blipFill>
+          <a:blip r:embed="rId2"/>
+          <a:stretch>
+            <a:fillRect/>
+          </a:stretch>
+        </p:blipFill>
+        <p:spPr>
+          <a:xfrm>
+            <a:off x="4060825" y="2346166"/>
+            <a:ext cx="4364084" cy="2910888"/>
+          </a:xfrm>
+          <a:prstGeom prst="rect">
+            <a:avLst/>
+          </a:prstGeom>
+        </p:spPr>
+      </p:pic>
+    </p:spTree>
+    <p:extLst>
+      <p:ext uri="{BB962C8B-B14F-4D97-AF65-F5344CB8AC3E}">
+        <p14:creationId xmlns:p14="http://schemas.microsoft.com/office/powerpoint/2010/main" val="1147318644"/>
+      </p:ext>
+    </p:extLst>
+  </p:cSld>
+  <p:clrMapOvr>
+    <a:masterClrMapping/>
+  </p:clrMapOvr>
+</p:sld>
+</file>
+
+<file path=ppt/slides/slide9.xml><?xml version="1.0" encoding="utf-8"?>
+<p:sld xmlns:a="http://schemas.openxmlformats.org/drawingml/2006/main" xmlns:r="http://schemas.openxmlformats.org/officeDocument/2006/relationships" xmlns:p="http://schemas.openxmlformats.org/presentationml/2006/main">
+  <p:cSld>
+    <p:spTree>
+      <p:nvGrpSpPr>
+        <p:cNvPr id="1" name=""/>
+        <p:cNvGrpSpPr/>
+        <p:nvPr/>
+      </p:nvGrpSpPr>
+      <p:grpSpPr>
+        <a:xfrm>
+          <a:off x="0" y="0"/>
+          <a:ext cx="0" cy="0"/>
+          <a:chOff x="0" y="0"/>
+          <a:chExt cx="0" cy="0"/>
+        </a:xfrm>
+      </p:grpSpPr>
+      <p:sp>
+        <p:nvSpPr>
+          <p:cNvPr id="2" name="Title 1">
+            <a:extLst>
+              <a:ext uri="{FF2B5EF4-FFF2-40B4-BE49-F238E27FC236}">
+                <a16:creationId xmlns:a16="http://schemas.microsoft.com/office/drawing/2014/main" id="{E9C5800C-92E3-4EB9-ABB2-0A8A2F898F5C}"/>
+              </a:ext>
+            </a:extLst>
+          </p:cNvPr>
+          <p:cNvSpPr>
+            <a:spLocks noGrp="1"/>
+          </p:cNvSpPr>
+          <p:nvPr>
+            <p:ph type="title"/>
+          </p:nvPr>
+        </p:nvSpPr>
+        <p:spPr/>
+        <p:txBody>
+          <a:bodyPr/>
+          <a:lstStyle/>
+          <a:p>
+            <a:r>
+              <a:rPr lang="en-US" dirty="0"/>
+              <a:t>Create Pull Request</a:t>
+            </a:r>
+          </a:p>
+        </p:txBody>
+      </p:sp>
+      <p:sp>
+        <p:nvSpPr>
+          <p:cNvPr id="3" name="Content Placeholder 2">
+            <a:extLst>
+              <a:ext uri="{FF2B5EF4-FFF2-40B4-BE49-F238E27FC236}">
+                <a16:creationId xmlns:a16="http://schemas.microsoft.com/office/drawing/2014/main" id="{8101B9D4-8963-43FB-A707-FAF6D39403F5}"/>
+              </a:ext>
+            </a:extLst>
+          </p:cNvPr>
+          <p:cNvSpPr>
+            <a:spLocks noGrp="1"/>
+          </p:cNvSpPr>
+          <p:nvPr>
+            <p:ph sz="half" idx="1"/>
+          </p:nvPr>
+        </p:nvSpPr>
+        <p:spPr/>
+        <p:txBody>
+          <a:bodyPr>
+            <a:normAutofit/>
+          </a:bodyPr>
+          <a:lstStyle/>
+          <a:p>
+            <a:r>
+              <a:rPr lang="en-US" dirty="0"/>
+              <a:t>Request to merge your changes into master branch</a:t>
+            </a:r>
+          </a:p>
+          <a:p>
+            <a:r>
+              <a:rPr lang="en-US" dirty="0"/>
+              <a:t>From repo main page</a:t>
+            </a:r>
+          </a:p>
+          <a:p>
+            <a:pPr lvl="1"/>
+            <a:r>
+              <a:rPr lang="en-US" dirty="0"/>
+              <a:t>Compare &amp; pull request</a:t>
+            </a:r>
+          </a:p>
+          <a:p>
+            <a:r>
+              <a:rPr lang="en-US" dirty="0"/>
+              <a:t>From branches page</a:t>
+            </a:r>
+          </a:p>
+          <a:p>
+            <a:pPr lvl="1"/>
+            <a:r>
+              <a:rPr lang="en-US" dirty="0"/>
+              <a:t>New pull request</a:t>
+            </a:r>
+          </a:p>
+          <a:p>
+            <a:endParaRPr lang="en-US" dirty="0"/>
+          </a:p>
+        </p:txBody>
+      </p:sp>
+      <p:pic>
+        <p:nvPicPr>
+          <p:cNvPr id="5" name="Content Placeholder 4">
+            <a:extLst>
+              <a:ext uri="{FF2B5EF4-FFF2-40B4-BE49-F238E27FC236}">
+                <a16:creationId xmlns:a16="http://schemas.microsoft.com/office/drawing/2014/main" id="{A3788246-807A-462B-B992-47022209B41D}"/>
+              </a:ext>
+            </a:extLst>
+          </p:cNvPr>
+          <p:cNvPicPr>
+            <a:picLocks noGrp="1" noChangeAspect="1"/>
+          </p:cNvPicPr>
+          <p:nvPr>
+            <p:ph sz="half" idx="2"/>
+          </p:nvPr>
+        </p:nvPicPr>
+        <p:blipFill>
+          <a:blip r:embed="rId2"/>
+          <a:stretch>
+            <a:fillRect/>
+          </a:stretch>
+        </p:blipFill>
+        <p:spPr>
+          <a:xfrm>
+            <a:off x="4060824" y="2336873"/>
+            <a:ext cx="4262805" cy="2970185"/>
+          </a:xfrm>
+          <a:prstGeom prst="rect">
+            <a:avLst/>
+          </a:prstGeom>
+        </p:spPr>
+      </p:pic>
+    </p:spTree>
+    <p:extLst>
+      <p:ext uri="{BB962C8B-B14F-4D97-AF65-F5344CB8AC3E}">
+        <p14:creationId xmlns:p14="http://schemas.microsoft.com/office/powerpoint/2010/main" val="3701073549"/>
       </p:ext>
     </p:extLst>
   </p:cSld>

--- a/SAAM.pptx
+++ b/SAAM.pptx
@@ -7454,7 +7454,7 @@
           </a:prstGeom>
           <a:extLst>
             <a:ext uri="{909E8E84-426E-40dd-AFC4-6F175D3DCCD1}">
-              <a14:hiddenFill xmlns:a14="http://schemas.microsoft.com/office/drawing/2010/main" xmlns="">
+              <a14:hiddenFill xmlns="" xmlns:a14="http://schemas.microsoft.com/office/drawing/2010/main">
                 <a:solidFill>
                   <a:srgbClr val="FFFFFF"/>
                 </a:solidFill>
